--- a/Northwind Sales Analysis + Recommendations.pptx
+++ b/Northwind Sales Analysis + Recommendations.pptx
@@ -6,13 +6,18 @@
   </p:sldMasterIdLst>
   <p:sldIdLst>
     <p:sldId id="256" r:id="rId2"/>
-    <p:sldId id="257" r:id="rId3"/>
+    <p:sldId id="259" r:id="rId3"/>
     <p:sldId id="258" r:id="rId4"/>
-    <p:sldId id="259" r:id="rId5"/>
-    <p:sldId id="260" r:id="rId6"/>
-    <p:sldId id="261" r:id="rId7"/>
-    <p:sldId id="262" r:id="rId8"/>
-    <p:sldId id="263" r:id="rId9"/>
+    <p:sldId id="260" r:id="rId5"/>
+    <p:sldId id="266" r:id="rId6"/>
+    <p:sldId id="267" r:id="rId7"/>
+    <p:sldId id="268" r:id="rId8"/>
+    <p:sldId id="262" r:id="rId9"/>
+    <p:sldId id="269" r:id="rId10"/>
+    <p:sldId id="263" r:id="rId11"/>
+    <p:sldId id="264" r:id="rId12"/>
+    <p:sldId id="265" r:id="rId13"/>
+    <p:sldId id="257" r:id="rId14"/>
   </p:sldIdLst>
   <p:sldSz cx="12192000" cy="6858000"/>
   <p:notesSz cx="6858000" cy="9144000"/>
@@ -111,6 +116,11 @@
       </a:defRPr>
     </a:lvl9pPr>
   </p:defaultTextStyle>
+  <p:extLst>
+    <p:ext uri="{EFAFB233-063F-42B5-8137-9DF3F51BA10A}">
+      <p15:sldGuideLst xmlns:p15="http://schemas.microsoft.com/office/powerpoint/2012/main"/>
+    </p:ext>
+  </p:extLst>
 </p:presentation>
 </file>
 
@@ -261,7 +271,7 @@
           <a:p>
             <a:fld id="{3E478A59-8DD2-4048-9A37-D3663B0E9755}" type="datetimeFigureOut">
               <a:rPr lang="en-US" smtClean="0"/>
-              <a:t>4/4/2019</a:t>
+              <a:t>4/7/2019</a:t>
             </a:fld>
             <a:endParaRPr lang="en-US"/>
           </a:p>
@@ -459,7 +469,7 @@
           <a:p>
             <a:fld id="{3E478A59-8DD2-4048-9A37-D3663B0E9755}" type="datetimeFigureOut">
               <a:rPr lang="en-US" smtClean="0"/>
-              <a:t>4/4/2019</a:t>
+              <a:t>4/7/2019</a:t>
             </a:fld>
             <a:endParaRPr lang="en-US"/>
           </a:p>
@@ -667,7 +677,7 @@
           <a:p>
             <a:fld id="{3E478A59-8DD2-4048-9A37-D3663B0E9755}" type="datetimeFigureOut">
               <a:rPr lang="en-US" smtClean="0"/>
-              <a:t>4/4/2019</a:t>
+              <a:t>4/7/2019</a:t>
             </a:fld>
             <a:endParaRPr lang="en-US"/>
           </a:p>
@@ -865,7 +875,7 @@
           <a:p>
             <a:fld id="{3E478A59-8DD2-4048-9A37-D3663B0E9755}" type="datetimeFigureOut">
               <a:rPr lang="en-US" smtClean="0"/>
-              <a:t>4/4/2019</a:t>
+              <a:t>4/7/2019</a:t>
             </a:fld>
             <a:endParaRPr lang="en-US"/>
           </a:p>
@@ -1140,7 +1150,7 @@
           <a:p>
             <a:fld id="{3E478A59-8DD2-4048-9A37-D3663B0E9755}" type="datetimeFigureOut">
               <a:rPr lang="en-US" smtClean="0"/>
-              <a:t>4/4/2019</a:t>
+              <a:t>4/7/2019</a:t>
             </a:fld>
             <a:endParaRPr lang="en-US"/>
           </a:p>
@@ -1405,7 +1415,7 @@
           <a:p>
             <a:fld id="{3E478A59-8DD2-4048-9A37-D3663B0E9755}" type="datetimeFigureOut">
               <a:rPr lang="en-US" smtClean="0"/>
-              <a:t>4/4/2019</a:t>
+              <a:t>4/7/2019</a:t>
             </a:fld>
             <a:endParaRPr lang="en-US"/>
           </a:p>
@@ -1817,7 +1827,7 @@
           <a:p>
             <a:fld id="{3E478A59-8DD2-4048-9A37-D3663B0E9755}" type="datetimeFigureOut">
               <a:rPr lang="en-US" smtClean="0"/>
-              <a:t>4/4/2019</a:t>
+              <a:t>4/7/2019</a:t>
             </a:fld>
             <a:endParaRPr lang="en-US"/>
           </a:p>
@@ -1958,7 +1968,7 @@
           <a:p>
             <a:fld id="{3E478A59-8DD2-4048-9A37-D3663B0E9755}" type="datetimeFigureOut">
               <a:rPr lang="en-US" smtClean="0"/>
-              <a:t>4/4/2019</a:t>
+              <a:t>4/7/2019</a:t>
             </a:fld>
             <a:endParaRPr lang="en-US"/>
           </a:p>
@@ -2071,7 +2081,7 @@
           <a:p>
             <a:fld id="{3E478A59-8DD2-4048-9A37-D3663B0E9755}" type="datetimeFigureOut">
               <a:rPr lang="en-US" smtClean="0"/>
-              <a:t>4/4/2019</a:t>
+              <a:t>4/7/2019</a:t>
             </a:fld>
             <a:endParaRPr lang="en-US"/>
           </a:p>
@@ -2382,7 +2392,7 @@
           <a:p>
             <a:fld id="{3E478A59-8DD2-4048-9A37-D3663B0E9755}" type="datetimeFigureOut">
               <a:rPr lang="en-US" smtClean="0"/>
-              <a:t>4/4/2019</a:t>
+              <a:t>4/7/2019</a:t>
             </a:fld>
             <a:endParaRPr lang="en-US"/>
           </a:p>
@@ -2670,7 +2680,7 @@
           <a:p>
             <a:fld id="{3E478A59-8DD2-4048-9A37-D3663B0E9755}" type="datetimeFigureOut">
               <a:rPr lang="en-US" smtClean="0"/>
-              <a:t>4/4/2019</a:t>
+              <a:t>4/7/2019</a:t>
             </a:fld>
             <a:endParaRPr lang="en-US"/>
           </a:p>
@@ -2911,7 +2921,7 @@
           <a:p>
             <a:fld id="{3E478A59-8DD2-4048-9A37-D3663B0E9755}" type="datetimeFigureOut">
               <a:rPr lang="en-US" smtClean="0"/>
-              <a:t>4/4/2019</a:t>
+              <a:t>4/7/2019</a:t>
             </a:fld>
             <a:endParaRPr lang="en-US"/>
           </a:p>
@@ -3314,6 +3324,14 @@
 <file path=ppt/slides/slide1.xml><?xml version="1.0" encoding="utf-8"?>
 <p:sld xmlns:a="http://schemas.openxmlformats.org/drawingml/2006/main" xmlns:r="http://schemas.openxmlformats.org/officeDocument/2006/relationships" xmlns:p="http://schemas.openxmlformats.org/presentationml/2006/main">
   <p:cSld>
+    <p:bg>
+      <p:bgPr>
+        <a:solidFill>
+          <a:schemeClr val="tx1"/>
+        </a:solidFill>
+        <a:effectLst/>
+      </p:bgPr>
+    </p:bg>
     <p:spTree>
       <p:nvGrpSpPr>
         <p:cNvPr id="1" name=""/>
@@ -3330,6 +3348,72 @@
       </p:grpSpPr>
       <p:sp>
         <p:nvSpPr>
+          <p:cNvPr id="30" name="Rectangle 29">
+            <a:extLst>
+              <a:ext uri="{FF2B5EF4-FFF2-40B4-BE49-F238E27FC236}">
+                <a16:creationId xmlns:a16="http://schemas.microsoft.com/office/drawing/2014/main" id="{C0B27210-D0CA-4654-B3E3-9ABB4F178EA1}"/>
+              </a:ext>
+              <a:ext uri="{C183D7F6-B498-43B3-948B-1728B52AA6E4}">
+                <adec:decorative xmlns:adec="http://schemas.microsoft.com/office/drawing/2017/decorative" val="1"/>
+              </a:ext>
+            </a:extLst>
+          </p:cNvPr>
+          <p:cNvSpPr>
+            <a:spLocks noGrp="1" noRot="1" noChangeAspect="1" noMove="1" noResize="1" noEditPoints="1" noAdjustHandles="1" noChangeArrowheads="1" noChangeShapeType="1" noTextEdit="1"/>
+          </p:cNvSpPr>
+          <p:nvPr>
+            <p:extLst>
+              <p:ext uri="{386F3935-93C4-4BCD-93E2-E3B085C9AB24}">
+                <p16:designElem xmlns:p16="http://schemas.microsoft.com/office/powerpoint/2015/main" val="1"/>
+              </p:ext>
+            </p:extLst>
+          </p:nvPr>
+        </p:nvSpPr>
+        <p:spPr>
+          <a:xfrm>
+            <a:off x="0" y="0"/>
+            <a:ext cx="12192000" cy="6858000"/>
+          </a:xfrm>
+          <a:prstGeom prst="rect">
+            <a:avLst/>
+          </a:prstGeom>
+          <a:solidFill>
+            <a:schemeClr val="tx1">
+              <a:lumMod val="75000"/>
+              <a:lumOff val="25000"/>
+            </a:schemeClr>
+          </a:solidFill>
+          <a:ln>
+            <a:noFill/>
+          </a:ln>
+        </p:spPr>
+        <p:style>
+          <a:lnRef idx="2">
+            <a:schemeClr val="accent1">
+              <a:shade val="50000"/>
+            </a:schemeClr>
+          </a:lnRef>
+          <a:fillRef idx="1">
+            <a:schemeClr val="accent1"/>
+          </a:fillRef>
+          <a:effectRef idx="0">
+            <a:schemeClr val="accent1"/>
+          </a:effectRef>
+          <a:fontRef idx="minor">
+            <a:schemeClr val="lt1"/>
+          </a:fontRef>
+        </p:style>
+        <p:txBody>
+          <a:bodyPr rtlCol="0" anchor="ctr"/>
+          <a:lstStyle/>
+          <a:p>
+            <a:pPr algn="ctr"/>
+            <a:endParaRPr lang="en-US"/>
+          </a:p>
+        </p:txBody>
+      </p:sp>
+      <p:sp>
+        <p:nvSpPr>
           <p:cNvPr id="2" name="Title 1">
             <a:extLst>
               <a:ext uri="{FF2B5EF4-FFF2-40B4-BE49-F238E27FC236}">
@@ -3344,14 +3428,26 @@
             <p:ph type="ctrTitle"/>
           </p:nvPr>
         </p:nvSpPr>
-        <p:spPr/>
-        <p:txBody>
-          <a:bodyPr/>
-          <a:lstStyle/>
-          <a:p>
-            <a:r>
-              <a:rPr lang="en-US" dirty="0"/>
-              <a:t>Northwind Sales Analysis + Recommendations</a:t>
+        <p:spPr>
+          <a:xfrm>
+            <a:off x="6268720" y="1351280"/>
+            <a:ext cx="5123158" cy="3321793"/>
+          </a:xfrm>
+        </p:spPr>
+        <p:txBody>
+          <a:bodyPr anchor="b">
+            <a:normAutofit/>
+          </a:bodyPr>
+          <a:lstStyle/>
+          <a:p>
+            <a:pPr algn="l"/>
+            <a:r>
+              <a:rPr lang="en-US" sz="4200" dirty="0">
+                <a:solidFill>
+                  <a:schemeClr val="bg1"/>
+                </a:solidFill>
+              </a:rPr>
+              <a:t>Analysis of Northwind Consumer Purchasing Behavior for Northwind</a:t>
             </a:r>
           </a:p>
         </p:txBody>
@@ -3372,24 +3468,436 @@
             <p:ph type="subTitle" idx="1"/>
           </p:nvPr>
         </p:nvSpPr>
-        <p:spPr/>
-        <p:txBody>
-          <a:bodyPr/>
-          <a:lstStyle/>
-          <a:p>
-            <a:r>
-              <a:rPr lang="en-US" dirty="0"/>
+        <p:spPr>
+          <a:xfrm>
+            <a:off x="6746627" y="4750893"/>
+            <a:ext cx="4645250" cy="1147863"/>
+          </a:xfrm>
+        </p:spPr>
+        <p:txBody>
+          <a:bodyPr anchor="t">
+            <a:normAutofit lnSpcReduction="10000"/>
+          </a:bodyPr>
+          <a:lstStyle/>
+          <a:p>
+            <a:pPr algn="l"/>
+            <a:r>
+              <a:rPr lang="en-US" sz="2000" dirty="0">
+                <a:solidFill>
+                  <a:schemeClr val="bg1"/>
+                </a:solidFill>
+              </a:rPr>
               <a:t>James M. Irving, Ph.D.</a:t>
             </a:r>
           </a:p>
           <a:p>
-            <a:r>
-              <a:rPr lang="en-US" dirty="0"/>
-              <a:t>04/09/19</a:t>
-            </a:r>
-          </a:p>
-        </p:txBody>
-      </p:sp>
+            <a:pPr algn="l"/>
+            <a:r>
+              <a:rPr lang="en-US" sz="2000" dirty="0">
+                <a:solidFill>
+                  <a:schemeClr val="bg1"/>
+                </a:solidFill>
+              </a:rPr>
+              <a:t>Michael </a:t>
+            </a:r>
+            <a:r>
+              <a:rPr lang="en-US" sz="2000" dirty="0" err="1">
+                <a:solidFill>
+                  <a:schemeClr val="bg1"/>
+                </a:solidFill>
+              </a:rPr>
+              <a:t>Morvetz</a:t>
+            </a:r>
+            <a:endParaRPr lang="en-US" sz="2000" dirty="0">
+              <a:solidFill>
+                <a:schemeClr val="bg1"/>
+              </a:solidFill>
+            </a:endParaRPr>
+          </a:p>
+          <a:p>
+            <a:pPr algn="l"/>
+            <a:r>
+              <a:rPr lang="en-US" sz="2000" dirty="0">
+                <a:solidFill>
+                  <a:schemeClr val="bg1"/>
+                </a:solidFill>
+              </a:rPr>
+              <a:t>04/08/19</a:t>
+            </a:r>
+          </a:p>
+        </p:txBody>
+      </p:sp>
+      <p:sp>
+        <p:nvSpPr>
+          <p:cNvPr id="32" name="Freeform: Shape 31">
+            <a:extLst>
+              <a:ext uri="{FF2B5EF4-FFF2-40B4-BE49-F238E27FC236}">
+                <a16:creationId xmlns:a16="http://schemas.microsoft.com/office/drawing/2014/main" id="{1DB7C82F-AB7E-4F0C-B829-FA1B9C415180}"/>
+              </a:ext>
+              <a:ext uri="{C183D7F6-B498-43B3-948B-1728B52AA6E4}">
+                <adec:decorative xmlns:adec="http://schemas.microsoft.com/office/drawing/2017/decorative" val="1"/>
+              </a:ext>
+            </a:extLst>
+          </p:cNvPr>
+          <p:cNvSpPr>
+            <a:spLocks noGrp="1" noRot="1" noChangeAspect="1" noMove="1" noResize="1" noEditPoints="1" noAdjustHandles="1" noChangeArrowheads="1" noChangeShapeType="1" noTextEdit="1"/>
+          </p:cNvSpPr>
+          <p:nvPr>
+            <p:extLst>
+              <p:ext uri="{386F3935-93C4-4BCD-93E2-E3B085C9AB24}">
+                <p16:designElem xmlns:p16="http://schemas.microsoft.com/office/powerpoint/2015/main" val="1"/>
+              </p:ext>
+            </p:extLst>
+          </p:nvPr>
+        </p:nvSpPr>
+        <p:spPr>
+          <a:xfrm flipH="1">
+            <a:off x="0" y="0"/>
+            <a:ext cx="6172782" cy="6858000"/>
+          </a:xfrm>
+          <a:custGeom>
+            <a:avLst/>
+            <a:gdLst>
+              <a:gd name="connsiteX0" fmla="*/ 6172782 w 6172782"/>
+              <a:gd name="connsiteY0" fmla="*/ 0 h 6858000"/>
+              <a:gd name="connsiteX1" fmla="*/ 69075 w 6172782"/>
+              <a:gd name="connsiteY1" fmla="*/ 0 h 6858000"/>
+              <a:gd name="connsiteX2" fmla="*/ 35131 w 6172782"/>
+              <a:gd name="connsiteY2" fmla="*/ 267128 h 6858000"/>
+              <a:gd name="connsiteX3" fmla="*/ 0 w 6172782"/>
+              <a:gd name="connsiteY3" fmla="*/ 962845 h 6858000"/>
+              <a:gd name="connsiteX4" fmla="*/ 3276103 w 6172782"/>
+              <a:gd name="connsiteY4" fmla="*/ 6782205 h 6858000"/>
+              <a:gd name="connsiteX5" fmla="*/ 3407923 w 6172782"/>
+              <a:gd name="connsiteY5" fmla="*/ 6858000 h 6858000"/>
+              <a:gd name="connsiteX6" fmla="*/ 6172782 w 6172782"/>
+              <a:gd name="connsiteY6" fmla="*/ 6858000 h 6858000"/>
+            </a:gdLst>
+            <a:ahLst/>
+            <a:cxnLst>
+              <a:cxn ang="0">
+                <a:pos x="connsiteX0" y="connsiteY0"/>
+              </a:cxn>
+              <a:cxn ang="0">
+                <a:pos x="connsiteX1" y="connsiteY1"/>
+              </a:cxn>
+              <a:cxn ang="0">
+                <a:pos x="connsiteX2" y="connsiteY2"/>
+              </a:cxn>
+              <a:cxn ang="0">
+                <a:pos x="connsiteX3" y="connsiteY3"/>
+              </a:cxn>
+              <a:cxn ang="0">
+                <a:pos x="connsiteX4" y="connsiteY4"/>
+              </a:cxn>
+              <a:cxn ang="0">
+                <a:pos x="connsiteX5" y="connsiteY5"/>
+              </a:cxn>
+              <a:cxn ang="0">
+                <a:pos x="connsiteX6" y="connsiteY6"/>
+              </a:cxn>
+            </a:cxnLst>
+            <a:rect l="l" t="t" r="r" b="b"/>
+            <a:pathLst>
+              <a:path w="6172782" h="6858000">
+                <a:moveTo>
+                  <a:pt x="6172782" y="0"/>
+                </a:moveTo>
+                <a:lnTo>
+                  <a:pt x="69075" y="0"/>
+                </a:lnTo>
+                <a:lnTo>
+                  <a:pt x="35131" y="267128"/>
+                </a:lnTo>
+                <a:cubicBezTo>
+                  <a:pt x="11901" y="495874"/>
+                  <a:pt x="0" y="727970"/>
+                  <a:pt x="0" y="962845"/>
+                </a:cubicBezTo>
+                <a:cubicBezTo>
+                  <a:pt x="0" y="3429034"/>
+                  <a:pt x="1312002" y="5588789"/>
+                  <a:pt x="3276103" y="6782205"/>
+                </a:cubicBezTo>
+                <a:lnTo>
+                  <a:pt x="3407923" y="6858000"/>
+                </a:lnTo>
+                <a:lnTo>
+                  <a:pt x="6172782" y="6858000"/>
+                </a:lnTo>
+                <a:close/>
+              </a:path>
+            </a:pathLst>
+          </a:custGeom>
+          <a:solidFill>
+            <a:schemeClr val="bg1">
+              <a:alpha val="80000"/>
+            </a:schemeClr>
+          </a:solidFill>
+          <a:ln>
+            <a:noFill/>
+          </a:ln>
+        </p:spPr>
+        <p:style>
+          <a:lnRef idx="2">
+            <a:schemeClr val="accent1">
+              <a:shade val="50000"/>
+            </a:schemeClr>
+          </a:lnRef>
+          <a:fillRef idx="1">
+            <a:schemeClr val="accent1"/>
+          </a:fillRef>
+          <a:effectRef idx="0">
+            <a:schemeClr val="accent1"/>
+          </a:effectRef>
+          <a:fontRef idx="minor">
+            <a:schemeClr val="lt1"/>
+          </a:fontRef>
+        </p:style>
+        <p:txBody>
+          <a:bodyPr wrap="square" rtlCol="0" anchor="ctr">
+            <a:noAutofit/>
+          </a:bodyPr>
+          <a:lstStyle/>
+          <a:p>
+            <a:pPr marL="0" marR="0" lvl="0" indent="0" algn="ctr" defTabSz="914400" rtl="0" eaLnBrk="1" fontAlgn="auto" latinLnBrk="0" hangingPunct="1">
+              <a:lnSpc>
+                <a:spcPct val="100000"/>
+              </a:lnSpc>
+              <a:spcBef>
+                <a:spcPts val="0"/>
+              </a:spcBef>
+              <a:spcAft>
+                <a:spcPts val="0"/>
+              </a:spcAft>
+              <a:buClrTx/>
+              <a:buSzTx/>
+              <a:buFontTx/>
+              <a:buNone/>
+              <a:tabLst/>
+              <a:defRPr/>
+            </a:pPr>
+            <a:endParaRPr kumimoji="0" lang="en-US" sz="1800" b="0" i="0" u="none" strike="noStrike" kern="1200" cap="none" spc="0" normalizeH="0" baseline="0" noProof="0">
+              <a:ln>
+                <a:noFill/>
+              </a:ln>
+              <a:solidFill>
+                <a:prstClr val="white"/>
+              </a:solidFill>
+              <a:effectLst/>
+              <a:uLnTx/>
+              <a:uFillTx/>
+              <a:latin typeface="Calibri" panose="020F0502020204030204"/>
+              <a:ea typeface="+mn-ea"/>
+              <a:cs typeface="+mn-cs"/>
+            </a:endParaRPr>
+          </a:p>
+        </p:txBody>
+      </p:sp>
+      <p:sp>
+        <p:nvSpPr>
+          <p:cNvPr id="34" name="Freeform: Shape 33">
+            <a:extLst>
+              <a:ext uri="{FF2B5EF4-FFF2-40B4-BE49-F238E27FC236}">
+                <a16:creationId xmlns:a16="http://schemas.microsoft.com/office/drawing/2014/main" id="{70B66945-4967-4040-926D-DCA44313CDAB}"/>
+              </a:ext>
+              <a:ext uri="{C183D7F6-B498-43B3-948B-1728B52AA6E4}">
+                <adec:decorative xmlns:adec="http://schemas.microsoft.com/office/drawing/2017/decorative" val="1"/>
+              </a:ext>
+            </a:extLst>
+          </p:cNvPr>
+          <p:cNvSpPr>
+            <a:spLocks noGrp="1" noRot="1" noChangeAspect="1" noMove="1" noResize="1" noEditPoints="1" noAdjustHandles="1" noChangeArrowheads="1" noChangeShapeType="1" noTextEdit="1"/>
+          </p:cNvSpPr>
+          <p:nvPr>
+            <p:extLst>
+              <p:ext uri="{386F3935-93C4-4BCD-93E2-E3B085C9AB24}">
+                <p16:designElem xmlns:p16="http://schemas.microsoft.com/office/powerpoint/2015/main" val="1"/>
+              </p:ext>
+            </p:extLst>
+          </p:nvPr>
+        </p:nvSpPr>
+        <p:spPr>
+          <a:xfrm>
+            <a:off x="0" y="0"/>
+            <a:ext cx="6024154" cy="6858000"/>
+          </a:xfrm>
+          <a:custGeom>
+            <a:avLst/>
+            <a:gdLst>
+              <a:gd name="connsiteX0" fmla="*/ 0 w 6024154"/>
+              <a:gd name="connsiteY0" fmla="*/ 0 h 6858000"/>
+              <a:gd name="connsiteX1" fmla="*/ 5953780 w 6024154"/>
+              <a:gd name="connsiteY1" fmla="*/ 0 h 6858000"/>
+              <a:gd name="connsiteX2" fmla="*/ 5989880 w 6024154"/>
+              <a:gd name="connsiteY2" fmla="*/ 284091 h 6858000"/>
+              <a:gd name="connsiteX3" fmla="*/ 6024154 w 6024154"/>
+              <a:gd name="connsiteY3" fmla="*/ 962844 h 6858000"/>
+              <a:gd name="connsiteX4" fmla="*/ 2549934 w 6024154"/>
+              <a:gd name="connsiteY4" fmla="*/ 6800152 h 6858000"/>
+              <a:gd name="connsiteX5" fmla="*/ 2436987 w 6024154"/>
+              <a:gd name="connsiteY5" fmla="*/ 6858000 h 6858000"/>
+              <a:gd name="connsiteX6" fmla="*/ 0 w 6024154"/>
+              <a:gd name="connsiteY6" fmla="*/ 6858000 h 6858000"/>
+            </a:gdLst>
+            <a:ahLst/>
+            <a:cxnLst>
+              <a:cxn ang="0">
+                <a:pos x="connsiteX0" y="connsiteY0"/>
+              </a:cxn>
+              <a:cxn ang="0">
+                <a:pos x="connsiteX1" y="connsiteY1"/>
+              </a:cxn>
+              <a:cxn ang="0">
+                <a:pos x="connsiteX2" y="connsiteY2"/>
+              </a:cxn>
+              <a:cxn ang="0">
+                <a:pos x="connsiteX3" y="connsiteY3"/>
+              </a:cxn>
+              <a:cxn ang="0">
+                <a:pos x="connsiteX4" y="connsiteY4"/>
+              </a:cxn>
+              <a:cxn ang="0">
+                <a:pos x="connsiteX5" y="connsiteY5"/>
+              </a:cxn>
+              <a:cxn ang="0">
+                <a:pos x="connsiteX6" y="connsiteY6"/>
+              </a:cxn>
+            </a:cxnLst>
+            <a:rect l="l" t="t" r="r" b="b"/>
+            <a:pathLst>
+              <a:path w="6024154" h="6858000">
+                <a:moveTo>
+                  <a:pt x="0" y="0"/>
+                </a:moveTo>
+                <a:lnTo>
+                  <a:pt x="5953780" y="0"/>
+                </a:lnTo>
+                <a:lnTo>
+                  <a:pt x="5989880" y="284091"/>
+                </a:lnTo>
+                <a:cubicBezTo>
+                  <a:pt x="6012544" y="507260"/>
+                  <a:pt x="6024154" y="733696"/>
+                  <a:pt x="6024154" y="962844"/>
+                </a:cubicBezTo>
+                <a:cubicBezTo>
+                  <a:pt x="6024154" y="3483472"/>
+                  <a:pt x="4619336" y="5675986"/>
+                  <a:pt x="2549934" y="6800152"/>
+                </a:cubicBezTo>
+                <a:lnTo>
+                  <a:pt x="2436987" y="6858000"/>
+                </a:lnTo>
+                <a:lnTo>
+                  <a:pt x="0" y="6858000"/>
+                </a:lnTo>
+                <a:close/>
+              </a:path>
+            </a:pathLst>
+          </a:custGeom>
+          <a:solidFill>
+            <a:schemeClr val="bg1"/>
+          </a:solidFill>
+          <a:ln>
+            <a:noFill/>
+          </a:ln>
+        </p:spPr>
+        <p:style>
+          <a:lnRef idx="2">
+            <a:schemeClr val="accent1">
+              <a:shade val="50000"/>
+            </a:schemeClr>
+          </a:lnRef>
+          <a:fillRef idx="1">
+            <a:schemeClr val="accent1"/>
+          </a:fillRef>
+          <a:effectRef idx="0">
+            <a:schemeClr val="accent1"/>
+          </a:effectRef>
+          <a:fontRef idx="minor">
+            <a:schemeClr val="lt1"/>
+          </a:fontRef>
+        </p:style>
+        <p:txBody>
+          <a:bodyPr wrap="square" rtlCol="0" anchor="ctr">
+            <a:noAutofit/>
+          </a:bodyPr>
+          <a:lstStyle/>
+          <a:p>
+            <a:pPr marL="0" marR="0" lvl="0" indent="0" algn="ctr" defTabSz="914400" rtl="0" eaLnBrk="1" fontAlgn="auto" latinLnBrk="0" hangingPunct="1">
+              <a:lnSpc>
+                <a:spcPct val="100000"/>
+              </a:lnSpc>
+              <a:spcBef>
+                <a:spcPts val="0"/>
+              </a:spcBef>
+              <a:spcAft>
+                <a:spcPts val="0"/>
+              </a:spcAft>
+              <a:buClrTx/>
+              <a:buSzTx/>
+              <a:buFontTx/>
+              <a:buNone/>
+              <a:tabLst/>
+              <a:defRPr/>
+            </a:pPr>
+            <a:endParaRPr kumimoji="0" lang="en-US" sz="1800" b="0" i="0" u="none" strike="noStrike" kern="1200" cap="none" spc="0" normalizeH="0" baseline="0" noProof="0">
+              <a:ln>
+                <a:noFill/>
+              </a:ln>
+              <a:solidFill>
+                <a:prstClr val="white"/>
+              </a:solidFill>
+              <a:effectLst/>
+              <a:uLnTx/>
+              <a:uFillTx/>
+              <a:latin typeface="Calibri" panose="020F0502020204030204"/>
+              <a:ea typeface="+mn-ea"/>
+              <a:cs typeface="+mn-cs"/>
+            </a:endParaRPr>
+          </a:p>
+        </p:txBody>
+      </p:sp>
+      <p:pic>
+        <p:nvPicPr>
+          <p:cNvPr id="7" name="Graphic 6" descr="Upward trend">
+            <a:extLst>
+              <a:ext uri="{FF2B5EF4-FFF2-40B4-BE49-F238E27FC236}">
+                <a16:creationId xmlns:a16="http://schemas.microsoft.com/office/drawing/2014/main" id="{A1CC2C0E-10BE-466F-B72C-12E862C22D82}"/>
+              </a:ext>
+            </a:extLst>
+          </p:cNvPr>
+          <p:cNvPicPr>
+            <a:picLocks noChangeAspect="1"/>
+          </p:cNvPicPr>
+          <p:nvPr/>
+        </p:nvPicPr>
+        <p:blipFill>
+          <a:blip r:embed="rId2">
+            <a:extLst>
+              <a:ext uri="{28A0092B-C50C-407E-A947-70E740481C1C}">
+                <a14:useLocalDpi xmlns:a14="http://schemas.microsoft.com/office/drawing/2010/main" val="0"/>
+              </a:ext>
+              <a:ext uri="{96DAC541-7B7A-43D3-8B79-37D633B846F1}">
+                <asvg:svgBlip xmlns:asvg="http://schemas.microsoft.com/office/drawing/2016/SVG/main" r:embed="rId3"/>
+              </a:ext>
+            </a:extLst>
+          </a:blip>
+          <a:stretch>
+            <a:fillRect/>
+          </a:stretch>
+        </p:blipFill>
+        <p:spPr>
+          <a:xfrm>
+            <a:off x="419382" y="720993"/>
+            <a:ext cx="4047843" cy="4047843"/>
+          </a:xfrm>
+          <a:prstGeom prst="rect">
+            <a:avLst/>
+          </a:prstGeom>
+        </p:spPr>
+      </p:pic>
     </p:spTree>
     <p:extLst>
       <p:ext uri="{BB962C8B-B14F-4D97-AF65-F5344CB8AC3E}">
@@ -3398,12 +3906,340 @@
     </p:extLst>
   </p:cSld>
   <p:clrMapOvr>
-    <a:masterClrMapping/>
+    <a:overrideClrMapping bg1="lt1" tx1="dk1" bg2="lt2" tx2="dk2" accent1="accent1" accent2="accent2" accent3="accent3" accent4="accent4" accent5="accent5" accent6="accent6" hlink="hlink" folHlink="folHlink"/>
   </p:clrMapOvr>
 </p:sld>
 </file>
 
-<file path=ppt/slides/slide2.xml><?xml version="1.0" encoding="utf-8"?>
+<file path=ppt/slides/slide10.xml><?xml version="1.0" encoding="utf-8"?>
+<p:sld xmlns:a="http://schemas.openxmlformats.org/drawingml/2006/main" xmlns:r="http://schemas.openxmlformats.org/officeDocument/2006/relationships" xmlns:p="http://schemas.openxmlformats.org/presentationml/2006/main">
+  <p:cSld>
+    <p:bg>
+      <p:bgPr>
+        <a:solidFill>
+          <a:schemeClr val="bg1">
+            <a:tint val="95000"/>
+            <a:satMod val="170000"/>
+          </a:schemeClr>
+        </a:solidFill>
+        <a:effectLst/>
+      </p:bgPr>
+    </p:bg>
+    <p:spTree>
+      <p:nvGrpSpPr>
+        <p:cNvPr id="1" name=""/>
+        <p:cNvGrpSpPr/>
+        <p:nvPr/>
+      </p:nvGrpSpPr>
+      <p:grpSpPr>
+        <a:xfrm>
+          <a:off x="0" y="0"/>
+          <a:ext cx="0" cy="0"/>
+          <a:chOff x="0" y="0"/>
+          <a:chExt cx="0" cy="0"/>
+        </a:xfrm>
+      </p:grpSpPr>
+      <p:sp>
+        <p:nvSpPr>
+          <p:cNvPr id="8" name="Freeform: Shape 7">
+            <a:extLst>
+              <a:ext uri="{FF2B5EF4-FFF2-40B4-BE49-F238E27FC236}">
+                <a16:creationId xmlns:a16="http://schemas.microsoft.com/office/drawing/2014/main" id="{48A740BC-A0AA-45E0-B899-2AE9C6FE11CA}"/>
+              </a:ext>
+              <a:ext uri="{C183D7F6-B498-43B3-948B-1728B52AA6E4}">
+                <adec:decorative xmlns:adec="http://schemas.microsoft.com/office/drawing/2017/decorative" val="1"/>
+              </a:ext>
+            </a:extLst>
+          </p:cNvPr>
+          <p:cNvSpPr>
+            <a:spLocks noGrp="1" noRot="1" noChangeAspect="1" noMove="1" noResize="1" noEditPoints="1" noAdjustHandles="1" noChangeArrowheads="1" noChangeShapeType="1" noTextEdit="1"/>
+          </p:cNvSpPr>
+          <p:nvPr>
+            <p:extLst>
+              <p:ext uri="{386F3935-93C4-4BCD-93E2-E3B085C9AB24}">
+                <p16:designElem xmlns:p16="http://schemas.microsoft.com/office/powerpoint/2015/main" val="1"/>
+              </p:ext>
+            </p:extLst>
+          </p:nvPr>
+        </p:nvSpPr>
+        <p:spPr>
+          <a:xfrm>
+            <a:off x="5913121" y="-2"/>
+            <a:ext cx="6278879" cy="6858002"/>
+          </a:xfrm>
+          <a:custGeom>
+            <a:avLst/>
+            <a:gdLst>
+              <a:gd name="connsiteX0" fmla="*/ 45572 w 6278879"/>
+              <a:gd name="connsiteY0" fmla="*/ 0 h 6858002"/>
+              <a:gd name="connsiteX1" fmla="*/ 6278879 w 6278879"/>
+              <a:gd name="connsiteY1" fmla="*/ 0 h 6858002"/>
+              <a:gd name="connsiteX2" fmla="*/ 6278879 w 6278879"/>
+              <a:gd name="connsiteY2" fmla="*/ 6858002 h 6858002"/>
+              <a:gd name="connsiteX3" fmla="*/ 3292308 w 6278879"/>
+              <a:gd name="connsiteY3" fmla="*/ 6858002 h 6858002"/>
+              <a:gd name="connsiteX4" fmla="*/ 3181526 w 6278879"/>
+              <a:gd name="connsiteY4" fmla="*/ 6786982 h 6858002"/>
+              <a:gd name="connsiteX5" fmla="*/ 0 w 6278879"/>
+              <a:gd name="connsiteY5" fmla="*/ 803254 h 6858002"/>
+              <a:gd name="connsiteX6" fmla="*/ 37255 w 6278879"/>
+              <a:gd name="connsiteY6" fmla="*/ 65447 h 6858002"/>
+            </a:gdLst>
+            <a:ahLst/>
+            <a:cxnLst>
+              <a:cxn ang="0">
+                <a:pos x="connsiteX0" y="connsiteY0"/>
+              </a:cxn>
+              <a:cxn ang="0">
+                <a:pos x="connsiteX1" y="connsiteY1"/>
+              </a:cxn>
+              <a:cxn ang="0">
+                <a:pos x="connsiteX2" y="connsiteY2"/>
+              </a:cxn>
+              <a:cxn ang="0">
+                <a:pos x="connsiteX3" y="connsiteY3"/>
+              </a:cxn>
+              <a:cxn ang="0">
+                <a:pos x="connsiteX4" y="connsiteY4"/>
+              </a:cxn>
+              <a:cxn ang="0">
+                <a:pos x="connsiteX5" y="connsiteY5"/>
+              </a:cxn>
+              <a:cxn ang="0">
+                <a:pos x="connsiteX6" y="connsiteY6"/>
+              </a:cxn>
+            </a:cxnLst>
+            <a:rect l="l" t="t" r="r" b="b"/>
+            <a:pathLst>
+              <a:path w="6278879" h="6858002">
+                <a:moveTo>
+                  <a:pt x="45572" y="0"/>
+                </a:moveTo>
+                <a:lnTo>
+                  <a:pt x="6278879" y="0"/>
+                </a:lnTo>
+                <a:lnTo>
+                  <a:pt x="6278879" y="6858002"/>
+                </a:lnTo>
+                <a:lnTo>
+                  <a:pt x="3292308" y="6858002"/>
+                </a:lnTo>
+                <a:lnTo>
+                  <a:pt x="3181526" y="6786982"/>
+                </a:lnTo>
+                <a:cubicBezTo>
+                  <a:pt x="1262021" y="5490191"/>
+                  <a:pt x="0" y="3294103"/>
+                  <a:pt x="0" y="803254"/>
+                </a:cubicBezTo>
+                <a:cubicBezTo>
+                  <a:pt x="0" y="554169"/>
+                  <a:pt x="12620" y="308032"/>
+                  <a:pt x="37255" y="65447"/>
+                </a:cubicBezTo>
+                <a:close/>
+              </a:path>
+            </a:pathLst>
+          </a:custGeom>
+          <a:solidFill>
+            <a:schemeClr val="bg1">
+              <a:lumMod val="85000"/>
+              <a:lumOff val="15000"/>
+              <a:alpha val="70000"/>
+            </a:schemeClr>
+          </a:solidFill>
+          <a:ln>
+            <a:noFill/>
+          </a:ln>
+        </p:spPr>
+        <p:style>
+          <a:lnRef idx="2">
+            <a:schemeClr val="accent1">
+              <a:shade val="50000"/>
+            </a:schemeClr>
+          </a:lnRef>
+          <a:fillRef idx="1">
+            <a:schemeClr val="accent1"/>
+          </a:fillRef>
+          <a:effectRef idx="0">
+            <a:schemeClr val="accent1"/>
+          </a:effectRef>
+          <a:fontRef idx="minor">
+            <a:schemeClr val="lt1"/>
+          </a:fontRef>
+        </p:style>
+        <p:txBody>
+          <a:bodyPr rtlCol="0" anchor="ctr"/>
+          <a:lstStyle/>
+          <a:p>
+            <a:pPr marL="0" marR="0" lvl="0" indent="0" algn="ctr" defTabSz="914400" rtl="0" eaLnBrk="1" fontAlgn="auto" latinLnBrk="0" hangingPunct="1">
+              <a:lnSpc>
+                <a:spcPct val="100000"/>
+              </a:lnSpc>
+              <a:spcBef>
+                <a:spcPts val="0"/>
+              </a:spcBef>
+              <a:spcAft>
+                <a:spcPts val="0"/>
+              </a:spcAft>
+              <a:buClrTx/>
+              <a:buSzTx/>
+              <a:buFontTx/>
+              <a:buNone/>
+              <a:tabLst/>
+              <a:defRPr/>
+            </a:pPr>
+            <a:endParaRPr kumimoji="0" lang="en-US" sz="1800" b="0" i="0" u="none" strike="noStrike" kern="1200" cap="none" spc="0" normalizeH="0" baseline="0" noProof="0">
+              <a:ln>
+                <a:noFill/>
+              </a:ln>
+              <a:solidFill>
+                <a:prstClr val="white"/>
+              </a:solidFill>
+              <a:effectLst/>
+              <a:uLnTx/>
+              <a:uFillTx/>
+              <a:latin typeface="Calibri" panose="020F0502020204030204"/>
+              <a:ea typeface="+mn-ea"/>
+              <a:cs typeface="+mn-cs"/>
+            </a:endParaRPr>
+          </a:p>
+        </p:txBody>
+      </p:sp>
+      <p:sp>
+        <p:nvSpPr>
+          <p:cNvPr id="2" name="Title 1">
+            <a:extLst>
+              <a:ext uri="{FF2B5EF4-FFF2-40B4-BE49-F238E27FC236}">
+                <a16:creationId xmlns:a16="http://schemas.microsoft.com/office/drawing/2014/main" id="{044F4004-42C0-4D34-848A-911F52A5D71E}"/>
+              </a:ext>
+            </a:extLst>
+          </p:cNvPr>
+          <p:cNvSpPr>
+            <a:spLocks noGrp="1"/>
+          </p:cNvSpPr>
+          <p:nvPr>
+            <p:ph type="title"/>
+          </p:nvPr>
+        </p:nvSpPr>
+        <p:spPr>
+          <a:xfrm>
+            <a:off x="655320" y="365125"/>
+            <a:ext cx="9013052" cy="1623312"/>
+          </a:xfrm>
+        </p:spPr>
+        <p:txBody>
+          <a:bodyPr anchor="b">
+            <a:normAutofit/>
+          </a:bodyPr>
+          <a:lstStyle/>
+          <a:p>
+            <a:r>
+              <a:rPr lang="en-US" sz="4000"/>
+              <a:t>Hypothesis 4</a:t>
+            </a:r>
+          </a:p>
+        </p:txBody>
+      </p:sp>
+      <p:cxnSp>
+        <p:nvCxnSpPr>
+          <p:cNvPr id="10" name="Straight Arrow Connector 9">
+            <a:extLst>
+              <a:ext uri="{FF2B5EF4-FFF2-40B4-BE49-F238E27FC236}">
+                <a16:creationId xmlns:a16="http://schemas.microsoft.com/office/drawing/2014/main" id="{B874EF51-C858-4BB9-97C3-D17755787127}"/>
+              </a:ext>
+              <a:ext uri="{C183D7F6-B498-43B3-948B-1728B52AA6E4}">
+                <adec:decorative xmlns:adec="http://schemas.microsoft.com/office/drawing/2017/decorative" val="1"/>
+              </a:ext>
+            </a:extLst>
+          </p:cNvPr>
+          <p:cNvCxnSpPr>
+            <a:cxnSpLocks noGrp="1" noRot="1" noChangeAspect="1" noMove="1" noResize="1" noEditPoints="1" noAdjustHandles="1" noChangeArrowheads="1" noChangeShapeType="1"/>
+          </p:cNvCxnSpPr>
+          <p:nvPr>
+            <p:extLst>
+              <p:ext uri="{386F3935-93C4-4BCD-93E2-E3B085C9AB24}">
+                <p16:designElem xmlns:p16="http://schemas.microsoft.com/office/powerpoint/2015/main" val="1"/>
+              </p:ext>
+            </p:extLst>
+          </p:nvPr>
+        </p:nvCxnSpPr>
+        <p:spPr>
+          <a:xfrm>
+            <a:off x="763661" y="2316480"/>
+            <a:ext cx="8229600" cy="0"/>
+          </a:xfrm>
+          <a:prstGeom prst="straightConnector1">
+            <a:avLst/>
+          </a:prstGeom>
+          <a:ln w="19050" cap="sq">
+            <a:solidFill>
+              <a:schemeClr val="tx1"/>
+            </a:solidFill>
+            <a:tailEnd type="none"/>
+          </a:ln>
+        </p:spPr>
+        <p:style>
+          <a:lnRef idx="1">
+            <a:schemeClr val="accent1"/>
+          </a:lnRef>
+          <a:fillRef idx="0">
+            <a:schemeClr val="accent1"/>
+          </a:fillRef>
+          <a:effectRef idx="0">
+            <a:schemeClr val="accent1"/>
+          </a:effectRef>
+          <a:fontRef idx="minor">
+            <a:schemeClr val="tx1"/>
+          </a:fontRef>
+        </p:style>
+      </p:cxnSp>
+      <p:sp>
+        <p:nvSpPr>
+          <p:cNvPr id="3" name="Content Placeholder 2">
+            <a:extLst>
+              <a:ext uri="{FF2B5EF4-FFF2-40B4-BE49-F238E27FC236}">
+                <a16:creationId xmlns:a16="http://schemas.microsoft.com/office/drawing/2014/main" id="{8081E251-D729-486D-866F-6F6A49CD876D}"/>
+              </a:ext>
+            </a:extLst>
+          </p:cNvPr>
+          <p:cNvSpPr>
+            <a:spLocks noGrp="1"/>
+          </p:cNvSpPr>
+          <p:nvPr>
+            <p:ph idx="1"/>
+          </p:nvPr>
+        </p:nvSpPr>
+        <p:spPr>
+          <a:xfrm>
+            <a:off x="655320" y="2644518"/>
+            <a:ext cx="9013052" cy="3327251"/>
+          </a:xfrm>
+        </p:spPr>
+        <p:txBody>
+          <a:bodyPr>
+            <a:normAutofit/>
+          </a:bodyPr>
+          <a:lstStyle/>
+          <a:p>
+            <a:endParaRPr lang="en-US" sz="2000"/>
+          </a:p>
+        </p:txBody>
+      </p:sp>
+    </p:spTree>
+    <p:extLst>
+      <p:ext uri="{BB962C8B-B14F-4D97-AF65-F5344CB8AC3E}">
+        <p14:creationId xmlns:p14="http://schemas.microsoft.com/office/powerpoint/2010/main" val="3546957833"/>
+      </p:ext>
+    </p:extLst>
+  </p:cSld>
+  <p:clrMapOvr>
+    <a:overrideClrMapping bg1="dk1" tx1="lt1" bg2="dk2" tx2="lt2" accent1="accent1" accent2="accent2" accent3="accent3" accent4="accent4" accent5="accent5" accent6="accent6" hlink="hlink" folHlink="folHlink"/>
+  </p:clrMapOvr>
+</p:sld>
+</file>
+
+<file path=ppt/slides/slide11.xml><?xml version="1.0" encoding="utf-8"?>
 <p:sld xmlns:a="http://schemas.openxmlformats.org/drawingml/2006/main" xmlns:r="http://schemas.openxmlformats.org/officeDocument/2006/relationships" xmlns:p="http://schemas.openxmlformats.org/presentationml/2006/main">
   <p:cSld>
     <p:spTree>
@@ -3420,133 +4256,45 @@
           <a:chExt cx="0" cy="0"/>
         </a:xfrm>
       </p:grpSpPr>
-      <p:sp>
-        <p:nvSpPr>
-          <p:cNvPr id="2" name="Title 1">
-            <a:extLst>
-              <a:ext uri="{FF2B5EF4-FFF2-40B4-BE49-F238E27FC236}">
-                <a16:creationId xmlns:a16="http://schemas.microsoft.com/office/drawing/2014/main" id="{10F0BABD-4FEB-4860-86E0-B0F656297273}"/>
-              </a:ext>
-            </a:extLst>
-          </p:cNvPr>
-          <p:cNvSpPr>
-            <a:spLocks noGrp="1"/>
-          </p:cNvSpPr>
-          <p:nvPr>
-            <p:ph type="title"/>
-          </p:nvPr>
-        </p:nvSpPr>
-        <p:spPr/>
-        <p:txBody>
-          <a:bodyPr/>
-          <a:lstStyle/>
-          <a:p>
-            <a:r>
-              <a:rPr lang="en-US" dirty="0"/>
-              <a:t>REQUIREMENTS.</a:t>
-            </a:r>
-          </a:p>
-        </p:txBody>
-      </p:sp>
-      <p:sp>
-        <p:nvSpPr>
-          <p:cNvPr id="3" name="Content Placeholder 2">
-            <a:extLst>
-              <a:ext uri="{FF2B5EF4-FFF2-40B4-BE49-F238E27FC236}">
-                <a16:creationId xmlns:a16="http://schemas.microsoft.com/office/drawing/2014/main" id="{BDE1F041-DE63-4AEB-86DF-E4A7E1E1FECB}"/>
-              </a:ext>
-            </a:extLst>
-          </p:cNvPr>
-          <p:cNvSpPr>
-            <a:spLocks noGrp="1"/>
-          </p:cNvSpPr>
-          <p:nvPr>
-            <p:ph idx="1"/>
-          </p:nvPr>
-        </p:nvSpPr>
-        <p:spPr/>
-        <p:txBody>
-          <a:bodyPr>
-            <a:normAutofit fontScale="85000" lnSpcReduction="20000"/>
-          </a:bodyPr>
-          <a:lstStyle/>
-          <a:p>
-            <a:r>
-              <a:rPr lang="en-US" b="1" dirty="0"/>
-              <a:t>Executive Summary Must-Haves</a:t>
-            </a:r>
-          </a:p>
-          <a:p>
-            <a:r>
-              <a:rPr lang="en-US" dirty="0"/>
-              <a:t>Contain between 5-10 professional quality slides detailing: </a:t>
-            </a:r>
-            <a:br>
-              <a:rPr lang="en-US" dirty="0"/>
-            </a:br>
-            <a:endParaRPr lang="en-US" dirty="0"/>
-          </a:p>
-          <a:p>
-            <a:pPr lvl="1"/>
-            <a:r>
-              <a:rPr lang="en-US" dirty="0"/>
-              <a:t>A high-level overview of your methodology</a:t>
-            </a:r>
-            <a:br>
-              <a:rPr lang="en-US" dirty="0"/>
-            </a:br>
-            <a:endParaRPr lang="en-US" dirty="0"/>
-          </a:p>
-          <a:p>
-            <a:pPr lvl="1"/>
-            <a:r>
-              <a:rPr lang="en-US" dirty="0"/>
-              <a:t>The results of your hypothesis tests</a:t>
-            </a:r>
-            <a:br>
-              <a:rPr lang="en-US" dirty="0"/>
-            </a:br>
-            <a:endParaRPr lang="en-US" dirty="0"/>
-          </a:p>
-          <a:p>
-            <a:pPr lvl="1"/>
-            <a:r>
-              <a:rPr lang="en-US" dirty="0"/>
-              <a:t>Any real-world recommendations you would like to make based on your findings (ask yourself--why should the executive team care about what you found? </a:t>
-            </a:r>
-          </a:p>
-          <a:p>
-            <a:pPr lvl="2"/>
-            <a:r>
-              <a:rPr lang="en-US" dirty="0"/>
-              <a:t>How can your findings help the company?)</a:t>
-            </a:r>
-            <a:br>
-              <a:rPr lang="en-US" dirty="0"/>
-            </a:br>
-            <a:br>
-              <a:rPr lang="en-US" dirty="0"/>
-            </a:br>
-            <a:endParaRPr lang="en-US" dirty="0"/>
-          </a:p>
-          <a:p>
-            <a:r>
-              <a:rPr lang="en-US" dirty="0"/>
-              <a:t>Take no more than 5 minutes to present</a:t>
-            </a:r>
-          </a:p>
-          <a:p>
-            <a:r>
-              <a:rPr lang="en-US" dirty="0"/>
-              <a:t>Avoid technical jargon and explain results in a clear, actionable way for non-technical audiences.</a:t>
-            </a:r>
-          </a:p>
-        </p:txBody>
-      </p:sp>
+      <p:pic>
+        <p:nvPicPr>
+          <p:cNvPr id="3" name="slide3">
+            <a:extLst>
+              <a:ext uri="{FF2B5EF4-FFF2-40B4-BE49-F238E27FC236}">
+                <a16:creationId xmlns:a16="http://schemas.microsoft.com/office/drawing/2014/main" id="{8778491F-39E2-42CC-ACFA-B1871DE3E91E}"/>
+              </a:ext>
+            </a:extLst>
+          </p:cNvPr>
+          <p:cNvPicPr>
+            <a:picLocks noChangeAspect="1"/>
+          </p:cNvPicPr>
+          <p:nvPr/>
+        </p:nvPicPr>
+        <p:blipFill rotWithShape="1">
+          <a:blip r:embed="rId2">
+            <a:extLst>
+              <a:ext uri="{28A0092B-C50C-407E-A947-70E740481C1C}">
+                <a14:useLocalDpi xmlns:a14="http://schemas.microsoft.com/office/drawing/2010/main" val="0"/>
+              </a:ext>
+            </a:extLst>
+          </a:blip>
+          <a:srcRect t="687" b="7349"/>
+          <a:stretch/>
+        </p:blipFill>
+        <p:spPr>
+          <a:xfrm>
+            <a:off x="0" y="345440"/>
+            <a:ext cx="12192000" cy="5750560"/>
+          </a:xfrm>
+          <a:prstGeom prst="rect">
+            <a:avLst/>
+          </a:prstGeom>
+        </p:spPr>
+      </p:pic>
     </p:spTree>
     <p:extLst>
       <p:ext uri="{BB962C8B-B14F-4D97-AF65-F5344CB8AC3E}">
-        <p14:creationId xmlns:p14="http://schemas.microsoft.com/office/powerpoint/2010/main" val="2013233739"/>
+        <p14:creationId xmlns:p14="http://schemas.microsoft.com/office/powerpoint/2010/main" val="95992585"/>
       </p:ext>
     </p:extLst>
   </p:cSld>
@@ -3556,7 +4304,7 @@
 </p:sld>
 </file>
 
-<file path=ppt/slides/slide3.xml><?xml version="1.0" encoding="utf-8"?>
+<file path=ppt/slides/slide12.xml><?xml version="1.0" encoding="utf-8"?>
 <p:sld xmlns:a="http://schemas.openxmlformats.org/drawingml/2006/main" xmlns:r="http://schemas.openxmlformats.org/officeDocument/2006/relationships" xmlns:p="http://schemas.openxmlformats.org/presentationml/2006/main">
   <p:cSld>
     <p:spTree>
@@ -3573,63 +4321,46 @@
           <a:chExt cx="0" cy="0"/>
         </a:xfrm>
       </p:grpSpPr>
-      <p:sp>
-        <p:nvSpPr>
-          <p:cNvPr id="2" name="Title 1">
-            <a:extLst>
-              <a:ext uri="{FF2B5EF4-FFF2-40B4-BE49-F238E27FC236}">
-                <a16:creationId xmlns:a16="http://schemas.microsoft.com/office/drawing/2014/main" id="{A9220138-02F1-42B5-8C38-4A88F348B04A}"/>
-              </a:ext>
-            </a:extLst>
-          </p:cNvPr>
-          <p:cNvSpPr>
-            <a:spLocks noGrp="1"/>
-          </p:cNvSpPr>
-          <p:nvPr>
-            <p:ph type="title"/>
-          </p:nvPr>
-        </p:nvSpPr>
-        <p:spPr/>
-        <p:txBody>
-          <a:bodyPr/>
-          <a:lstStyle/>
-          <a:p>
-            <a:r>
-              <a:rPr lang="en-US" dirty="0"/>
-              <a:t>METHODLOGY</a:t>
-            </a:r>
-          </a:p>
-        </p:txBody>
-      </p:sp>
-      <p:sp>
-        <p:nvSpPr>
-          <p:cNvPr id="3" name="Content Placeholder 2">
-            <a:extLst>
-              <a:ext uri="{FF2B5EF4-FFF2-40B4-BE49-F238E27FC236}">
-                <a16:creationId xmlns:a16="http://schemas.microsoft.com/office/drawing/2014/main" id="{94CB1A2B-13C0-4C43-AB5A-3213BA468DF7}"/>
-              </a:ext>
-            </a:extLst>
-          </p:cNvPr>
-          <p:cNvSpPr>
-            <a:spLocks noGrp="1"/>
-          </p:cNvSpPr>
-          <p:nvPr>
-            <p:ph idx="1"/>
-          </p:nvPr>
-        </p:nvSpPr>
-        <p:spPr/>
-        <p:txBody>
-          <a:bodyPr/>
-          <a:lstStyle/>
-          <a:p>
-            <a:endParaRPr lang="en-US"/>
-          </a:p>
-        </p:txBody>
-      </p:sp>
+      <p:pic>
+        <p:nvPicPr>
+          <p:cNvPr id="3" name="slide3">
+            <a:extLst>
+              <a:ext uri="{FF2B5EF4-FFF2-40B4-BE49-F238E27FC236}">
+                <a16:creationId xmlns:a16="http://schemas.microsoft.com/office/drawing/2014/main" id="{888818C8-0BE8-44FE-A49E-90ED5DD1F620}"/>
+              </a:ext>
+            </a:extLst>
+          </p:cNvPr>
+          <p:cNvPicPr>
+            <a:picLocks noChangeAspect="1"/>
+          </p:cNvPicPr>
+          <p:nvPr/>
+        </p:nvPicPr>
+        <p:blipFill>
+          <a:blip r:embed="rId2">
+            <a:extLst>
+              <a:ext uri="{28A0092B-C50C-407E-A947-70E740481C1C}">
+                <a14:useLocalDpi xmlns:a14="http://schemas.microsoft.com/office/drawing/2010/main" val="0"/>
+              </a:ext>
+            </a:extLst>
+          </a:blip>
+          <a:stretch>
+            <a:fillRect/>
+          </a:stretch>
+        </p:blipFill>
+        <p:spPr>
+          <a:xfrm>
+            <a:off x="0" y="302510"/>
+            <a:ext cx="12192000" cy="6252978"/>
+          </a:xfrm>
+          <a:prstGeom prst="rect">
+            <a:avLst/>
+          </a:prstGeom>
+        </p:spPr>
+      </p:pic>
     </p:spTree>
     <p:extLst>
       <p:ext uri="{BB962C8B-B14F-4D97-AF65-F5344CB8AC3E}">
-        <p14:creationId xmlns:p14="http://schemas.microsoft.com/office/powerpoint/2010/main" val="695323924"/>
+        <p14:creationId xmlns:p14="http://schemas.microsoft.com/office/powerpoint/2010/main" val="4085940178"/>
       </p:ext>
     </p:extLst>
   </p:cSld>
@@ -3639,9 +4370,17 @@
 </p:sld>
 </file>
 
-<file path=ppt/slides/slide4.xml><?xml version="1.0" encoding="utf-8"?>
-<p:sld xmlns:a="http://schemas.openxmlformats.org/drawingml/2006/main" xmlns:r="http://schemas.openxmlformats.org/officeDocument/2006/relationships" xmlns:p="http://schemas.openxmlformats.org/presentationml/2006/main">
+<file path=ppt/slides/slide13.xml><?xml version="1.0" encoding="utf-8"?>
+<p:sld xmlns:a="http://schemas.openxmlformats.org/drawingml/2006/main" xmlns:r="http://schemas.openxmlformats.org/officeDocument/2006/relationships" xmlns:p="http://schemas.openxmlformats.org/presentationml/2006/main" show="0">
   <p:cSld>
+    <p:bg>
+      <p:bgPr>
+        <a:solidFill>
+          <a:srgbClr val="404040"/>
+        </a:solidFill>
+        <a:effectLst/>
+      </p:bgPr>
+    </p:bg>
     <p:spTree>
       <p:nvGrpSpPr>
         <p:cNvPr id="1" name=""/>
@@ -3658,10 +4397,291 @@
       </p:grpSpPr>
       <p:sp>
         <p:nvSpPr>
+          <p:cNvPr id="15" name="Rectangle 14">
+            <a:extLst>
+              <a:ext uri="{FF2B5EF4-FFF2-40B4-BE49-F238E27FC236}">
+                <a16:creationId xmlns:a16="http://schemas.microsoft.com/office/drawing/2014/main" id="{EA67B5B4-3A24-436E-B663-1B2EBFF8A0CD}"/>
+              </a:ext>
+              <a:ext uri="{C183D7F6-B498-43B3-948B-1728B52AA6E4}">
+                <adec:decorative xmlns:adec="http://schemas.microsoft.com/office/drawing/2017/decorative" val="1"/>
+              </a:ext>
+            </a:extLst>
+          </p:cNvPr>
+          <p:cNvSpPr>
+            <a:spLocks noGrp="1" noRot="1" noChangeAspect="1" noMove="1" noResize="1" noEditPoints="1" noAdjustHandles="1" noChangeArrowheads="1" noChangeShapeType="1" noTextEdit="1"/>
+          </p:cNvSpPr>
+          <p:nvPr>
+            <p:extLst>
+              <p:ext uri="{386F3935-93C4-4BCD-93E2-E3B085C9AB24}">
+                <p16:designElem xmlns:p16="http://schemas.microsoft.com/office/powerpoint/2015/main" val="1"/>
+              </p:ext>
+            </p:extLst>
+          </p:nvPr>
+        </p:nvSpPr>
+        <p:spPr>
+          <a:xfrm>
+            <a:off x="0" y="-3324"/>
+            <a:ext cx="12192000" cy="6861324"/>
+          </a:xfrm>
+          <a:prstGeom prst="rect">
+            <a:avLst/>
+          </a:prstGeom>
+          <a:solidFill>
+            <a:srgbClr val="404040"/>
+          </a:solidFill>
+          <a:ln>
+            <a:noFill/>
+          </a:ln>
+        </p:spPr>
+        <p:style>
+          <a:lnRef idx="2">
+            <a:schemeClr val="accent1">
+              <a:shade val="50000"/>
+            </a:schemeClr>
+          </a:lnRef>
+          <a:fillRef idx="1">
+            <a:schemeClr val="accent1"/>
+          </a:fillRef>
+          <a:effectRef idx="0">
+            <a:schemeClr val="accent1"/>
+          </a:effectRef>
+          <a:fontRef idx="minor">
+            <a:schemeClr val="lt1"/>
+          </a:fontRef>
+        </p:style>
+        <p:txBody>
+          <a:bodyPr rtlCol="0" anchor="ctr"/>
+          <a:lstStyle/>
+          <a:p>
+            <a:pPr algn="ctr"/>
+            <a:endParaRPr lang="en-US"/>
+          </a:p>
+        </p:txBody>
+      </p:sp>
+      <p:sp>
+        <p:nvSpPr>
+          <p:cNvPr id="17" name="Freeform 13">
+            <a:extLst>
+              <a:ext uri="{FF2B5EF4-FFF2-40B4-BE49-F238E27FC236}">
+                <a16:creationId xmlns:a16="http://schemas.microsoft.com/office/drawing/2014/main" id="{987FDF89-C993-41F4-A1B8-DBAFF16008A9}"/>
+              </a:ext>
+              <a:ext uri="{C183D7F6-B498-43B3-948B-1728B52AA6E4}">
+                <adec:decorative xmlns:adec="http://schemas.microsoft.com/office/drawing/2017/decorative" val="1"/>
+              </a:ext>
+            </a:extLst>
+          </p:cNvPr>
+          <p:cNvSpPr>
+            <a:spLocks noGrp="1" noRot="1" noChangeAspect="1" noMove="1" noResize="1" noEditPoints="1" noAdjustHandles="1" noChangeArrowheads="1" noChangeShapeType="1" noTextEdit="1"/>
+          </p:cNvSpPr>
+          <p:nvPr>
+            <p:extLst>
+              <p:ext uri="{386F3935-93C4-4BCD-93E2-E3B085C9AB24}">
+                <p16:designElem xmlns:p16="http://schemas.microsoft.com/office/powerpoint/2015/main" val="1"/>
+              </p:ext>
+            </p:extLst>
+          </p:nvPr>
+        </p:nvSpPr>
+        <p:spPr>
+          <a:xfrm>
+            <a:off x="0" y="0"/>
+            <a:ext cx="11786754" cy="6858000"/>
+          </a:xfrm>
+          <a:custGeom>
+            <a:avLst/>
+            <a:gdLst>
+              <a:gd name="connsiteX0" fmla="*/ 0 w 11786754"/>
+              <a:gd name="connsiteY0" fmla="*/ 0 h 6858000"/>
+              <a:gd name="connsiteX1" fmla="*/ 8610600 w 11786754"/>
+              <a:gd name="connsiteY1" fmla="*/ 0 h 6858000"/>
+              <a:gd name="connsiteX2" fmla="*/ 11786754 w 11786754"/>
+              <a:gd name="connsiteY2" fmla="*/ 6858000 h 6858000"/>
+              <a:gd name="connsiteX3" fmla="*/ 0 w 11786754"/>
+              <a:gd name="connsiteY3" fmla="*/ 6858000 h 6858000"/>
+            </a:gdLst>
+            <a:ahLst/>
+            <a:cxnLst>
+              <a:cxn ang="0">
+                <a:pos x="connsiteX0" y="connsiteY0"/>
+              </a:cxn>
+              <a:cxn ang="0">
+                <a:pos x="connsiteX1" y="connsiteY1"/>
+              </a:cxn>
+              <a:cxn ang="0">
+                <a:pos x="connsiteX2" y="connsiteY2"/>
+              </a:cxn>
+              <a:cxn ang="0">
+                <a:pos x="connsiteX3" y="connsiteY3"/>
+              </a:cxn>
+            </a:cxnLst>
+            <a:rect l="l" t="t" r="r" b="b"/>
+            <a:pathLst>
+              <a:path w="11786754" h="6858000">
+                <a:moveTo>
+                  <a:pt x="0" y="0"/>
+                </a:moveTo>
+                <a:lnTo>
+                  <a:pt x="8610600" y="0"/>
+                </a:lnTo>
+                <a:lnTo>
+                  <a:pt x="11786754" y="6858000"/>
+                </a:lnTo>
+                <a:lnTo>
+                  <a:pt x="0" y="6858000"/>
+                </a:lnTo>
+                <a:close/>
+              </a:path>
+            </a:pathLst>
+          </a:custGeom>
+          <a:solidFill>
+            <a:srgbClr val="000000">
+              <a:alpha val="29804"/>
+            </a:srgbClr>
+          </a:solidFill>
+          <a:ln>
+            <a:noFill/>
+          </a:ln>
+        </p:spPr>
+        <p:style>
+          <a:lnRef idx="2">
+            <a:schemeClr val="accent1">
+              <a:shade val="50000"/>
+            </a:schemeClr>
+          </a:lnRef>
+          <a:fillRef idx="1">
+            <a:schemeClr val="accent1"/>
+          </a:fillRef>
+          <a:effectRef idx="0">
+            <a:schemeClr val="accent1"/>
+          </a:effectRef>
+          <a:fontRef idx="minor">
+            <a:schemeClr val="lt1"/>
+          </a:fontRef>
+        </p:style>
+        <p:txBody>
+          <a:bodyPr rtlCol="0" anchor="ctr"/>
+          <a:lstStyle/>
+          <a:p>
+            <a:pPr algn="ctr"/>
+            <a:endParaRPr lang="en-US"/>
+          </a:p>
+        </p:txBody>
+      </p:sp>
+      <p:sp>
+        <p:nvSpPr>
+          <p:cNvPr id="19" name="Freeform 11">
+            <a:extLst>
+              <a:ext uri="{FF2B5EF4-FFF2-40B4-BE49-F238E27FC236}">
+                <a16:creationId xmlns:a16="http://schemas.microsoft.com/office/drawing/2014/main" id="{64E585EA-75FD-4025-8270-F66A58A15CDA}"/>
+              </a:ext>
+              <a:ext uri="{C183D7F6-B498-43B3-948B-1728B52AA6E4}">
+                <adec:decorative xmlns:adec="http://schemas.microsoft.com/office/drawing/2017/decorative" val="1"/>
+              </a:ext>
+            </a:extLst>
+          </p:cNvPr>
+          <p:cNvSpPr>
+            <a:spLocks noGrp="1" noRot="1" noChangeAspect="1" noMove="1" noResize="1" noEditPoints="1" noAdjustHandles="1" noChangeArrowheads="1" noChangeShapeType="1" noTextEdit="1"/>
+          </p:cNvSpPr>
+          <p:nvPr>
+            <p:extLst>
+              <p:ext uri="{386F3935-93C4-4BCD-93E2-E3B085C9AB24}">
+                <p16:designElem xmlns:p16="http://schemas.microsoft.com/office/powerpoint/2015/main" val="1"/>
+              </p:ext>
+            </p:extLst>
+          </p:nvPr>
+        </p:nvSpPr>
+        <p:spPr>
+          <a:xfrm>
+            <a:off x="0" y="0"/>
+            <a:ext cx="3581400" cy="6858000"/>
+          </a:xfrm>
+          <a:custGeom>
+            <a:avLst/>
+            <a:gdLst>
+              <a:gd name="connsiteX0" fmla="*/ 0 w 3581400"/>
+              <a:gd name="connsiteY0" fmla="*/ 0 h 6858000"/>
+              <a:gd name="connsiteX1" fmla="*/ 405246 w 3581400"/>
+              <a:gd name="connsiteY1" fmla="*/ 0 h 6858000"/>
+              <a:gd name="connsiteX2" fmla="*/ 3581400 w 3581400"/>
+              <a:gd name="connsiteY2" fmla="*/ 6858000 h 6858000"/>
+              <a:gd name="connsiteX3" fmla="*/ 0 w 3581400"/>
+              <a:gd name="connsiteY3" fmla="*/ 6858000 h 6858000"/>
+            </a:gdLst>
+            <a:ahLst/>
+            <a:cxnLst>
+              <a:cxn ang="0">
+                <a:pos x="connsiteX0" y="connsiteY0"/>
+              </a:cxn>
+              <a:cxn ang="0">
+                <a:pos x="connsiteX1" y="connsiteY1"/>
+              </a:cxn>
+              <a:cxn ang="0">
+                <a:pos x="connsiteX2" y="connsiteY2"/>
+              </a:cxn>
+              <a:cxn ang="0">
+                <a:pos x="connsiteX3" y="connsiteY3"/>
+              </a:cxn>
+            </a:cxnLst>
+            <a:rect l="l" t="t" r="r" b="b"/>
+            <a:pathLst>
+              <a:path w="3581400" h="6858000">
+                <a:moveTo>
+                  <a:pt x="0" y="0"/>
+                </a:moveTo>
+                <a:lnTo>
+                  <a:pt x="405246" y="0"/>
+                </a:lnTo>
+                <a:lnTo>
+                  <a:pt x="3581400" y="6858000"/>
+                </a:lnTo>
+                <a:lnTo>
+                  <a:pt x="0" y="6858000"/>
+                </a:lnTo>
+                <a:close/>
+              </a:path>
+            </a:pathLst>
+          </a:custGeom>
+          <a:solidFill>
+            <a:srgbClr val="000000">
+              <a:alpha val="29804"/>
+            </a:srgbClr>
+          </a:solidFill>
+          <a:ln>
+            <a:noFill/>
+          </a:ln>
+        </p:spPr>
+        <p:style>
+          <a:lnRef idx="2">
+            <a:schemeClr val="accent1">
+              <a:shade val="50000"/>
+            </a:schemeClr>
+          </a:lnRef>
+          <a:fillRef idx="1">
+            <a:schemeClr val="accent1"/>
+          </a:fillRef>
+          <a:effectRef idx="0">
+            <a:schemeClr val="accent1"/>
+          </a:effectRef>
+          <a:fontRef idx="minor">
+            <a:schemeClr val="lt1"/>
+          </a:fontRef>
+        </p:style>
+        <p:txBody>
+          <a:bodyPr wrap="square" rtlCol="0" anchor="ctr">
+            <a:noAutofit/>
+          </a:bodyPr>
+          <a:lstStyle/>
+          <a:p>
+            <a:pPr algn="ctr"/>
+            <a:endParaRPr lang="en-US"/>
+          </a:p>
+        </p:txBody>
+      </p:sp>
+      <p:sp>
+        <p:nvSpPr>
           <p:cNvPr id="2" name="Title 1">
             <a:extLst>
               <a:ext uri="{FF2B5EF4-FFF2-40B4-BE49-F238E27FC236}">
-                <a16:creationId xmlns:a16="http://schemas.microsoft.com/office/drawing/2014/main" id="{1466EB11-C618-49A6-A668-8D13D475065E}"/>
+                <a16:creationId xmlns:a16="http://schemas.microsoft.com/office/drawing/2014/main" id="{10F0BABD-4FEB-4860-86E0-B0F656297273}"/>
               </a:ext>
             </a:extLst>
           </p:cNvPr>
@@ -3672,14 +4692,25 @@
             <p:ph type="title"/>
           </p:nvPr>
         </p:nvSpPr>
-        <p:spPr/>
-        <p:txBody>
-          <a:bodyPr/>
-          <a:lstStyle/>
-          <a:p>
-            <a:r>
-              <a:rPr lang="en-US" dirty="0"/>
-              <a:t>Hypotheses</a:t>
+        <p:spPr>
+          <a:xfrm>
+            <a:off x="833002" y="365125"/>
+            <a:ext cx="10520702" cy="1325563"/>
+          </a:xfrm>
+        </p:spPr>
+        <p:txBody>
+          <a:bodyPr>
+            <a:normAutofit/>
+          </a:bodyPr>
+          <a:lstStyle/>
+          <a:p>
+            <a:r>
+              <a:rPr lang="en-US" dirty="0">
+                <a:solidFill>
+                  <a:srgbClr val="FFFFFF"/>
+                </a:solidFill>
+              </a:rPr>
+              <a:t>REQUIREMENTS.</a:t>
             </a:r>
           </a:p>
         </p:txBody>
@@ -3689,7 +4720,7 @@
           <p:cNvPr id="3" name="Content Placeholder 2">
             <a:extLst>
               <a:ext uri="{FF2B5EF4-FFF2-40B4-BE49-F238E27FC236}">
-                <a16:creationId xmlns:a16="http://schemas.microsoft.com/office/drawing/2014/main" id="{A6A56C34-AB55-4B28-B5F3-5E47B933B582}"/>
+                <a16:creationId xmlns:a16="http://schemas.microsoft.com/office/drawing/2014/main" id="{BDE1F041-DE63-4AEB-86DF-E4A7E1E1FECB}"/>
               </a:ext>
             </a:extLst>
           </p:cNvPr>
@@ -3700,17 +4731,154 @@
             <p:ph idx="1"/>
           </p:nvPr>
         </p:nvSpPr>
-        <p:spPr/>
-        <p:txBody>
-          <a:bodyPr/>
-          <a:lstStyle/>
-          <a:p>
-            <a:pPr marL="0" indent="0">
-              <a:buNone/>
-            </a:pPr>
-            <a:r>
-              <a:rPr lang="en-US" dirty="0"/>
-              <a:t> </a:t>
+        <p:spPr>
+          <a:xfrm>
+            <a:off x="838201" y="2022601"/>
+            <a:ext cx="10515598" cy="4154361"/>
+          </a:xfrm>
+        </p:spPr>
+        <p:txBody>
+          <a:bodyPr>
+            <a:normAutofit/>
+          </a:bodyPr>
+          <a:lstStyle/>
+          <a:p>
+            <a:r>
+              <a:rPr lang="en-US" sz="1700" b="1" dirty="0">
+                <a:solidFill>
+                  <a:srgbClr val="FFFFFF"/>
+                </a:solidFill>
+              </a:rPr>
+              <a:t>Executive Summary Must-Haves</a:t>
+            </a:r>
+          </a:p>
+          <a:p>
+            <a:r>
+              <a:rPr lang="en-US" sz="1700" dirty="0">
+                <a:solidFill>
+                  <a:srgbClr val="FFFFFF"/>
+                </a:solidFill>
+              </a:rPr>
+              <a:t>Contain between 5-10 professional quality slides detailing: </a:t>
+            </a:r>
+            <a:br>
+              <a:rPr lang="en-US" sz="1700" dirty="0">
+                <a:solidFill>
+                  <a:srgbClr val="FFFFFF"/>
+                </a:solidFill>
+              </a:rPr>
+            </a:br>
+            <a:endParaRPr lang="en-US" sz="1700" dirty="0">
+              <a:solidFill>
+                <a:srgbClr val="FFFFFF"/>
+              </a:solidFill>
+            </a:endParaRPr>
+          </a:p>
+          <a:p>
+            <a:pPr lvl="1"/>
+            <a:r>
+              <a:rPr lang="en-US" sz="1700" dirty="0">
+                <a:solidFill>
+                  <a:srgbClr val="FFFFFF"/>
+                </a:solidFill>
+              </a:rPr>
+              <a:t>A high-level overview of your methodology</a:t>
+            </a:r>
+            <a:br>
+              <a:rPr lang="en-US" sz="1700" dirty="0">
+                <a:solidFill>
+                  <a:srgbClr val="FFFFFF"/>
+                </a:solidFill>
+              </a:rPr>
+            </a:br>
+            <a:endParaRPr lang="en-US" sz="1700" dirty="0">
+              <a:solidFill>
+                <a:srgbClr val="FFFFFF"/>
+              </a:solidFill>
+            </a:endParaRPr>
+          </a:p>
+          <a:p>
+            <a:pPr lvl="1"/>
+            <a:r>
+              <a:rPr lang="en-US" sz="1700" dirty="0">
+                <a:solidFill>
+                  <a:srgbClr val="FFFFFF"/>
+                </a:solidFill>
+              </a:rPr>
+              <a:t>The results of your hypothesis tests</a:t>
+            </a:r>
+            <a:br>
+              <a:rPr lang="en-US" sz="1700" dirty="0">
+                <a:solidFill>
+                  <a:srgbClr val="FFFFFF"/>
+                </a:solidFill>
+              </a:rPr>
+            </a:br>
+            <a:endParaRPr lang="en-US" sz="1700" dirty="0">
+              <a:solidFill>
+                <a:srgbClr val="FFFFFF"/>
+              </a:solidFill>
+            </a:endParaRPr>
+          </a:p>
+          <a:p>
+            <a:pPr lvl="1"/>
+            <a:r>
+              <a:rPr lang="en-US" sz="1700" dirty="0">
+                <a:solidFill>
+                  <a:srgbClr val="FFFFFF"/>
+                </a:solidFill>
+              </a:rPr>
+              <a:t>Any real-world recommendations you would like to make based on your findings (ask yourself--why should the executive team care about what you found? </a:t>
+            </a:r>
+          </a:p>
+          <a:p>
+            <a:pPr lvl="2"/>
+            <a:r>
+              <a:rPr lang="en-US" sz="1700" dirty="0">
+                <a:solidFill>
+                  <a:srgbClr val="FFFFFF"/>
+                </a:solidFill>
+              </a:rPr>
+              <a:t>How can your findings help the company?)</a:t>
+            </a:r>
+            <a:br>
+              <a:rPr lang="en-US" sz="1700" dirty="0">
+                <a:solidFill>
+                  <a:srgbClr val="FFFFFF"/>
+                </a:solidFill>
+              </a:rPr>
+            </a:br>
+            <a:br>
+              <a:rPr lang="en-US" sz="1700" dirty="0">
+                <a:solidFill>
+                  <a:srgbClr val="FFFFFF"/>
+                </a:solidFill>
+              </a:rPr>
+            </a:br>
+            <a:endParaRPr lang="en-US" sz="1700" dirty="0">
+              <a:solidFill>
+                <a:srgbClr val="FFFFFF"/>
+              </a:solidFill>
+            </a:endParaRPr>
+          </a:p>
+          <a:p>
+            <a:r>
+              <a:rPr lang="en-US" sz="1700" dirty="0">
+                <a:solidFill>
+                  <a:srgbClr val="FFFFFF"/>
+                </a:solidFill>
+              </a:rPr>
+              <a:t>Take no more than 5 minutes to present</a:t>
+            </a:r>
+          </a:p>
+          <a:p>
+            <a:r>
+              <a:rPr lang="en-US" sz="1700" dirty="0">
+                <a:solidFill>
+                  <a:srgbClr val="FFFFFF"/>
+                </a:solidFill>
+              </a:rPr>
+              <a:t>Avoid technical jargon and explain results in a clear, actionable way for non-technical audiences.</a:t>
             </a:r>
           </a:p>
         </p:txBody>
@@ -3718,19 +4886,30 @@
     </p:spTree>
     <p:extLst>
       <p:ext uri="{BB962C8B-B14F-4D97-AF65-F5344CB8AC3E}">
-        <p14:creationId xmlns:p14="http://schemas.microsoft.com/office/powerpoint/2010/main" val="2437247591"/>
+        <p14:creationId xmlns:p14="http://schemas.microsoft.com/office/powerpoint/2010/main" val="2013233739"/>
       </p:ext>
     </p:extLst>
   </p:cSld>
   <p:clrMapOvr>
-    <a:masterClrMapping/>
+    <a:overrideClrMapping bg1="dk1" tx1="lt1" bg2="dk2" tx2="lt2" accent1="accent1" accent2="accent2" accent3="accent3" accent4="accent4" accent5="accent5" accent6="accent6" hlink="hlink" folHlink="folHlink"/>
   </p:clrMapOvr>
 </p:sld>
 </file>
 
-<file path=ppt/slides/slide5.xml><?xml version="1.0" encoding="utf-8"?>
+<file path=ppt/slides/slide2.xml><?xml version="1.0" encoding="utf-8"?>
 <p:sld xmlns:a="http://schemas.openxmlformats.org/drawingml/2006/main" xmlns:r="http://schemas.openxmlformats.org/officeDocument/2006/relationships" xmlns:p="http://schemas.openxmlformats.org/presentationml/2006/main">
   <p:cSld>
+    <p:bg>
+      <p:bgPr>
+        <a:solidFill>
+          <a:schemeClr val="bg1">
+            <a:tint val="95000"/>
+            <a:satMod val="170000"/>
+          </a:schemeClr>
+        </a:solidFill>
+        <a:effectLst/>
+      </p:bgPr>
+    </p:bg>
     <p:spTree>
       <p:nvGrpSpPr>
         <p:cNvPr id="1" name=""/>
@@ -3747,10 +4926,177 @@
       </p:grpSpPr>
       <p:sp>
         <p:nvSpPr>
+          <p:cNvPr id="15" name="Freeform: Shape 14">
+            <a:extLst>
+              <a:ext uri="{FF2B5EF4-FFF2-40B4-BE49-F238E27FC236}">
+                <a16:creationId xmlns:a16="http://schemas.microsoft.com/office/drawing/2014/main" id="{48A740BC-A0AA-45E0-B899-2AE9C6FE11CA}"/>
+              </a:ext>
+              <a:ext uri="{C183D7F6-B498-43B3-948B-1728B52AA6E4}">
+                <adec:decorative xmlns:adec="http://schemas.microsoft.com/office/drawing/2017/decorative" val="1"/>
+              </a:ext>
+            </a:extLst>
+          </p:cNvPr>
+          <p:cNvSpPr>
+            <a:spLocks noGrp="1" noRot="1" noChangeAspect="1" noMove="1" noResize="1" noEditPoints="1" noAdjustHandles="1" noChangeArrowheads="1" noChangeShapeType="1" noTextEdit="1"/>
+          </p:cNvSpPr>
+          <p:nvPr>
+            <p:extLst>
+              <p:ext uri="{386F3935-93C4-4BCD-93E2-E3B085C9AB24}">
+                <p16:designElem xmlns:p16="http://schemas.microsoft.com/office/powerpoint/2015/main" val="1"/>
+              </p:ext>
+            </p:extLst>
+          </p:nvPr>
+        </p:nvSpPr>
+        <p:spPr>
+          <a:xfrm>
+            <a:off x="5913121" y="-2"/>
+            <a:ext cx="6278879" cy="6858002"/>
+          </a:xfrm>
+          <a:custGeom>
+            <a:avLst/>
+            <a:gdLst>
+              <a:gd name="connsiteX0" fmla="*/ 45572 w 6278879"/>
+              <a:gd name="connsiteY0" fmla="*/ 0 h 6858002"/>
+              <a:gd name="connsiteX1" fmla="*/ 6278879 w 6278879"/>
+              <a:gd name="connsiteY1" fmla="*/ 0 h 6858002"/>
+              <a:gd name="connsiteX2" fmla="*/ 6278879 w 6278879"/>
+              <a:gd name="connsiteY2" fmla="*/ 6858002 h 6858002"/>
+              <a:gd name="connsiteX3" fmla="*/ 3292308 w 6278879"/>
+              <a:gd name="connsiteY3" fmla="*/ 6858002 h 6858002"/>
+              <a:gd name="connsiteX4" fmla="*/ 3181526 w 6278879"/>
+              <a:gd name="connsiteY4" fmla="*/ 6786982 h 6858002"/>
+              <a:gd name="connsiteX5" fmla="*/ 0 w 6278879"/>
+              <a:gd name="connsiteY5" fmla="*/ 803254 h 6858002"/>
+              <a:gd name="connsiteX6" fmla="*/ 37255 w 6278879"/>
+              <a:gd name="connsiteY6" fmla="*/ 65447 h 6858002"/>
+            </a:gdLst>
+            <a:ahLst/>
+            <a:cxnLst>
+              <a:cxn ang="0">
+                <a:pos x="connsiteX0" y="connsiteY0"/>
+              </a:cxn>
+              <a:cxn ang="0">
+                <a:pos x="connsiteX1" y="connsiteY1"/>
+              </a:cxn>
+              <a:cxn ang="0">
+                <a:pos x="connsiteX2" y="connsiteY2"/>
+              </a:cxn>
+              <a:cxn ang="0">
+                <a:pos x="connsiteX3" y="connsiteY3"/>
+              </a:cxn>
+              <a:cxn ang="0">
+                <a:pos x="connsiteX4" y="connsiteY4"/>
+              </a:cxn>
+              <a:cxn ang="0">
+                <a:pos x="connsiteX5" y="connsiteY5"/>
+              </a:cxn>
+              <a:cxn ang="0">
+                <a:pos x="connsiteX6" y="connsiteY6"/>
+              </a:cxn>
+            </a:cxnLst>
+            <a:rect l="l" t="t" r="r" b="b"/>
+            <a:pathLst>
+              <a:path w="6278879" h="6858002">
+                <a:moveTo>
+                  <a:pt x="45572" y="0"/>
+                </a:moveTo>
+                <a:lnTo>
+                  <a:pt x="6278879" y="0"/>
+                </a:lnTo>
+                <a:lnTo>
+                  <a:pt x="6278879" y="6858002"/>
+                </a:lnTo>
+                <a:lnTo>
+                  <a:pt x="3292308" y="6858002"/>
+                </a:lnTo>
+                <a:lnTo>
+                  <a:pt x="3181526" y="6786982"/>
+                </a:lnTo>
+                <a:cubicBezTo>
+                  <a:pt x="1262021" y="5490191"/>
+                  <a:pt x="0" y="3294103"/>
+                  <a:pt x="0" y="803254"/>
+                </a:cubicBezTo>
+                <a:cubicBezTo>
+                  <a:pt x="0" y="554169"/>
+                  <a:pt x="12620" y="308032"/>
+                  <a:pt x="37255" y="65447"/>
+                </a:cubicBezTo>
+                <a:close/>
+              </a:path>
+            </a:pathLst>
+          </a:custGeom>
+          <a:solidFill>
+            <a:schemeClr val="bg1">
+              <a:lumMod val="85000"/>
+              <a:lumOff val="15000"/>
+              <a:alpha val="70000"/>
+            </a:schemeClr>
+          </a:solidFill>
+          <a:ln>
+            <a:noFill/>
+          </a:ln>
+        </p:spPr>
+        <p:style>
+          <a:lnRef idx="2">
+            <a:schemeClr val="accent1">
+              <a:shade val="50000"/>
+            </a:schemeClr>
+          </a:lnRef>
+          <a:fillRef idx="1">
+            <a:schemeClr val="accent1"/>
+          </a:fillRef>
+          <a:effectRef idx="0">
+            <a:schemeClr val="accent1"/>
+          </a:effectRef>
+          <a:fontRef idx="minor">
+            <a:schemeClr val="lt1"/>
+          </a:fontRef>
+        </p:style>
+        <p:txBody>
+          <a:bodyPr rtlCol="0" anchor="ctr"/>
+          <a:lstStyle/>
+          <a:p>
+            <a:pPr marL="0" marR="0" lvl="0" indent="0" algn="ctr" defTabSz="914400" rtl="0" eaLnBrk="1" fontAlgn="auto" latinLnBrk="0" hangingPunct="1">
+              <a:lnSpc>
+                <a:spcPct val="100000"/>
+              </a:lnSpc>
+              <a:spcBef>
+                <a:spcPts val="0"/>
+              </a:spcBef>
+              <a:spcAft>
+                <a:spcPts val="0"/>
+              </a:spcAft>
+              <a:buClrTx/>
+              <a:buSzTx/>
+              <a:buFontTx/>
+              <a:buNone/>
+              <a:tabLst/>
+              <a:defRPr/>
+            </a:pPr>
+            <a:endParaRPr kumimoji="0" lang="en-US" sz="1800" b="0" i="0" u="none" strike="noStrike" kern="1200" cap="none" spc="0" normalizeH="0" baseline="0" noProof="0">
+              <a:ln>
+                <a:noFill/>
+              </a:ln>
+              <a:solidFill>
+                <a:prstClr val="white"/>
+              </a:solidFill>
+              <a:effectLst/>
+              <a:uLnTx/>
+              <a:uFillTx/>
+              <a:latin typeface="Calibri" panose="020F0502020204030204"/>
+              <a:ea typeface="+mn-ea"/>
+              <a:cs typeface="+mn-cs"/>
+            </a:endParaRPr>
+          </a:p>
+        </p:txBody>
+      </p:sp>
+      <p:sp>
+        <p:nvSpPr>
           <p:cNvPr id="2" name="Title 1">
             <a:extLst>
               <a:ext uri="{FF2B5EF4-FFF2-40B4-BE49-F238E27FC236}">
-                <a16:creationId xmlns:a16="http://schemas.microsoft.com/office/drawing/2014/main" id="{044F4004-42C0-4D34-848A-911F52A5D71E}"/>
+                <a16:creationId xmlns:a16="http://schemas.microsoft.com/office/drawing/2014/main" id="{1466EB11-C618-49A6-A668-8D13D475065E}"/>
               </a:ext>
             </a:extLst>
           </p:cNvPr>
@@ -3761,24 +5107,84 @@
             <p:ph type="title"/>
           </p:nvPr>
         </p:nvSpPr>
-        <p:spPr/>
-        <p:txBody>
-          <a:bodyPr/>
-          <a:lstStyle/>
-          <a:p>
-            <a:r>
-              <a:rPr lang="en-US" dirty="0"/>
-              <a:t>Hypothesis 1</a:t>
-            </a:r>
-          </a:p>
-        </p:txBody>
-      </p:sp>
+        <p:spPr>
+          <a:xfrm>
+            <a:off x="655320" y="365125"/>
+            <a:ext cx="9013052" cy="1623312"/>
+          </a:xfrm>
+        </p:spPr>
+        <p:txBody>
+          <a:bodyPr anchor="b">
+            <a:normAutofit/>
+          </a:bodyPr>
+          <a:lstStyle/>
+          <a:p>
+            <a:r>
+              <a:rPr lang="en-US" sz="4000" dirty="0"/>
+              <a:t>QUESTIONS ABOUT CONSUMER PURCHASING BEHAVIOR</a:t>
+            </a:r>
+          </a:p>
+        </p:txBody>
+      </p:sp>
+      <p:cxnSp>
+        <p:nvCxnSpPr>
+          <p:cNvPr id="17" name="Straight Arrow Connector 16">
+            <a:extLst>
+              <a:ext uri="{FF2B5EF4-FFF2-40B4-BE49-F238E27FC236}">
+                <a16:creationId xmlns:a16="http://schemas.microsoft.com/office/drawing/2014/main" id="{B874EF51-C858-4BB9-97C3-D17755787127}"/>
+              </a:ext>
+              <a:ext uri="{C183D7F6-B498-43B3-948B-1728B52AA6E4}">
+                <adec:decorative xmlns:adec="http://schemas.microsoft.com/office/drawing/2017/decorative" val="1"/>
+              </a:ext>
+            </a:extLst>
+          </p:cNvPr>
+          <p:cNvCxnSpPr>
+            <a:cxnSpLocks noGrp="1" noRot="1" noChangeAspect="1" noMove="1" noResize="1" noEditPoints="1" noAdjustHandles="1" noChangeArrowheads="1" noChangeShapeType="1"/>
+          </p:cNvCxnSpPr>
+          <p:nvPr>
+            <p:extLst>
+              <p:ext uri="{386F3935-93C4-4BCD-93E2-E3B085C9AB24}">
+                <p16:designElem xmlns:p16="http://schemas.microsoft.com/office/powerpoint/2015/main" val="1"/>
+              </p:ext>
+            </p:extLst>
+          </p:nvPr>
+        </p:nvCxnSpPr>
+        <p:spPr>
+          <a:xfrm>
+            <a:off x="763661" y="2316480"/>
+            <a:ext cx="8229600" cy="0"/>
+          </a:xfrm>
+          <a:prstGeom prst="straightConnector1">
+            <a:avLst/>
+          </a:prstGeom>
+          <a:ln w="19050" cap="sq">
+            <a:solidFill>
+              <a:schemeClr val="tx1"/>
+            </a:solidFill>
+            <a:tailEnd type="none"/>
+          </a:ln>
+        </p:spPr>
+        <p:style>
+          <a:lnRef idx="1">
+            <a:schemeClr val="accent1"/>
+          </a:lnRef>
+          <a:fillRef idx="0">
+            <a:schemeClr val="accent1"/>
+          </a:fillRef>
+          <a:effectRef idx="0">
+            <a:schemeClr val="accent1"/>
+          </a:effectRef>
+          <a:fontRef idx="minor">
+            <a:schemeClr val="tx1"/>
+          </a:fontRef>
+        </p:style>
+      </p:cxnSp>
       <p:sp>
         <p:nvSpPr>
           <p:cNvPr id="3" name="Content Placeholder 2">
             <a:extLst>
               <a:ext uri="{FF2B5EF4-FFF2-40B4-BE49-F238E27FC236}">
-                <a16:creationId xmlns:a16="http://schemas.microsoft.com/office/drawing/2014/main" id="{8081E251-D729-486D-866F-6F6A49CD876D}"/>
+                <a16:creationId xmlns:a16="http://schemas.microsoft.com/office/drawing/2014/main" id="{A6A56C34-AB55-4B28-B5F3-5E47B933B582}"/>
               </a:ext>
             </a:extLst>
           </p:cNvPr>
@@ -3789,31 +5195,154 @@
             <p:ph idx="1"/>
           </p:nvPr>
         </p:nvSpPr>
-        <p:spPr/>
-        <p:txBody>
-          <a:bodyPr/>
-          <a:lstStyle/>
-          <a:p>
-            <a:endParaRPr lang="en-US"/>
+        <p:spPr>
+          <a:xfrm>
+            <a:off x="655319" y="2644518"/>
+            <a:ext cx="10563665" cy="4063996"/>
+          </a:xfrm>
+        </p:spPr>
+        <p:txBody>
+          <a:bodyPr>
+            <a:normAutofit fontScale="92500" lnSpcReduction="10000"/>
+          </a:bodyPr>
+          <a:lstStyle/>
+          <a:p>
+            <a:pPr lvl="1">
+              <a:lnSpc>
+                <a:spcPct val="150000"/>
+              </a:lnSpc>
+            </a:pPr>
+            <a:r>
+              <a:rPr lang="en-US" sz="2000" dirty="0">
+                <a:latin typeface="Cambria" panose="02040503050406030204" pitchFamily="18" charset="0"/>
+                <a:ea typeface="Cambria" panose="02040503050406030204" pitchFamily="18" charset="0"/>
+              </a:rPr>
+              <a:t>Q1: </a:t>
+            </a:r>
+            <a:br>
+              <a:rPr lang="en-US" sz="2000" dirty="0">
+                <a:latin typeface="Cambria" panose="02040503050406030204" pitchFamily="18" charset="0"/>
+                <a:ea typeface="Cambria" panose="02040503050406030204" pitchFamily="18" charset="0"/>
+              </a:rPr>
+            </a:br>
+            <a:r>
+              <a:rPr lang="en-US" sz="2000" dirty="0">
+                <a:latin typeface="Cambria" panose="02040503050406030204" pitchFamily="18" charset="0"/>
+                <a:ea typeface="Cambria" panose="02040503050406030204" pitchFamily="18" charset="0"/>
+              </a:rPr>
+              <a:t>“Do discounts have a statistically significant effect on the number of products customers order?  If so, at what level(s) of discount?”	</a:t>
+            </a:r>
+          </a:p>
+          <a:p>
+            <a:pPr lvl="1">
+              <a:lnSpc>
+                <a:spcPct val="150000"/>
+              </a:lnSpc>
+            </a:pPr>
+            <a:r>
+              <a:rPr lang="en-US" sz="2000" dirty="0">
+                <a:latin typeface="Cambria" panose="02040503050406030204" pitchFamily="18" charset="0"/>
+                <a:ea typeface="Cambria" panose="02040503050406030204" pitchFamily="18" charset="0"/>
+              </a:rPr>
+              <a:t>Q2: </a:t>
+            </a:r>
+            <a:br>
+              <a:rPr lang="en-US" sz="2000" dirty="0">
+                <a:latin typeface="Cambria" panose="02040503050406030204" pitchFamily="18" charset="0"/>
+                <a:ea typeface="Cambria" panose="02040503050406030204" pitchFamily="18" charset="0"/>
+              </a:rPr>
+            </a:br>
+            <a:r>
+              <a:rPr lang="en-US" sz="2000" dirty="0">
+                <a:latin typeface="Cambria" panose="02040503050406030204" pitchFamily="18" charset="0"/>
+                <a:ea typeface="Cambria" panose="02040503050406030204" pitchFamily="18" charset="0"/>
+              </a:rPr>
+              <a:t>Do customers spend more money if they are buying discounted items?</a:t>
+            </a:r>
+          </a:p>
+          <a:p>
+            <a:pPr lvl="1">
+              <a:lnSpc>
+                <a:spcPct val="150000"/>
+              </a:lnSpc>
+            </a:pPr>
+            <a:r>
+              <a:rPr lang="en-US" sz="2000" dirty="0">
+                <a:latin typeface="Cambria" panose="02040503050406030204" pitchFamily="18" charset="0"/>
+                <a:ea typeface="Cambria" panose="02040503050406030204" pitchFamily="18" charset="0"/>
+              </a:rPr>
+              <a:t>Q3:</a:t>
+            </a:r>
+            <a:br>
+              <a:rPr lang="en-US" sz="2000" dirty="0">
+                <a:latin typeface="Cambria" panose="02040503050406030204" pitchFamily="18" charset="0"/>
+                <a:ea typeface="Cambria" panose="02040503050406030204" pitchFamily="18" charset="0"/>
+              </a:rPr>
+            </a:br>
+            <a:r>
+              <a:rPr lang="en-US" sz="2000" dirty="0">
+                <a:latin typeface="Cambria" panose="02040503050406030204" pitchFamily="18" charset="0"/>
+                <a:ea typeface="Cambria" panose="02040503050406030204" pitchFamily="18" charset="0"/>
+              </a:rPr>
+              <a:t> Do customers buy different quantities depending on the time of year</a:t>
+            </a:r>
+          </a:p>
+          <a:p>
+            <a:pPr lvl="1">
+              <a:lnSpc>
+                <a:spcPct val="150000"/>
+              </a:lnSpc>
+            </a:pPr>
+            <a:r>
+              <a:rPr lang="en-US" sz="2000" dirty="0">
+                <a:latin typeface="Cambria" panose="02040503050406030204" pitchFamily="18" charset="0"/>
+                <a:ea typeface="Cambria" panose="02040503050406030204" pitchFamily="18" charset="0"/>
+              </a:rPr>
+              <a:t>Q4: </a:t>
+            </a:r>
+            <a:br>
+              <a:rPr lang="en-US" sz="2000" dirty="0">
+                <a:latin typeface="Cambria" panose="02040503050406030204" pitchFamily="18" charset="0"/>
+                <a:ea typeface="Cambria" panose="02040503050406030204" pitchFamily="18" charset="0"/>
+              </a:rPr>
+            </a:br>
+            <a:r>
+              <a:rPr lang="en-US" sz="2000" dirty="0">
+                <a:latin typeface="Cambria" panose="02040503050406030204" pitchFamily="18" charset="0"/>
+                <a:ea typeface="Cambria" panose="02040503050406030204" pitchFamily="18" charset="0"/>
+              </a:rPr>
+              <a:t>Do different countries….</a:t>
+            </a:r>
           </a:p>
         </p:txBody>
       </p:sp>
     </p:spTree>
     <p:extLst>
       <p:ext uri="{BB962C8B-B14F-4D97-AF65-F5344CB8AC3E}">
-        <p14:creationId xmlns:p14="http://schemas.microsoft.com/office/powerpoint/2010/main" val="4133853988"/>
+        <p14:creationId xmlns:p14="http://schemas.microsoft.com/office/powerpoint/2010/main" val="2437247591"/>
       </p:ext>
     </p:extLst>
   </p:cSld>
   <p:clrMapOvr>
-    <a:masterClrMapping/>
+    <a:overrideClrMapping bg1="dk1" tx1="lt1" bg2="dk2" tx2="lt2" accent1="accent1" accent2="accent2" accent3="accent3" accent4="accent4" accent5="accent5" accent6="accent6" hlink="hlink" folHlink="folHlink"/>
   </p:clrMapOvr>
 </p:sld>
 </file>
 
-<file path=ppt/slides/slide6.xml><?xml version="1.0" encoding="utf-8"?>
+<file path=ppt/slides/slide3.xml><?xml version="1.0" encoding="utf-8"?>
 <p:sld xmlns:a="http://schemas.openxmlformats.org/drawingml/2006/main" xmlns:r="http://schemas.openxmlformats.org/officeDocument/2006/relationships" xmlns:p="http://schemas.openxmlformats.org/presentationml/2006/main">
   <p:cSld>
+    <p:bg>
+      <p:bgPr>
+        <a:solidFill>
+          <a:schemeClr val="bg1">
+            <a:tint val="95000"/>
+            <a:satMod val="170000"/>
+          </a:schemeClr>
+        </a:solidFill>
+        <a:effectLst/>
+      </p:bgPr>
+    </p:bg>
     <p:spTree>
       <p:nvGrpSpPr>
         <p:cNvPr id="1" name=""/>
@@ -3830,10 +5359,177 @@
       </p:grpSpPr>
       <p:sp>
         <p:nvSpPr>
+          <p:cNvPr id="8" name="Freeform: Shape 7">
+            <a:extLst>
+              <a:ext uri="{FF2B5EF4-FFF2-40B4-BE49-F238E27FC236}">
+                <a16:creationId xmlns:a16="http://schemas.microsoft.com/office/drawing/2014/main" id="{48A740BC-A0AA-45E0-B899-2AE9C6FE11CA}"/>
+              </a:ext>
+              <a:ext uri="{C183D7F6-B498-43B3-948B-1728B52AA6E4}">
+                <adec:decorative xmlns:adec="http://schemas.microsoft.com/office/drawing/2017/decorative" val="1"/>
+              </a:ext>
+            </a:extLst>
+          </p:cNvPr>
+          <p:cNvSpPr>
+            <a:spLocks noGrp="1" noRot="1" noChangeAspect="1" noMove="1" noResize="1" noEditPoints="1" noAdjustHandles="1" noChangeArrowheads="1" noChangeShapeType="1" noTextEdit="1"/>
+          </p:cNvSpPr>
+          <p:nvPr>
+            <p:extLst>
+              <p:ext uri="{386F3935-93C4-4BCD-93E2-E3B085C9AB24}">
+                <p16:designElem xmlns:p16="http://schemas.microsoft.com/office/powerpoint/2015/main" val="1"/>
+              </p:ext>
+            </p:extLst>
+          </p:nvPr>
+        </p:nvSpPr>
+        <p:spPr>
+          <a:xfrm>
+            <a:off x="5913121" y="-2"/>
+            <a:ext cx="6278879" cy="6858002"/>
+          </a:xfrm>
+          <a:custGeom>
+            <a:avLst/>
+            <a:gdLst>
+              <a:gd name="connsiteX0" fmla="*/ 45572 w 6278879"/>
+              <a:gd name="connsiteY0" fmla="*/ 0 h 6858002"/>
+              <a:gd name="connsiteX1" fmla="*/ 6278879 w 6278879"/>
+              <a:gd name="connsiteY1" fmla="*/ 0 h 6858002"/>
+              <a:gd name="connsiteX2" fmla="*/ 6278879 w 6278879"/>
+              <a:gd name="connsiteY2" fmla="*/ 6858002 h 6858002"/>
+              <a:gd name="connsiteX3" fmla="*/ 3292308 w 6278879"/>
+              <a:gd name="connsiteY3" fmla="*/ 6858002 h 6858002"/>
+              <a:gd name="connsiteX4" fmla="*/ 3181526 w 6278879"/>
+              <a:gd name="connsiteY4" fmla="*/ 6786982 h 6858002"/>
+              <a:gd name="connsiteX5" fmla="*/ 0 w 6278879"/>
+              <a:gd name="connsiteY5" fmla="*/ 803254 h 6858002"/>
+              <a:gd name="connsiteX6" fmla="*/ 37255 w 6278879"/>
+              <a:gd name="connsiteY6" fmla="*/ 65447 h 6858002"/>
+            </a:gdLst>
+            <a:ahLst/>
+            <a:cxnLst>
+              <a:cxn ang="0">
+                <a:pos x="connsiteX0" y="connsiteY0"/>
+              </a:cxn>
+              <a:cxn ang="0">
+                <a:pos x="connsiteX1" y="connsiteY1"/>
+              </a:cxn>
+              <a:cxn ang="0">
+                <a:pos x="connsiteX2" y="connsiteY2"/>
+              </a:cxn>
+              <a:cxn ang="0">
+                <a:pos x="connsiteX3" y="connsiteY3"/>
+              </a:cxn>
+              <a:cxn ang="0">
+                <a:pos x="connsiteX4" y="connsiteY4"/>
+              </a:cxn>
+              <a:cxn ang="0">
+                <a:pos x="connsiteX5" y="connsiteY5"/>
+              </a:cxn>
+              <a:cxn ang="0">
+                <a:pos x="connsiteX6" y="connsiteY6"/>
+              </a:cxn>
+            </a:cxnLst>
+            <a:rect l="l" t="t" r="r" b="b"/>
+            <a:pathLst>
+              <a:path w="6278879" h="6858002">
+                <a:moveTo>
+                  <a:pt x="45572" y="0"/>
+                </a:moveTo>
+                <a:lnTo>
+                  <a:pt x="6278879" y="0"/>
+                </a:lnTo>
+                <a:lnTo>
+                  <a:pt x="6278879" y="6858002"/>
+                </a:lnTo>
+                <a:lnTo>
+                  <a:pt x="3292308" y="6858002"/>
+                </a:lnTo>
+                <a:lnTo>
+                  <a:pt x="3181526" y="6786982"/>
+                </a:lnTo>
+                <a:cubicBezTo>
+                  <a:pt x="1262021" y="5490191"/>
+                  <a:pt x="0" y="3294103"/>
+                  <a:pt x="0" y="803254"/>
+                </a:cubicBezTo>
+                <a:cubicBezTo>
+                  <a:pt x="0" y="554169"/>
+                  <a:pt x="12620" y="308032"/>
+                  <a:pt x="37255" y="65447"/>
+                </a:cubicBezTo>
+                <a:close/>
+              </a:path>
+            </a:pathLst>
+          </a:custGeom>
+          <a:solidFill>
+            <a:schemeClr val="bg1">
+              <a:lumMod val="85000"/>
+              <a:lumOff val="15000"/>
+              <a:alpha val="70000"/>
+            </a:schemeClr>
+          </a:solidFill>
+          <a:ln>
+            <a:noFill/>
+          </a:ln>
+        </p:spPr>
+        <p:style>
+          <a:lnRef idx="2">
+            <a:schemeClr val="accent1">
+              <a:shade val="50000"/>
+            </a:schemeClr>
+          </a:lnRef>
+          <a:fillRef idx="1">
+            <a:schemeClr val="accent1"/>
+          </a:fillRef>
+          <a:effectRef idx="0">
+            <a:schemeClr val="accent1"/>
+          </a:effectRef>
+          <a:fontRef idx="minor">
+            <a:schemeClr val="lt1"/>
+          </a:fontRef>
+        </p:style>
+        <p:txBody>
+          <a:bodyPr rtlCol="0" anchor="ctr"/>
+          <a:lstStyle/>
+          <a:p>
+            <a:pPr marL="0" marR="0" lvl="0" indent="0" algn="ctr" defTabSz="914400" rtl="0" eaLnBrk="1" fontAlgn="auto" latinLnBrk="0" hangingPunct="1">
+              <a:lnSpc>
+                <a:spcPct val="100000"/>
+              </a:lnSpc>
+              <a:spcBef>
+                <a:spcPts val="0"/>
+              </a:spcBef>
+              <a:spcAft>
+                <a:spcPts val="0"/>
+              </a:spcAft>
+              <a:buClrTx/>
+              <a:buSzTx/>
+              <a:buFontTx/>
+              <a:buNone/>
+              <a:tabLst/>
+              <a:defRPr/>
+            </a:pPr>
+            <a:endParaRPr kumimoji="0" lang="en-US" sz="1800" b="0" i="0" u="none" strike="noStrike" kern="1200" cap="none" spc="0" normalizeH="0" baseline="0" noProof="0">
+              <a:ln>
+                <a:noFill/>
+              </a:ln>
+              <a:solidFill>
+                <a:prstClr val="white"/>
+              </a:solidFill>
+              <a:effectLst/>
+              <a:uLnTx/>
+              <a:uFillTx/>
+              <a:latin typeface="Calibri" panose="020F0502020204030204"/>
+              <a:ea typeface="+mn-ea"/>
+              <a:cs typeface="+mn-cs"/>
+            </a:endParaRPr>
+          </a:p>
+        </p:txBody>
+      </p:sp>
+      <p:sp>
+        <p:nvSpPr>
           <p:cNvPr id="2" name="Title 1">
             <a:extLst>
               <a:ext uri="{FF2B5EF4-FFF2-40B4-BE49-F238E27FC236}">
-                <a16:creationId xmlns:a16="http://schemas.microsoft.com/office/drawing/2014/main" id="{044F4004-42C0-4D34-848A-911F52A5D71E}"/>
+                <a16:creationId xmlns:a16="http://schemas.microsoft.com/office/drawing/2014/main" id="{A9220138-02F1-42B5-8C38-4A88F348B04A}"/>
               </a:ext>
             </a:extLst>
           </p:cNvPr>
@@ -3844,24 +5540,84 @@
             <p:ph type="title"/>
           </p:nvPr>
         </p:nvSpPr>
-        <p:spPr/>
-        <p:txBody>
-          <a:bodyPr/>
-          <a:lstStyle/>
-          <a:p>
-            <a:r>
-              <a:rPr lang="en-US" dirty="0"/>
-              <a:t>Hypothesis 2</a:t>
-            </a:r>
-          </a:p>
-        </p:txBody>
-      </p:sp>
+        <p:spPr>
+          <a:xfrm>
+            <a:off x="655320" y="365125"/>
+            <a:ext cx="9013052" cy="1623312"/>
+          </a:xfrm>
+        </p:spPr>
+        <p:txBody>
+          <a:bodyPr anchor="b">
+            <a:normAutofit/>
+          </a:bodyPr>
+          <a:lstStyle/>
+          <a:p>
+            <a:r>
+              <a:rPr lang="en-US" sz="4000" dirty="0"/>
+              <a:t>OUR METHODOLOGY</a:t>
+            </a:r>
+          </a:p>
+        </p:txBody>
+      </p:sp>
+      <p:cxnSp>
+        <p:nvCxnSpPr>
+          <p:cNvPr id="10" name="Straight Arrow Connector 9">
+            <a:extLst>
+              <a:ext uri="{FF2B5EF4-FFF2-40B4-BE49-F238E27FC236}">
+                <a16:creationId xmlns:a16="http://schemas.microsoft.com/office/drawing/2014/main" id="{B874EF51-C858-4BB9-97C3-D17755787127}"/>
+              </a:ext>
+              <a:ext uri="{C183D7F6-B498-43B3-948B-1728B52AA6E4}">
+                <adec:decorative xmlns:adec="http://schemas.microsoft.com/office/drawing/2017/decorative" val="1"/>
+              </a:ext>
+            </a:extLst>
+          </p:cNvPr>
+          <p:cNvCxnSpPr>
+            <a:cxnSpLocks noGrp="1" noRot="1" noChangeAspect="1" noMove="1" noResize="1" noEditPoints="1" noAdjustHandles="1" noChangeArrowheads="1" noChangeShapeType="1"/>
+          </p:cNvCxnSpPr>
+          <p:nvPr>
+            <p:extLst>
+              <p:ext uri="{386F3935-93C4-4BCD-93E2-E3B085C9AB24}">
+                <p16:designElem xmlns:p16="http://schemas.microsoft.com/office/powerpoint/2015/main" val="1"/>
+              </p:ext>
+            </p:extLst>
+          </p:nvPr>
+        </p:nvCxnSpPr>
+        <p:spPr>
+          <a:xfrm>
+            <a:off x="763661" y="2316480"/>
+            <a:ext cx="8229600" cy="0"/>
+          </a:xfrm>
+          <a:prstGeom prst="straightConnector1">
+            <a:avLst/>
+          </a:prstGeom>
+          <a:ln w="19050" cap="sq">
+            <a:solidFill>
+              <a:schemeClr val="tx1"/>
+            </a:solidFill>
+            <a:tailEnd type="none"/>
+          </a:ln>
+        </p:spPr>
+        <p:style>
+          <a:lnRef idx="1">
+            <a:schemeClr val="accent1"/>
+          </a:lnRef>
+          <a:fillRef idx="0">
+            <a:schemeClr val="accent1"/>
+          </a:fillRef>
+          <a:effectRef idx="0">
+            <a:schemeClr val="accent1"/>
+          </a:effectRef>
+          <a:fontRef idx="minor">
+            <a:schemeClr val="tx1"/>
+          </a:fontRef>
+        </p:style>
+      </p:cxnSp>
       <p:sp>
         <p:nvSpPr>
           <p:cNvPr id="3" name="Content Placeholder 2">
             <a:extLst>
               <a:ext uri="{FF2B5EF4-FFF2-40B4-BE49-F238E27FC236}">
-                <a16:creationId xmlns:a16="http://schemas.microsoft.com/office/drawing/2014/main" id="{8081E251-D729-486D-866F-6F6A49CD876D}"/>
+                <a16:creationId xmlns:a16="http://schemas.microsoft.com/office/drawing/2014/main" id="{94CB1A2B-13C0-4C43-AB5A-3213BA468DF7}"/>
               </a:ext>
             </a:extLst>
           </p:cNvPr>
@@ -3872,31 +5628,149 @@
             <p:ph idx="1"/>
           </p:nvPr>
         </p:nvSpPr>
-        <p:spPr/>
-        <p:txBody>
-          <a:bodyPr/>
-          <a:lstStyle/>
-          <a:p>
-            <a:endParaRPr lang="en-US"/>
+        <p:spPr>
+          <a:xfrm>
+            <a:off x="655320" y="2644518"/>
+            <a:ext cx="9913034" cy="3773866"/>
+          </a:xfrm>
+        </p:spPr>
+        <p:txBody>
+          <a:bodyPr>
+            <a:normAutofit lnSpcReduction="10000"/>
+          </a:bodyPr>
+          <a:lstStyle/>
+          <a:p>
+            <a:r>
+              <a:rPr lang="en-US" sz="2400" dirty="0">
+                <a:latin typeface="Cambria" panose="02040503050406030204" pitchFamily="18" charset="0"/>
+                <a:ea typeface="Cambria" panose="02040503050406030204" pitchFamily="18" charset="0"/>
+              </a:rPr>
+              <a:t>Explored SQL Database for data re: insights into consumer behavior.</a:t>
+            </a:r>
+          </a:p>
+          <a:p>
+            <a:endParaRPr lang="en-US" sz="2400" dirty="0">
+              <a:latin typeface="Cambria" panose="02040503050406030204" pitchFamily="18" charset="0"/>
+              <a:ea typeface="Cambria" panose="02040503050406030204" pitchFamily="18" charset="0"/>
+            </a:endParaRPr>
+          </a:p>
+          <a:p>
+            <a:r>
+              <a:rPr lang="en-US" sz="2400" dirty="0">
+                <a:latin typeface="Cambria" panose="02040503050406030204" pitchFamily="18" charset="0"/>
+                <a:ea typeface="Cambria" panose="02040503050406030204" pitchFamily="18" charset="0"/>
+              </a:rPr>
+              <a:t>Defined formal hypothesis and used the scientific method.</a:t>
+            </a:r>
+          </a:p>
+          <a:p>
+            <a:r>
+              <a:rPr lang="en-US" sz="2400" dirty="0">
+                <a:latin typeface="Cambria" panose="02040503050406030204" pitchFamily="18" charset="0"/>
+                <a:ea typeface="Cambria" panose="02040503050406030204" pitchFamily="18" charset="0"/>
+              </a:rPr>
+              <a:t>Performed analysis of data distributions to decide appropriate test.</a:t>
+            </a:r>
+          </a:p>
+          <a:p>
+            <a:pPr lvl="1"/>
+            <a:r>
+              <a:rPr lang="en-US" sz="2000" dirty="0">
+                <a:latin typeface="Cambria" panose="02040503050406030204" pitchFamily="18" charset="0"/>
+                <a:ea typeface="Cambria" panose="02040503050406030204" pitchFamily="18" charset="0"/>
+              </a:rPr>
+              <a:t>D’Agostino &amp; Pearson’s normality test.</a:t>
+            </a:r>
+          </a:p>
+          <a:p>
+            <a:pPr lvl="1"/>
+            <a:r>
+              <a:rPr lang="en-US" sz="2000" dirty="0" err="1">
+                <a:latin typeface="Cambria" panose="02040503050406030204" pitchFamily="18" charset="0"/>
+                <a:ea typeface="Cambria" panose="02040503050406030204" pitchFamily="18" charset="0"/>
+              </a:rPr>
+              <a:t>Levene’s</a:t>
+            </a:r>
+            <a:r>
+              <a:rPr lang="en-US" sz="2000" dirty="0">
+                <a:latin typeface="Cambria" panose="02040503050406030204" pitchFamily="18" charset="0"/>
+                <a:ea typeface="Cambria" panose="02040503050406030204" pitchFamily="18" charset="0"/>
+              </a:rPr>
+              <a:t> test for equal variance.</a:t>
+            </a:r>
+          </a:p>
+          <a:p>
+            <a:pPr lvl="1"/>
+            <a:endParaRPr lang="en-US" sz="1800" dirty="0">
+              <a:latin typeface="Cambria" panose="02040503050406030204" pitchFamily="18" charset="0"/>
+              <a:ea typeface="Cambria" panose="02040503050406030204" pitchFamily="18" charset="0"/>
+            </a:endParaRPr>
+          </a:p>
+          <a:p>
+            <a:r>
+              <a:rPr lang="en-US" sz="2400" dirty="0">
+                <a:latin typeface="Cambria" panose="02040503050406030204" pitchFamily="18" charset="0"/>
+                <a:ea typeface="Cambria" panose="02040503050406030204" pitchFamily="18" charset="0"/>
+              </a:rPr>
+              <a:t>Performed proper statistical tests to test our hypotheses. </a:t>
+            </a:r>
+          </a:p>
+          <a:p>
+            <a:pPr lvl="1"/>
+            <a:r>
+              <a:rPr lang="en-US" sz="2000" dirty="0">
+                <a:latin typeface="Cambria" panose="02040503050406030204" pitchFamily="18" charset="0"/>
+                <a:ea typeface="Cambria" panose="02040503050406030204" pitchFamily="18" charset="0"/>
+              </a:rPr>
+              <a:t>Mann-Whitney U</a:t>
+            </a:r>
+          </a:p>
+          <a:p>
+            <a:pPr lvl="1"/>
+            <a:r>
+              <a:rPr lang="en-US" sz="2000" dirty="0">
+                <a:latin typeface="Cambria" panose="02040503050406030204" pitchFamily="18" charset="0"/>
+                <a:ea typeface="Cambria" panose="02040503050406030204" pitchFamily="18" charset="0"/>
+              </a:rPr>
+              <a:t>Tukey’s Pairwise Multiple Comparison tests.</a:t>
+            </a:r>
+          </a:p>
+          <a:p>
+            <a:pPr lvl="2"/>
+            <a:endParaRPr lang="en-US" sz="2400" dirty="0">
+              <a:latin typeface="Cambria" panose="02040503050406030204" pitchFamily="18" charset="0"/>
+              <a:ea typeface="Cambria" panose="02040503050406030204" pitchFamily="18" charset="0"/>
+            </a:endParaRPr>
           </a:p>
         </p:txBody>
       </p:sp>
     </p:spTree>
     <p:extLst>
       <p:ext uri="{BB962C8B-B14F-4D97-AF65-F5344CB8AC3E}">
-        <p14:creationId xmlns:p14="http://schemas.microsoft.com/office/powerpoint/2010/main" val="1137005103"/>
+        <p14:creationId xmlns:p14="http://schemas.microsoft.com/office/powerpoint/2010/main" val="695323924"/>
       </p:ext>
     </p:extLst>
   </p:cSld>
   <p:clrMapOvr>
-    <a:masterClrMapping/>
+    <a:overrideClrMapping bg1="dk1" tx1="lt1" bg2="dk2" tx2="lt2" accent1="accent1" accent2="accent2" accent3="accent3" accent4="accent4" accent5="accent5" accent6="accent6" hlink="hlink" folHlink="folHlink"/>
   </p:clrMapOvr>
 </p:sld>
 </file>
 
-<file path=ppt/slides/slide7.xml><?xml version="1.0" encoding="utf-8"?>
+<file path=ppt/slides/slide4.xml><?xml version="1.0" encoding="utf-8"?>
 <p:sld xmlns:a="http://schemas.openxmlformats.org/drawingml/2006/main" xmlns:r="http://schemas.openxmlformats.org/officeDocument/2006/relationships" xmlns:p="http://schemas.openxmlformats.org/presentationml/2006/main">
   <p:cSld>
+    <p:bg>
+      <p:bgPr>
+        <a:solidFill>
+          <a:schemeClr val="bg1">
+            <a:tint val="95000"/>
+            <a:satMod val="170000"/>
+          </a:schemeClr>
+        </a:solidFill>
+        <a:effectLst/>
+      </p:bgPr>
+    </p:bg>
     <p:spTree>
       <p:nvGrpSpPr>
         <p:cNvPr id="1" name=""/>
@@ -3913,6 +5787,173 @@
       </p:grpSpPr>
       <p:sp>
         <p:nvSpPr>
+          <p:cNvPr id="17" name="Freeform: Shape 16">
+            <a:extLst>
+              <a:ext uri="{FF2B5EF4-FFF2-40B4-BE49-F238E27FC236}">
+                <a16:creationId xmlns:a16="http://schemas.microsoft.com/office/drawing/2014/main" id="{48A740BC-A0AA-45E0-B899-2AE9C6FE11CA}"/>
+              </a:ext>
+              <a:ext uri="{C183D7F6-B498-43B3-948B-1728B52AA6E4}">
+                <adec:decorative xmlns:adec="http://schemas.microsoft.com/office/drawing/2017/decorative" val="1"/>
+              </a:ext>
+            </a:extLst>
+          </p:cNvPr>
+          <p:cNvSpPr>
+            <a:spLocks noGrp="1" noRot="1" noChangeAspect="1" noMove="1" noResize="1" noEditPoints="1" noAdjustHandles="1" noChangeArrowheads="1" noChangeShapeType="1" noTextEdit="1"/>
+          </p:cNvSpPr>
+          <p:nvPr>
+            <p:extLst>
+              <p:ext uri="{386F3935-93C4-4BCD-93E2-E3B085C9AB24}">
+                <p16:designElem xmlns:p16="http://schemas.microsoft.com/office/powerpoint/2015/main" val="1"/>
+              </p:ext>
+            </p:extLst>
+          </p:nvPr>
+        </p:nvSpPr>
+        <p:spPr>
+          <a:xfrm>
+            <a:off x="5913121" y="-2"/>
+            <a:ext cx="6278879" cy="6858002"/>
+          </a:xfrm>
+          <a:custGeom>
+            <a:avLst/>
+            <a:gdLst>
+              <a:gd name="connsiteX0" fmla="*/ 45572 w 6278879"/>
+              <a:gd name="connsiteY0" fmla="*/ 0 h 6858002"/>
+              <a:gd name="connsiteX1" fmla="*/ 6278879 w 6278879"/>
+              <a:gd name="connsiteY1" fmla="*/ 0 h 6858002"/>
+              <a:gd name="connsiteX2" fmla="*/ 6278879 w 6278879"/>
+              <a:gd name="connsiteY2" fmla="*/ 6858002 h 6858002"/>
+              <a:gd name="connsiteX3" fmla="*/ 3292308 w 6278879"/>
+              <a:gd name="connsiteY3" fmla="*/ 6858002 h 6858002"/>
+              <a:gd name="connsiteX4" fmla="*/ 3181526 w 6278879"/>
+              <a:gd name="connsiteY4" fmla="*/ 6786982 h 6858002"/>
+              <a:gd name="connsiteX5" fmla="*/ 0 w 6278879"/>
+              <a:gd name="connsiteY5" fmla="*/ 803254 h 6858002"/>
+              <a:gd name="connsiteX6" fmla="*/ 37255 w 6278879"/>
+              <a:gd name="connsiteY6" fmla="*/ 65447 h 6858002"/>
+            </a:gdLst>
+            <a:ahLst/>
+            <a:cxnLst>
+              <a:cxn ang="0">
+                <a:pos x="connsiteX0" y="connsiteY0"/>
+              </a:cxn>
+              <a:cxn ang="0">
+                <a:pos x="connsiteX1" y="connsiteY1"/>
+              </a:cxn>
+              <a:cxn ang="0">
+                <a:pos x="connsiteX2" y="connsiteY2"/>
+              </a:cxn>
+              <a:cxn ang="0">
+                <a:pos x="connsiteX3" y="connsiteY3"/>
+              </a:cxn>
+              <a:cxn ang="0">
+                <a:pos x="connsiteX4" y="connsiteY4"/>
+              </a:cxn>
+              <a:cxn ang="0">
+                <a:pos x="connsiteX5" y="connsiteY5"/>
+              </a:cxn>
+              <a:cxn ang="0">
+                <a:pos x="connsiteX6" y="connsiteY6"/>
+              </a:cxn>
+            </a:cxnLst>
+            <a:rect l="l" t="t" r="r" b="b"/>
+            <a:pathLst>
+              <a:path w="6278879" h="6858002">
+                <a:moveTo>
+                  <a:pt x="45572" y="0"/>
+                </a:moveTo>
+                <a:lnTo>
+                  <a:pt x="6278879" y="0"/>
+                </a:lnTo>
+                <a:lnTo>
+                  <a:pt x="6278879" y="6858002"/>
+                </a:lnTo>
+                <a:lnTo>
+                  <a:pt x="3292308" y="6858002"/>
+                </a:lnTo>
+                <a:lnTo>
+                  <a:pt x="3181526" y="6786982"/>
+                </a:lnTo>
+                <a:cubicBezTo>
+                  <a:pt x="1262021" y="5490191"/>
+                  <a:pt x="0" y="3294103"/>
+                  <a:pt x="0" y="803254"/>
+                </a:cubicBezTo>
+                <a:cubicBezTo>
+                  <a:pt x="0" y="554169"/>
+                  <a:pt x="12620" y="308032"/>
+                  <a:pt x="37255" y="65447"/>
+                </a:cubicBezTo>
+                <a:close/>
+              </a:path>
+            </a:pathLst>
+          </a:custGeom>
+          <a:solidFill>
+            <a:schemeClr val="bg1">
+              <a:lumMod val="85000"/>
+              <a:lumOff val="15000"/>
+              <a:alpha val="70000"/>
+            </a:schemeClr>
+          </a:solidFill>
+          <a:ln>
+            <a:noFill/>
+          </a:ln>
+        </p:spPr>
+        <p:style>
+          <a:lnRef idx="2">
+            <a:schemeClr val="accent1">
+              <a:shade val="50000"/>
+            </a:schemeClr>
+          </a:lnRef>
+          <a:fillRef idx="1">
+            <a:schemeClr val="accent1"/>
+          </a:fillRef>
+          <a:effectRef idx="0">
+            <a:schemeClr val="accent1"/>
+          </a:effectRef>
+          <a:fontRef idx="minor">
+            <a:schemeClr val="lt1"/>
+          </a:fontRef>
+        </p:style>
+        <p:txBody>
+          <a:bodyPr rtlCol="0" anchor="ctr"/>
+          <a:lstStyle/>
+          <a:p>
+            <a:pPr marL="0" marR="0" lvl="0" indent="0" algn="ctr" defTabSz="914400" rtl="0" eaLnBrk="1" fontAlgn="auto" latinLnBrk="0" hangingPunct="1">
+              <a:lnSpc>
+                <a:spcPct val="100000"/>
+              </a:lnSpc>
+              <a:spcBef>
+                <a:spcPts val="0"/>
+              </a:spcBef>
+              <a:spcAft>
+                <a:spcPts val="0"/>
+              </a:spcAft>
+              <a:buClrTx/>
+              <a:buSzTx/>
+              <a:buFontTx/>
+              <a:buNone/>
+              <a:tabLst/>
+              <a:defRPr/>
+            </a:pPr>
+            <a:endParaRPr kumimoji="0" lang="en-US" sz="1800" b="0" i="0" u="none" strike="noStrike" kern="1200" cap="none" spc="0" normalizeH="0" baseline="0" noProof="0">
+              <a:ln>
+                <a:noFill/>
+              </a:ln>
+              <a:solidFill>
+                <a:prstClr val="white"/>
+              </a:solidFill>
+              <a:effectLst/>
+              <a:uLnTx/>
+              <a:uFillTx/>
+              <a:latin typeface="Calibri" panose="020F0502020204030204"/>
+              <a:ea typeface="+mn-ea"/>
+              <a:cs typeface="+mn-cs"/>
+            </a:endParaRPr>
+          </a:p>
+        </p:txBody>
+      </p:sp>
+      <p:sp>
+        <p:nvSpPr>
           <p:cNvPr id="2" name="Title 1">
             <a:extLst>
               <a:ext uri="{FF2B5EF4-FFF2-40B4-BE49-F238E27FC236}">
@@ -3927,18 +5968,104 @@
             <p:ph type="title"/>
           </p:nvPr>
         </p:nvSpPr>
-        <p:spPr/>
-        <p:txBody>
-          <a:bodyPr/>
-          <a:lstStyle/>
-          <a:p>
-            <a:r>
-              <a:rPr lang="en-US" dirty="0"/>
-              <a:t>Hypothesis 3</a:t>
-            </a:r>
-          </a:p>
-        </p:txBody>
-      </p:sp>
+        <p:spPr>
+          <a:xfrm>
+            <a:off x="655320" y="365125"/>
+            <a:ext cx="9013052" cy="1623312"/>
+          </a:xfrm>
+        </p:spPr>
+        <p:txBody>
+          <a:bodyPr anchor="b">
+            <a:normAutofit/>
+          </a:bodyPr>
+          <a:lstStyle/>
+          <a:p>
+            <a:r>
+              <a:rPr lang="en-US" sz="2500" dirty="0">
+                <a:latin typeface="Cambria" panose="02040503050406030204" pitchFamily="18" charset="0"/>
+                <a:ea typeface="Cambria" panose="02040503050406030204" pitchFamily="18" charset="0"/>
+              </a:rPr>
+              <a:t>HYPOTHESIS 1:</a:t>
+            </a:r>
+            <a:br>
+              <a:rPr lang="en-US" sz="2500" dirty="0">
+                <a:latin typeface="Cambria" panose="02040503050406030204" pitchFamily="18" charset="0"/>
+                <a:ea typeface="Cambria" panose="02040503050406030204" pitchFamily="18" charset="0"/>
+              </a:rPr>
+            </a:br>
+            <a:r>
+              <a:rPr lang="en-US" sz="2500" dirty="0">
+                <a:latin typeface="Cambria" panose="02040503050406030204" pitchFamily="18" charset="0"/>
+                <a:ea typeface="Cambria" panose="02040503050406030204" pitchFamily="18" charset="0"/>
+              </a:rPr>
+              <a:t>Do discounts have a statistically significant effect on the number of products customers order? If so, at what level(s) of discount?</a:t>
+            </a:r>
+            <a:br>
+              <a:rPr lang="en-US" sz="2500" dirty="0">
+                <a:latin typeface="Cambria" panose="02040503050406030204" pitchFamily="18" charset="0"/>
+                <a:ea typeface="Cambria" panose="02040503050406030204" pitchFamily="18" charset="0"/>
+              </a:rPr>
+            </a:br>
+            <a:endParaRPr lang="en-US" sz="2500" dirty="0">
+              <a:latin typeface="Cambria" panose="02040503050406030204" pitchFamily="18" charset="0"/>
+              <a:ea typeface="Cambria" panose="02040503050406030204" pitchFamily="18" charset="0"/>
+            </a:endParaRPr>
+          </a:p>
+        </p:txBody>
+      </p:sp>
+      <p:cxnSp>
+        <p:nvCxnSpPr>
+          <p:cNvPr id="19" name="Straight Arrow Connector 18">
+            <a:extLst>
+              <a:ext uri="{FF2B5EF4-FFF2-40B4-BE49-F238E27FC236}">
+                <a16:creationId xmlns:a16="http://schemas.microsoft.com/office/drawing/2014/main" id="{B874EF51-C858-4BB9-97C3-D17755787127}"/>
+              </a:ext>
+              <a:ext uri="{C183D7F6-B498-43B3-948B-1728B52AA6E4}">
+                <adec:decorative xmlns:adec="http://schemas.microsoft.com/office/drawing/2017/decorative" val="1"/>
+              </a:ext>
+            </a:extLst>
+          </p:cNvPr>
+          <p:cNvCxnSpPr>
+            <a:cxnSpLocks noGrp="1" noRot="1" noChangeAspect="1" noMove="1" noResize="1" noEditPoints="1" noAdjustHandles="1" noChangeArrowheads="1" noChangeShapeType="1"/>
+          </p:cNvCxnSpPr>
+          <p:nvPr>
+            <p:extLst>
+              <p:ext uri="{386F3935-93C4-4BCD-93E2-E3B085C9AB24}">
+                <p16:designElem xmlns:p16="http://schemas.microsoft.com/office/powerpoint/2015/main" val="1"/>
+              </p:ext>
+            </p:extLst>
+          </p:nvPr>
+        </p:nvCxnSpPr>
+        <p:spPr>
+          <a:xfrm>
+            <a:off x="763661" y="2316480"/>
+            <a:ext cx="8229600" cy="0"/>
+          </a:xfrm>
+          <a:prstGeom prst="straightConnector1">
+            <a:avLst/>
+          </a:prstGeom>
+          <a:ln w="19050" cap="sq">
+            <a:solidFill>
+              <a:schemeClr val="tx1"/>
+            </a:solidFill>
+            <a:tailEnd type="none"/>
+          </a:ln>
+        </p:spPr>
+        <p:style>
+          <a:lnRef idx="1">
+            <a:schemeClr val="accent1"/>
+          </a:lnRef>
+          <a:fillRef idx="0">
+            <a:schemeClr val="accent1"/>
+          </a:fillRef>
+          <a:effectRef idx="0">
+            <a:schemeClr val="accent1"/>
+          </a:effectRef>
+          <a:fontRef idx="minor">
+            <a:schemeClr val="tx1"/>
+          </a:fontRef>
+        </p:style>
+      </p:cxnSp>
       <p:sp>
         <p:nvSpPr>
           <p:cNvPr id="3" name="Content Placeholder 2">
@@ -3955,31 +6082,119 @@
             <p:ph idx="1"/>
           </p:nvPr>
         </p:nvSpPr>
-        <p:spPr/>
-        <p:txBody>
-          <a:bodyPr/>
-          <a:lstStyle/>
-          <a:p>
-            <a:endParaRPr lang="en-US"/>
+        <p:spPr>
+          <a:xfrm>
+            <a:off x="655320" y="2644518"/>
+            <a:ext cx="9013052" cy="3327251"/>
+          </a:xfrm>
+        </p:spPr>
+        <p:txBody>
+          <a:bodyPr>
+            <a:normAutofit/>
+          </a:bodyPr>
+          <a:lstStyle/>
+          <a:p>
+            <a:pPr marL="0" indent="0">
+              <a:buNone/>
+            </a:pPr>
+            <a:endParaRPr lang="en-US" altLang="en-US" sz="2000">
+              <a:latin typeface="Arial" panose="020B0604020202020204" pitchFamily="34" charset="0"/>
+            </a:endParaRPr>
+          </a:p>
+          <a:p>
+            <a:pPr eaLnBrk="0" fontAlgn="base" hangingPunct="0">
+              <a:spcBef>
+                <a:spcPct val="0"/>
+              </a:spcBef>
+              <a:spcAft>
+                <a:spcPct val="0"/>
+              </a:spcAft>
+            </a:pPr>
+            <a:r>
+              <a:rPr lang="en-US" altLang="en-US" sz="2000">
+                <a:latin typeface="Cambria" panose="02040503050406030204" pitchFamily="18" charset="0"/>
+                <a:ea typeface="Cambria" panose="02040503050406030204" pitchFamily="18" charset="0"/>
+              </a:rPr>
+              <a:t>𝐻1 : Products that are discounted sell in higher quantities.</a:t>
+            </a:r>
+          </a:p>
+          <a:p>
+            <a:pPr eaLnBrk="0" fontAlgn="base" hangingPunct="0">
+              <a:spcBef>
+                <a:spcPct val="0"/>
+              </a:spcBef>
+              <a:spcAft>
+                <a:spcPct val="0"/>
+              </a:spcAft>
+            </a:pPr>
+            <a:endParaRPr lang="en-US" altLang="en-US" sz="2000">
+              <a:latin typeface="Cambria" panose="02040503050406030204" pitchFamily="18" charset="0"/>
+              <a:ea typeface="Cambria" panose="02040503050406030204" pitchFamily="18" charset="0"/>
+            </a:endParaRPr>
+          </a:p>
+          <a:p>
+            <a:pPr eaLnBrk="0" fontAlgn="base" hangingPunct="0">
+              <a:spcBef>
+                <a:spcPct val="0"/>
+              </a:spcBef>
+              <a:spcAft>
+                <a:spcPct val="0"/>
+              </a:spcAft>
+            </a:pPr>
+            <a:r>
+              <a:rPr lang="en-US" altLang="en-US" sz="2000">
+                <a:latin typeface="Cambria" panose="02040503050406030204" pitchFamily="18" charset="0"/>
+                <a:ea typeface="Cambria" panose="02040503050406030204" pitchFamily="18" charset="0"/>
+              </a:rPr>
+              <a:t>𝐻0 : Products that are discounted sell the same quantities as full-price products.</a:t>
+            </a:r>
+          </a:p>
+          <a:p>
+            <a:pPr marL="0" lvl="0" indent="0" eaLnBrk="0" fontAlgn="base" hangingPunct="0">
+              <a:spcBef>
+                <a:spcPct val="0"/>
+              </a:spcBef>
+              <a:spcAft>
+                <a:spcPct val="0"/>
+              </a:spcAft>
+              <a:buNone/>
+            </a:pPr>
+            <a:endParaRPr lang="en-US" altLang="en-US" sz="2000">
+              <a:latin typeface="Arial" panose="020B0604020202020204" pitchFamily="34" charset="0"/>
+            </a:endParaRPr>
+          </a:p>
+          <a:p>
+            <a:endParaRPr lang="en-US" sz="2000"/>
           </a:p>
         </p:txBody>
       </p:sp>
     </p:spTree>
     <p:extLst>
       <p:ext uri="{BB962C8B-B14F-4D97-AF65-F5344CB8AC3E}">
-        <p14:creationId xmlns:p14="http://schemas.microsoft.com/office/powerpoint/2010/main" val="505448603"/>
+        <p14:creationId xmlns:p14="http://schemas.microsoft.com/office/powerpoint/2010/main" val="4133853988"/>
       </p:ext>
     </p:extLst>
   </p:cSld>
   <p:clrMapOvr>
-    <a:masterClrMapping/>
+    <a:overrideClrMapping bg1="dk1" tx1="lt1" bg2="dk2" tx2="lt2" accent1="accent1" accent2="accent2" accent3="accent3" accent4="accent4" accent5="accent5" accent6="accent6" hlink="hlink" folHlink="folHlink"/>
   </p:clrMapOvr>
 </p:sld>
 </file>
 
-<file path=ppt/slides/slide8.xml><?xml version="1.0" encoding="utf-8"?>
+<file path=ppt/slides/slide5.xml><?xml version="1.0" encoding="utf-8"?>
 <p:sld xmlns:a="http://schemas.openxmlformats.org/drawingml/2006/main" xmlns:r="http://schemas.openxmlformats.org/officeDocument/2006/relationships" xmlns:p="http://schemas.openxmlformats.org/presentationml/2006/main">
   <p:cSld>
+    <p:bg>
+      <p:bgPr>
+        <a:solidFill>
+          <a:schemeClr val="bg1">
+            <a:tint val="95000"/>
+            <a:satMod val="170000"/>
+          </a:schemeClr>
+        </a:solidFill>
+        <a:effectLst/>
+      </p:bgPr>
+    </p:bg>
     <p:spTree>
       <p:nvGrpSpPr>
         <p:cNvPr id="1" name=""/>
@@ -3996,10 +6211,230 @@
       </p:grpSpPr>
       <p:sp>
         <p:nvSpPr>
+          <p:cNvPr id="73" name="Freeform 21">
+            <a:extLst>
+              <a:ext uri="{FF2B5EF4-FFF2-40B4-BE49-F238E27FC236}">
+                <a16:creationId xmlns:a16="http://schemas.microsoft.com/office/drawing/2014/main" id="{FEB0B922-A6AE-4089-8B21-F3E1A77093DD}"/>
+              </a:ext>
+              <a:ext uri="{C183D7F6-B498-43B3-948B-1728B52AA6E4}">
+                <adec:decorative xmlns:adec="http://schemas.microsoft.com/office/drawing/2017/decorative" val="1"/>
+              </a:ext>
+            </a:extLst>
+          </p:cNvPr>
+          <p:cNvSpPr>
+            <a:spLocks noGrp="1" noRot="1" noChangeAspect="1" noMove="1" noResize="1" noEditPoints="1" noAdjustHandles="1" noChangeArrowheads="1" noChangeShapeType="1" noTextEdit="1"/>
+          </p:cNvSpPr>
+          <p:nvPr>
+            <p:extLst>
+              <p:ext uri="{386F3935-93C4-4BCD-93E2-E3B085C9AB24}">
+                <p16:designElem xmlns:p16="http://schemas.microsoft.com/office/powerpoint/2015/main" val="1"/>
+              </p:ext>
+            </p:extLst>
+          </p:nvPr>
+        </p:nvSpPr>
+        <p:spPr>
+          <a:xfrm>
+            <a:off x="0" y="0"/>
+            <a:ext cx="10237586" cy="6858000"/>
+          </a:xfrm>
+          <a:custGeom>
+            <a:avLst/>
+            <a:gdLst>
+              <a:gd name="connsiteX0" fmla="*/ 0 w 10237586"/>
+              <a:gd name="connsiteY0" fmla="*/ 0 h 6858000"/>
+              <a:gd name="connsiteX1" fmla="*/ 7061432 w 10237586"/>
+              <a:gd name="connsiteY1" fmla="*/ 0 h 6858000"/>
+              <a:gd name="connsiteX2" fmla="*/ 10237586 w 10237586"/>
+              <a:gd name="connsiteY2" fmla="*/ 6858000 h 6858000"/>
+              <a:gd name="connsiteX3" fmla="*/ 0 w 10237586"/>
+              <a:gd name="connsiteY3" fmla="*/ 6858000 h 6858000"/>
+            </a:gdLst>
+            <a:ahLst/>
+            <a:cxnLst>
+              <a:cxn ang="0">
+                <a:pos x="connsiteX0" y="connsiteY0"/>
+              </a:cxn>
+              <a:cxn ang="0">
+                <a:pos x="connsiteX1" y="connsiteY1"/>
+              </a:cxn>
+              <a:cxn ang="0">
+                <a:pos x="connsiteX2" y="connsiteY2"/>
+              </a:cxn>
+              <a:cxn ang="0">
+                <a:pos x="connsiteX3" y="connsiteY3"/>
+              </a:cxn>
+            </a:cxnLst>
+            <a:rect l="l" t="t" r="r" b="b"/>
+            <a:pathLst>
+              <a:path w="10237586" h="6858000">
+                <a:moveTo>
+                  <a:pt x="0" y="0"/>
+                </a:moveTo>
+                <a:lnTo>
+                  <a:pt x="7061432" y="0"/>
+                </a:lnTo>
+                <a:lnTo>
+                  <a:pt x="10237586" y="6858000"/>
+                </a:lnTo>
+                <a:lnTo>
+                  <a:pt x="0" y="6858000"/>
+                </a:lnTo>
+                <a:close/>
+              </a:path>
+            </a:pathLst>
+          </a:custGeom>
+          <a:solidFill>
+            <a:srgbClr val="000000">
+              <a:alpha val="43922"/>
+            </a:srgbClr>
+          </a:solidFill>
+          <a:ln>
+            <a:noFill/>
+          </a:ln>
+        </p:spPr>
+        <p:style>
+          <a:lnRef idx="2">
+            <a:schemeClr val="accent1">
+              <a:shade val="50000"/>
+            </a:schemeClr>
+          </a:lnRef>
+          <a:fillRef idx="1">
+            <a:schemeClr val="accent1"/>
+          </a:fillRef>
+          <a:effectRef idx="0">
+            <a:schemeClr val="accent1"/>
+          </a:effectRef>
+          <a:fontRef idx="minor">
+            <a:schemeClr val="lt1"/>
+          </a:fontRef>
+        </p:style>
+        <p:txBody>
+          <a:bodyPr wrap="square" rtlCol="0" anchor="ctr">
+            <a:noAutofit/>
+          </a:bodyPr>
+          <a:lstStyle/>
+          <a:p>
+            <a:pPr algn="ctr"/>
+            <a:endParaRPr lang="en-US"/>
+          </a:p>
+        </p:txBody>
+      </p:sp>
+      <p:sp>
+        <p:nvSpPr>
+          <p:cNvPr id="75" name="Freeform 20">
+            <a:extLst>
+              <a:ext uri="{FF2B5EF4-FFF2-40B4-BE49-F238E27FC236}">
+                <a16:creationId xmlns:a16="http://schemas.microsoft.com/office/drawing/2014/main" id="{C5EB7378-ADA3-4D6E-8E3A-09FAD1478FB4}"/>
+              </a:ext>
+              <a:ext uri="{C183D7F6-B498-43B3-948B-1728B52AA6E4}">
+                <adec:decorative xmlns:adec="http://schemas.microsoft.com/office/drawing/2017/decorative" val="1"/>
+              </a:ext>
+            </a:extLst>
+          </p:cNvPr>
+          <p:cNvSpPr>
+            <a:spLocks noGrp="1" noRot="1" noChangeAspect="1" noMove="1" noResize="1" noEditPoints="1" noAdjustHandles="1" noChangeArrowheads="1" noChangeShapeType="1" noTextEdit="1"/>
+          </p:cNvSpPr>
+          <p:nvPr>
+            <p:extLst>
+              <p:ext uri="{386F3935-93C4-4BCD-93E2-E3B085C9AB24}">
+                <p16:designElem xmlns:p16="http://schemas.microsoft.com/office/powerpoint/2015/main" val="1"/>
+              </p:ext>
+            </p:extLst>
+          </p:nvPr>
+        </p:nvSpPr>
+        <p:spPr>
+          <a:xfrm>
+            <a:off x="0" y="0"/>
+            <a:ext cx="9380336" cy="6858000"/>
+          </a:xfrm>
+          <a:custGeom>
+            <a:avLst/>
+            <a:gdLst>
+              <a:gd name="connsiteX0" fmla="*/ 0 w 9380336"/>
+              <a:gd name="connsiteY0" fmla="*/ 0 h 6858000"/>
+              <a:gd name="connsiteX1" fmla="*/ 6204182 w 9380336"/>
+              <a:gd name="connsiteY1" fmla="*/ 0 h 6858000"/>
+              <a:gd name="connsiteX2" fmla="*/ 9380336 w 9380336"/>
+              <a:gd name="connsiteY2" fmla="*/ 6858000 h 6858000"/>
+              <a:gd name="connsiteX3" fmla="*/ 0 w 9380336"/>
+              <a:gd name="connsiteY3" fmla="*/ 6858000 h 6858000"/>
+            </a:gdLst>
+            <a:ahLst/>
+            <a:cxnLst>
+              <a:cxn ang="0">
+                <a:pos x="connsiteX0" y="connsiteY0"/>
+              </a:cxn>
+              <a:cxn ang="0">
+                <a:pos x="connsiteX1" y="connsiteY1"/>
+              </a:cxn>
+              <a:cxn ang="0">
+                <a:pos x="connsiteX2" y="connsiteY2"/>
+              </a:cxn>
+              <a:cxn ang="0">
+                <a:pos x="connsiteX3" y="connsiteY3"/>
+              </a:cxn>
+            </a:cxnLst>
+            <a:rect l="l" t="t" r="r" b="b"/>
+            <a:pathLst>
+              <a:path w="9380336" h="6858000">
+                <a:moveTo>
+                  <a:pt x="0" y="0"/>
+                </a:moveTo>
+                <a:lnTo>
+                  <a:pt x="6204182" y="0"/>
+                </a:lnTo>
+                <a:lnTo>
+                  <a:pt x="9380336" y="6858000"/>
+                </a:lnTo>
+                <a:lnTo>
+                  <a:pt x="0" y="6858000"/>
+                </a:lnTo>
+                <a:close/>
+              </a:path>
+            </a:pathLst>
+          </a:custGeom>
+          <a:solidFill>
+            <a:srgbClr val="000000">
+              <a:alpha val="69804"/>
+            </a:srgbClr>
+          </a:solidFill>
+          <a:ln>
+            <a:noFill/>
+          </a:ln>
+        </p:spPr>
+        <p:style>
+          <a:lnRef idx="2">
+            <a:schemeClr val="accent1">
+              <a:shade val="50000"/>
+            </a:schemeClr>
+          </a:lnRef>
+          <a:fillRef idx="1">
+            <a:schemeClr val="accent1"/>
+          </a:fillRef>
+          <a:effectRef idx="0">
+            <a:schemeClr val="accent1"/>
+          </a:effectRef>
+          <a:fontRef idx="minor">
+            <a:schemeClr val="lt1"/>
+          </a:fontRef>
+        </p:style>
+        <p:txBody>
+          <a:bodyPr wrap="square" rtlCol="0" anchor="ctr">
+            <a:noAutofit/>
+          </a:bodyPr>
+          <a:lstStyle/>
+          <a:p>
+            <a:pPr algn="ctr"/>
+            <a:endParaRPr lang="en-US"/>
+          </a:p>
+        </p:txBody>
+      </p:sp>
+      <p:sp>
+        <p:nvSpPr>
           <p:cNvPr id="2" name="Title 1">
             <a:extLst>
               <a:ext uri="{FF2B5EF4-FFF2-40B4-BE49-F238E27FC236}">
-                <a16:creationId xmlns:a16="http://schemas.microsoft.com/office/drawing/2014/main" id="{044F4004-42C0-4D34-848A-911F52A5D71E}"/>
+                <a16:creationId xmlns:a16="http://schemas.microsoft.com/office/drawing/2014/main" id="{E2EB0E41-2C91-4054-B4B1-6D2C9322EC1D}"/>
               </a:ext>
             </a:extLst>
           </p:cNvPr>
@@ -4010,24 +6445,41 @@
             <p:ph type="title"/>
           </p:nvPr>
         </p:nvSpPr>
-        <p:spPr/>
-        <p:txBody>
-          <a:bodyPr/>
-          <a:lstStyle/>
-          <a:p>
-            <a:r>
-              <a:rPr lang="en-US" dirty="0"/>
-              <a:t>Hypothesis 4</a:t>
-            </a:r>
-          </a:p>
-        </p:txBody>
-      </p:sp>
-      <p:sp>
-        <p:nvSpPr>
-          <p:cNvPr id="3" name="Content Placeholder 2">
-            <a:extLst>
-              <a:ext uri="{FF2B5EF4-FFF2-40B4-BE49-F238E27FC236}">
-                <a16:creationId xmlns:a16="http://schemas.microsoft.com/office/drawing/2014/main" id="{8081E251-D729-486D-866F-6F6A49CD876D}"/>
+        <p:spPr>
+          <a:xfrm>
+            <a:off x="7951808" y="365125"/>
+            <a:ext cx="3401992" cy="1325563"/>
+          </a:xfrm>
+          <a:prstGeom prst="ellipse">
+            <a:avLst/>
+          </a:prstGeom>
+        </p:spPr>
+        <p:txBody>
+          <a:bodyPr vert="horz" lIns="91440" tIns="45720" rIns="91440" bIns="45720" rtlCol="0">
+            <a:normAutofit/>
+          </a:bodyPr>
+          <a:lstStyle/>
+          <a:p>
+            <a:r>
+              <a:rPr lang="en-US" kern="1200" dirty="0">
+                <a:solidFill>
+                  <a:srgbClr val="FFFFFF"/>
+                </a:solidFill>
+                <a:latin typeface="+mj-lt"/>
+                <a:ea typeface="+mj-ea"/>
+                <a:cs typeface="+mj-cs"/>
+              </a:rPr>
+              <a:t>Results: </a:t>
+            </a:r>
+          </a:p>
+        </p:txBody>
+      </p:sp>
+      <p:sp>
+        <p:nvSpPr>
+          <p:cNvPr id="70" name="Content Placeholder 69">
+            <a:extLst>
+              <a:ext uri="{FF2B5EF4-FFF2-40B4-BE49-F238E27FC236}">
+                <a16:creationId xmlns:a16="http://schemas.microsoft.com/office/drawing/2014/main" id="{F7B4DEC6-EA68-4676-AFBF-8BDA9A3EB2AD}"/>
               </a:ext>
             </a:extLst>
           </p:cNvPr>
@@ -4038,24 +6490,1564 @@
             <p:ph idx="1"/>
           </p:nvPr>
         </p:nvSpPr>
-        <p:spPr/>
-        <p:txBody>
-          <a:bodyPr/>
-          <a:lstStyle/>
-          <a:p>
-            <a:endParaRPr lang="en-US"/>
-          </a:p>
-        </p:txBody>
-      </p:sp>
+        <p:spPr>
+          <a:xfrm>
+            <a:off x="7315201" y="1690689"/>
+            <a:ext cx="4734046" cy="4486274"/>
+          </a:xfrm>
+        </p:spPr>
+        <p:txBody>
+          <a:bodyPr>
+            <a:normAutofit/>
+          </a:bodyPr>
+          <a:lstStyle/>
+          <a:p>
+            <a:endParaRPr lang="en-US" sz="2000" dirty="0">
+              <a:solidFill>
+                <a:srgbClr val="FFFFFF"/>
+              </a:solidFill>
+            </a:endParaRPr>
+          </a:p>
+        </p:txBody>
+      </p:sp>
+      <p:pic>
+        <p:nvPicPr>
+          <p:cNvPr id="68" name="Content Placeholder 27">
+            <a:extLst>
+              <a:ext uri="{FF2B5EF4-FFF2-40B4-BE49-F238E27FC236}">
+                <a16:creationId xmlns:a16="http://schemas.microsoft.com/office/drawing/2014/main" id="{3E6B12B4-EFDD-4378-9D24-B67BC73E8287}"/>
+              </a:ext>
+            </a:extLst>
+          </p:cNvPr>
+          <p:cNvPicPr>
+            <a:picLocks noChangeAspect="1"/>
+          </p:cNvPicPr>
+          <p:nvPr/>
+        </p:nvPicPr>
+        <p:blipFill rotWithShape="1">
+          <a:blip r:embed="rId2">
+            <a:extLst>
+              <a:ext uri="{BEBA8EAE-BF5A-486C-A8C5-ECC9F3942E4B}">
+                <a14:imgProps xmlns:a14="http://schemas.microsoft.com/office/drawing/2010/main">
+                  <a14:imgLayer r:embed="rId3">
+                    <a14:imgEffect>
+                      <a14:saturation sat="66000"/>
+                    </a14:imgEffect>
+                  </a14:imgLayer>
+                </a14:imgProps>
+              </a:ext>
+              <a:ext uri="{28A0092B-C50C-407E-A947-70E740481C1C}">
+                <a14:useLocalDpi xmlns:a14="http://schemas.microsoft.com/office/drawing/2010/main" val="0"/>
+              </a:ext>
+            </a:extLst>
+          </a:blip>
+          <a:srcRect t="4276"/>
+          <a:stretch/>
+        </p:blipFill>
+        <p:spPr>
+          <a:xfrm>
+            <a:off x="23919" y="3610510"/>
+            <a:ext cx="6785081" cy="3247490"/>
+          </a:xfrm>
+          <a:prstGeom prst="rect">
+            <a:avLst/>
+          </a:prstGeom>
+        </p:spPr>
+      </p:pic>
+      <p:pic>
+        <p:nvPicPr>
+          <p:cNvPr id="65" name="Content Placeholder 4">
+            <a:extLst>
+              <a:ext uri="{FF2B5EF4-FFF2-40B4-BE49-F238E27FC236}">
+                <a16:creationId xmlns:a16="http://schemas.microsoft.com/office/drawing/2014/main" id="{61AED9AC-77B8-4E8B-AD11-C76003B5313B}"/>
+              </a:ext>
+            </a:extLst>
+          </p:cNvPr>
+          <p:cNvPicPr>
+            <a:picLocks noChangeAspect="1"/>
+          </p:cNvPicPr>
+          <p:nvPr/>
+        </p:nvPicPr>
+        <p:blipFill>
+          <a:blip r:embed="rId4">
+            <a:extLst>
+              <a:ext uri="{28A0092B-C50C-407E-A947-70E740481C1C}">
+                <a14:useLocalDpi xmlns:a14="http://schemas.microsoft.com/office/drawing/2010/main" val="0"/>
+              </a:ext>
+            </a:extLst>
+          </a:blip>
+          <a:stretch>
+            <a:fillRect/>
+          </a:stretch>
+        </p:blipFill>
+        <p:spPr>
+          <a:xfrm>
+            <a:off x="23919" y="27169"/>
+            <a:ext cx="6803661" cy="3401831"/>
+          </a:xfrm>
+          <a:prstGeom prst="rect">
+            <a:avLst/>
+          </a:prstGeom>
+        </p:spPr>
+      </p:pic>
     </p:spTree>
     <p:extLst>
       <p:ext uri="{BB962C8B-B14F-4D97-AF65-F5344CB8AC3E}">
-        <p14:creationId xmlns:p14="http://schemas.microsoft.com/office/powerpoint/2010/main" val="3546957833"/>
+        <p14:creationId xmlns:p14="http://schemas.microsoft.com/office/powerpoint/2010/main" val="1171265396"/>
       </p:ext>
     </p:extLst>
   </p:cSld>
   <p:clrMapOvr>
-    <a:masterClrMapping/>
+    <a:overrideClrMapping bg1="dk1" tx1="lt1" bg2="dk2" tx2="lt2" accent1="accent1" accent2="accent2" accent3="accent3" accent4="accent4" accent5="accent5" accent6="accent6" hlink="hlink" folHlink="folHlink"/>
+  </p:clrMapOvr>
+</p:sld>
+</file>
+
+<file path=ppt/slides/slide6.xml><?xml version="1.0" encoding="utf-8"?>
+<p:sld xmlns:a="http://schemas.openxmlformats.org/drawingml/2006/main" xmlns:r="http://schemas.openxmlformats.org/officeDocument/2006/relationships" xmlns:p="http://schemas.openxmlformats.org/presentationml/2006/main">
+  <p:cSld>
+    <p:bg>
+      <p:bgPr>
+        <a:solidFill>
+          <a:schemeClr val="bg1">
+            <a:tint val="95000"/>
+            <a:satMod val="170000"/>
+          </a:schemeClr>
+        </a:solidFill>
+        <a:effectLst/>
+      </p:bgPr>
+    </p:bg>
+    <p:spTree>
+      <p:nvGrpSpPr>
+        <p:cNvPr id="1" name=""/>
+        <p:cNvGrpSpPr/>
+        <p:nvPr/>
+      </p:nvGrpSpPr>
+      <p:grpSpPr>
+        <a:xfrm>
+          <a:off x="0" y="0"/>
+          <a:ext cx="0" cy="0"/>
+          <a:chOff x="0" y="0"/>
+          <a:chExt cx="0" cy="0"/>
+        </a:xfrm>
+      </p:grpSpPr>
+      <p:sp>
+        <p:nvSpPr>
+          <p:cNvPr id="8" name="Freeform: Shape 7">
+            <a:extLst>
+              <a:ext uri="{FF2B5EF4-FFF2-40B4-BE49-F238E27FC236}">
+                <a16:creationId xmlns:a16="http://schemas.microsoft.com/office/drawing/2014/main" id="{48A740BC-A0AA-45E0-B899-2AE9C6FE11CA}"/>
+              </a:ext>
+              <a:ext uri="{C183D7F6-B498-43B3-948B-1728B52AA6E4}">
+                <adec:decorative xmlns:adec="http://schemas.microsoft.com/office/drawing/2017/decorative" val="1"/>
+              </a:ext>
+            </a:extLst>
+          </p:cNvPr>
+          <p:cNvSpPr>
+            <a:spLocks noGrp="1" noRot="1" noChangeAspect="1" noMove="1" noResize="1" noEditPoints="1" noAdjustHandles="1" noChangeArrowheads="1" noChangeShapeType="1" noTextEdit="1"/>
+          </p:cNvSpPr>
+          <p:nvPr>
+            <p:extLst>
+              <p:ext uri="{386F3935-93C4-4BCD-93E2-E3B085C9AB24}">
+                <p16:designElem xmlns:p16="http://schemas.microsoft.com/office/powerpoint/2015/main" val="1"/>
+              </p:ext>
+            </p:extLst>
+          </p:nvPr>
+        </p:nvSpPr>
+        <p:spPr>
+          <a:xfrm>
+            <a:off x="5913121" y="-2"/>
+            <a:ext cx="6278879" cy="6858002"/>
+          </a:xfrm>
+          <a:custGeom>
+            <a:avLst/>
+            <a:gdLst>
+              <a:gd name="connsiteX0" fmla="*/ 45572 w 6278879"/>
+              <a:gd name="connsiteY0" fmla="*/ 0 h 6858002"/>
+              <a:gd name="connsiteX1" fmla="*/ 6278879 w 6278879"/>
+              <a:gd name="connsiteY1" fmla="*/ 0 h 6858002"/>
+              <a:gd name="connsiteX2" fmla="*/ 6278879 w 6278879"/>
+              <a:gd name="connsiteY2" fmla="*/ 6858002 h 6858002"/>
+              <a:gd name="connsiteX3" fmla="*/ 3292308 w 6278879"/>
+              <a:gd name="connsiteY3" fmla="*/ 6858002 h 6858002"/>
+              <a:gd name="connsiteX4" fmla="*/ 3181526 w 6278879"/>
+              <a:gd name="connsiteY4" fmla="*/ 6786982 h 6858002"/>
+              <a:gd name="connsiteX5" fmla="*/ 0 w 6278879"/>
+              <a:gd name="connsiteY5" fmla="*/ 803254 h 6858002"/>
+              <a:gd name="connsiteX6" fmla="*/ 37255 w 6278879"/>
+              <a:gd name="connsiteY6" fmla="*/ 65447 h 6858002"/>
+            </a:gdLst>
+            <a:ahLst/>
+            <a:cxnLst>
+              <a:cxn ang="0">
+                <a:pos x="connsiteX0" y="connsiteY0"/>
+              </a:cxn>
+              <a:cxn ang="0">
+                <a:pos x="connsiteX1" y="connsiteY1"/>
+              </a:cxn>
+              <a:cxn ang="0">
+                <a:pos x="connsiteX2" y="connsiteY2"/>
+              </a:cxn>
+              <a:cxn ang="0">
+                <a:pos x="connsiteX3" y="connsiteY3"/>
+              </a:cxn>
+              <a:cxn ang="0">
+                <a:pos x="connsiteX4" y="connsiteY4"/>
+              </a:cxn>
+              <a:cxn ang="0">
+                <a:pos x="connsiteX5" y="connsiteY5"/>
+              </a:cxn>
+              <a:cxn ang="0">
+                <a:pos x="connsiteX6" y="connsiteY6"/>
+              </a:cxn>
+            </a:cxnLst>
+            <a:rect l="l" t="t" r="r" b="b"/>
+            <a:pathLst>
+              <a:path w="6278879" h="6858002">
+                <a:moveTo>
+                  <a:pt x="45572" y="0"/>
+                </a:moveTo>
+                <a:lnTo>
+                  <a:pt x="6278879" y="0"/>
+                </a:lnTo>
+                <a:lnTo>
+                  <a:pt x="6278879" y="6858002"/>
+                </a:lnTo>
+                <a:lnTo>
+                  <a:pt x="3292308" y="6858002"/>
+                </a:lnTo>
+                <a:lnTo>
+                  <a:pt x="3181526" y="6786982"/>
+                </a:lnTo>
+                <a:cubicBezTo>
+                  <a:pt x="1262021" y="5490191"/>
+                  <a:pt x="0" y="3294103"/>
+                  <a:pt x="0" y="803254"/>
+                </a:cubicBezTo>
+                <a:cubicBezTo>
+                  <a:pt x="0" y="554169"/>
+                  <a:pt x="12620" y="308032"/>
+                  <a:pt x="37255" y="65447"/>
+                </a:cubicBezTo>
+                <a:close/>
+              </a:path>
+            </a:pathLst>
+          </a:custGeom>
+          <a:solidFill>
+            <a:schemeClr val="bg1">
+              <a:lumMod val="85000"/>
+              <a:lumOff val="15000"/>
+              <a:alpha val="70000"/>
+            </a:schemeClr>
+          </a:solidFill>
+          <a:ln>
+            <a:noFill/>
+          </a:ln>
+        </p:spPr>
+        <p:style>
+          <a:lnRef idx="2">
+            <a:schemeClr val="accent1">
+              <a:shade val="50000"/>
+            </a:schemeClr>
+          </a:lnRef>
+          <a:fillRef idx="1">
+            <a:schemeClr val="accent1"/>
+          </a:fillRef>
+          <a:effectRef idx="0">
+            <a:schemeClr val="accent1"/>
+          </a:effectRef>
+          <a:fontRef idx="minor">
+            <a:schemeClr val="lt1"/>
+          </a:fontRef>
+        </p:style>
+        <p:txBody>
+          <a:bodyPr rtlCol="0" anchor="ctr"/>
+          <a:lstStyle/>
+          <a:p>
+            <a:pPr marL="0" marR="0" lvl="0" indent="0" algn="ctr" defTabSz="914400" rtl="0" eaLnBrk="1" fontAlgn="auto" latinLnBrk="0" hangingPunct="1">
+              <a:lnSpc>
+                <a:spcPct val="100000"/>
+              </a:lnSpc>
+              <a:spcBef>
+                <a:spcPts val="0"/>
+              </a:spcBef>
+              <a:spcAft>
+                <a:spcPts val="0"/>
+              </a:spcAft>
+              <a:buClrTx/>
+              <a:buSzTx/>
+              <a:buFontTx/>
+              <a:buNone/>
+              <a:tabLst/>
+              <a:defRPr/>
+            </a:pPr>
+            <a:endParaRPr kumimoji="0" lang="en-US" sz="1800" b="0" i="0" u="none" strike="noStrike" kern="1200" cap="none" spc="0" normalizeH="0" baseline="0" noProof="0">
+              <a:ln>
+                <a:noFill/>
+              </a:ln>
+              <a:solidFill>
+                <a:prstClr val="white"/>
+              </a:solidFill>
+              <a:effectLst/>
+              <a:uLnTx/>
+              <a:uFillTx/>
+              <a:latin typeface="Calibri" panose="020F0502020204030204"/>
+              <a:ea typeface="+mn-ea"/>
+              <a:cs typeface="+mn-cs"/>
+            </a:endParaRPr>
+          </a:p>
+        </p:txBody>
+      </p:sp>
+      <p:sp>
+        <p:nvSpPr>
+          <p:cNvPr id="2" name="Title 1">
+            <a:extLst>
+              <a:ext uri="{FF2B5EF4-FFF2-40B4-BE49-F238E27FC236}">
+                <a16:creationId xmlns:a16="http://schemas.microsoft.com/office/drawing/2014/main" id="{BEF11D11-790A-4119-94A0-EE1DD0ADC334}"/>
+              </a:ext>
+            </a:extLst>
+          </p:cNvPr>
+          <p:cNvSpPr>
+            <a:spLocks noGrp="1"/>
+          </p:cNvSpPr>
+          <p:nvPr>
+            <p:ph type="title"/>
+          </p:nvPr>
+        </p:nvSpPr>
+        <p:spPr>
+          <a:xfrm>
+            <a:off x="655320" y="365125"/>
+            <a:ext cx="9013052" cy="1623312"/>
+          </a:xfrm>
+        </p:spPr>
+        <p:txBody>
+          <a:bodyPr anchor="b">
+            <a:noAutofit/>
+          </a:bodyPr>
+          <a:lstStyle/>
+          <a:p>
+            <a:r>
+              <a:rPr lang="en-US" sz="2800" dirty="0"/>
+              <a:t>Hypothesis 2:</a:t>
+            </a:r>
+            <a:br>
+              <a:rPr lang="en-US" sz="2800" dirty="0"/>
+            </a:br>
+            <a:r>
+              <a:rPr lang="en-US" sz="2800" dirty="0"/>
+              <a:t>Do discounts have a statistically significant effect on the number of products customers order? If so, at what level(s) of discount?</a:t>
+            </a:r>
+          </a:p>
+        </p:txBody>
+      </p:sp>
+      <p:cxnSp>
+        <p:nvCxnSpPr>
+          <p:cNvPr id="10" name="Straight Arrow Connector 9">
+            <a:extLst>
+              <a:ext uri="{FF2B5EF4-FFF2-40B4-BE49-F238E27FC236}">
+                <a16:creationId xmlns:a16="http://schemas.microsoft.com/office/drawing/2014/main" id="{B874EF51-C858-4BB9-97C3-D17755787127}"/>
+              </a:ext>
+              <a:ext uri="{C183D7F6-B498-43B3-948B-1728B52AA6E4}">
+                <adec:decorative xmlns:adec="http://schemas.microsoft.com/office/drawing/2017/decorative" val="1"/>
+              </a:ext>
+            </a:extLst>
+          </p:cNvPr>
+          <p:cNvCxnSpPr>
+            <a:cxnSpLocks noGrp="1" noRot="1" noChangeAspect="1" noMove="1" noResize="1" noEditPoints="1" noAdjustHandles="1" noChangeArrowheads="1" noChangeShapeType="1"/>
+          </p:cNvCxnSpPr>
+          <p:nvPr>
+            <p:extLst>
+              <p:ext uri="{386F3935-93C4-4BCD-93E2-E3B085C9AB24}">
+                <p16:designElem xmlns:p16="http://schemas.microsoft.com/office/powerpoint/2015/main" val="1"/>
+              </p:ext>
+            </p:extLst>
+          </p:nvPr>
+        </p:nvCxnSpPr>
+        <p:spPr>
+          <a:xfrm>
+            <a:off x="763661" y="2316480"/>
+            <a:ext cx="8229600" cy="0"/>
+          </a:xfrm>
+          <a:prstGeom prst="straightConnector1">
+            <a:avLst/>
+          </a:prstGeom>
+          <a:ln w="19050" cap="sq">
+            <a:solidFill>
+              <a:schemeClr val="tx1"/>
+            </a:solidFill>
+            <a:tailEnd type="none"/>
+          </a:ln>
+        </p:spPr>
+        <p:style>
+          <a:lnRef idx="1">
+            <a:schemeClr val="accent1"/>
+          </a:lnRef>
+          <a:fillRef idx="0">
+            <a:schemeClr val="accent1"/>
+          </a:fillRef>
+          <a:effectRef idx="0">
+            <a:schemeClr val="accent1"/>
+          </a:effectRef>
+          <a:fontRef idx="minor">
+            <a:schemeClr val="tx1"/>
+          </a:fontRef>
+        </p:style>
+      </p:cxnSp>
+      <p:sp>
+        <p:nvSpPr>
+          <p:cNvPr id="3" name="Content Placeholder 2">
+            <a:extLst>
+              <a:ext uri="{FF2B5EF4-FFF2-40B4-BE49-F238E27FC236}">
+                <a16:creationId xmlns:a16="http://schemas.microsoft.com/office/drawing/2014/main" id="{025697DC-9C6B-41C0-BDB7-6A9D45E19456}"/>
+              </a:ext>
+            </a:extLst>
+          </p:cNvPr>
+          <p:cNvSpPr>
+            <a:spLocks noGrp="1"/>
+          </p:cNvSpPr>
+          <p:nvPr>
+            <p:ph idx="1"/>
+          </p:nvPr>
+        </p:nvSpPr>
+        <p:spPr>
+          <a:xfrm>
+            <a:off x="655320" y="2644518"/>
+            <a:ext cx="10398760" cy="3327251"/>
+          </a:xfrm>
+        </p:spPr>
+        <p:txBody>
+          <a:bodyPr>
+            <a:normAutofit/>
+          </a:bodyPr>
+          <a:lstStyle/>
+          <a:p>
+            <a:r>
+              <a:rPr lang="en-US" sz="2000" dirty="0"/>
+              <a:t>𝐻1 : Customers spend more money overall when their order includes discounted items.</a:t>
+            </a:r>
+          </a:p>
+          <a:p>
+            <a:r>
+              <a:rPr lang="en-US" sz="2000" dirty="0"/>
+              <a:t>𝐻0 : Customers spend the same amount regardless of discounted items.</a:t>
+            </a:r>
+          </a:p>
+        </p:txBody>
+      </p:sp>
+    </p:spTree>
+    <p:extLst>
+      <p:ext uri="{BB962C8B-B14F-4D97-AF65-F5344CB8AC3E}">
+        <p14:creationId xmlns:p14="http://schemas.microsoft.com/office/powerpoint/2010/main" val="3732183544"/>
+      </p:ext>
+    </p:extLst>
+  </p:cSld>
+  <p:clrMapOvr>
+    <a:overrideClrMapping bg1="dk1" tx1="lt1" bg2="dk2" tx2="lt2" accent1="accent1" accent2="accent2" accent3="accent3" accent4="accent4" accent5="accent5" accent6="accent6" hlink="hlink" folHlink="folHlink"/>
+  </p:clrMapOvr>
+</p:sld>
+</file>
+
+<file path=ppt/slides/slide7.xml><?xml version="1.0" encoding="utf-8"?>
+<p:sld xmlns:a="http://schemas.openxmlformats.org/drawingml/2006/main" xmlns:r="http://schemas.openxmlformats.org/officeDocument/2006/relationships" xmlns:p="http://schemas.openxmlformats.org/presentationml/2006/main">
+  <p:cSld>
+    <p:bg>
+      <p:bgPr>
+        <a:solidFill>
+          <a:schemeClr val="bg1">
+            <a:tint val="95000"/>
+            <a:satMod val="170000"/>
+          </a:schemeClr>
+        </a:solidFill>
+        <a:effectLst/>
+      </p:bgPr>
+    </p:bg>
+    <p:spTree>
+      <p:nvGrpSpPr>
+        <p:cNvPr id="1" name=""/>
+        <p:cNvGrpSpPr/>
+        <p:nvPr/>
+      </p:nvGrpSpPr>
+      <p:grpSpPr>
+        <a:xfrm>
+          <a:off x="0" y="0"/>
+          <a:ext cx="0" cy="0"/>
+          <a:chOff x="0" y="0"/>
+          <a:chExt cx="0" cy="0"/>
+        </a:xfrm>
+      </p:grpSpPr>
+      <p:sp>
+        <p:nvSpPr>
+          <p:cNvPr id="73" name="Freeform 21">
+            <a:extLst>
+              <a:ext uri="{FF2B5EF4-FFF2-40B4-BE49-F238E27FC236}">
+                <a16:creationId xmlns:a16="http://schemas.microsoft.com/office/drawing/2014/main" id="{FEB0B922-A6AE-4089-8B21-F3E1A77093DD}"/>
+              </a:ext>
+              <a:ext uri="{C183D7F6-B498-43B3-948B-1728B52AA6E4}">
+                <adec:decorative xmlns:adec="http://schemas.microsoft.com/office/drawing/2017/decorative" val="1"/>
+              </a:ext>
+            </a:extLst>
+          </p:cNvPr>
+          <p:cNvSpPr>
+            <a:spLocks noGrp="1" noRot="1" noChangeAspect="1" noMove="1" noResize="1" noEditPoints="1" noAdjustHandles="1" noChangeArrowheads="1" noChangeShapeType="1" noTextEdit="1"/>
+          </p:cNvSpPr>
+          <p:nvPr>
+            <p:extLst>
+              <p:ext uri="{386F3935-93C4-4BCD-93E2-E3B085C9AB24}">
+                <p16:designElem xmlns:p16="http://schemas.microsoft.com/office/powerpoint/2015/main" val="1"/>
+              </p:ext>
+            </p:extLst>
+          </p:nvPr>
+        </p:nvSpPr>
+        <p:spPr>
+          <a:xfrm>
+            <a:off x="0" y="0"/>
+            <a:ext cx="10237586" cy="6858000"/>
+          </a:xfrm>
+          <a:custGeom>
+            <a:avLst/>
+            <a:gdLst>
+              <a:gd name="connsiteX0" fmla="*/ 0 w 10237586"/>
+              <a:gd name="connsiteY0" fmla="*/ 0 h 6858000"/>
+              <a:gd name="connsiteX1" fmla="*/ 7061432 w 10237586"/>
+              <a:gd name="connsiteY1" fmla="*/ 0 h 6858000"/>
+              <a:gd name="connsiteX2" fmla="*/ 10237586 w 10237586"/>
+              <a:gd name="connsiteY2" fmla="*/ 6858000 h 6858000"/>
+              <a:gd name="connsiteX3" fmla="*/ 0 w 10237586"/>
+              <a:gd name="connsiteY3" fmla="*/ 6858000 h 6858000"/>
+            </a:gdLst>
+            <a:ahLst/>
+            <a:cxnLst>
+              <a:cxn ang="0">
+                <a:pos x="connsiteX0" y="connsiteY0"/>
+              </a:cxn>
+              <a:cxn ang="0">
+                <a:pos x="connsiteX1" y="connsiteY1"/>
+              </a:cxn>
+              <a:cxn ang="0">
+                <a:pos x="connsiteX2" y="connsiteY2"/>
+              </a:cxn>
+              <a:cxn ang="0">
+                <a:pos x="connsiteX3" y="connsiteY3"/>
+              </a:cxn>
+            </a:cxnLst>
+            <a:rect l="l" t="t" r="r" b="b"/>
+            <a:pathLst>
+              <a:path w="10237586" h="6858000">
+                <a:moveTo>
+                  <a:pt x="0" y="0"/>
+                </a:moveTo>
+                <a:lnTo>
+                  <a:pt x="7061432" y="0"/>
+                </a:lnTo>
+                <a:lnTo>
+                  <a:pt x="10237586" y="6858000"/>
+                </a:lnTo>
+                <a:lnTo>
+                  <a:pt x="0" y="6858000"/>
+                </a:lnTo>
+                <a:close/>
+              </a:path>
+            </a:pathLst>
+          </a:custGeom>
+          <a:solidFill>
+            <a:srgbClr val="000000">
+              <a:alpha val="43922"/>
+            </a:srgbClr>
+          </a:solidFill>
+          <a:ln>
+            <a:noFill/>
+          </a:ln>
+        </p:spPr>
+        <p:style>
+          <a:lnRef idx="2">
+            <a:schemeClr val="accent1">
+              <a:shade val="50000"/>
+            </a:schemeClr>
+          </a:lnRef>
+          <a:fillRef idx="1">
+            <a:schemeClr val="accent1"/>
+          </a:fillRef>
+          <a:effectRef idx="0">
+            <a:schemeClr val="accent1"/>
+          </a:effectRef>
+          <a:fontRef idx="minor">
+            <a:schemeClr val="lt1"/>
+          </a:fontRef>
+        </p:style>
+        <p:txBody>
+          <a:bodyPr wrap="square" rtlCol="0" anchor="ctr">
+            <a:noAutofit/>
+          </a:bodyPr>
+          <a:lstStyle/>
+          <a:p>
+            <a:pPr algn="ctr"/>
+            <a:endParaRPr lang="en-US"/>
+          </a:p>
+        </p:txBody>
+      </p:sp>
+      <p:sp>
+        <p:nvSpPr>
+          <p:cNvPr id="75" name="Freeform 20">
+            <a:extLst>
+              <a:ext uri="{FF2B5EF4-FFF2-40B4-BE49-F238E27FC236}">
+                <a16:creationId xmlns:a16="http://schemas.microsoft.com/office/drawing/2014/main" id="{C5EB7378-ADA3-4D6E-8E3A-09FAD1478FB4}"/>
+              </a:ext>
+              <a:ext uri="{C183D7F6-B498-43B3-948B-1728B52AA6E4}">
+                <adec:decorative xmlns:adec="http://schemas.microsoft.com/office/drawing/2017/decorative" val="1"/>
+              </a:ext>
+            </a:extLst>
+          </p:cNvPr>
+          <p:cNvSpPr>
+            <a:spLocks noGrp="1" noRot="1" noChangeAspect="1" noMove="1" noResize="1" noEditPoints="1" noAdjustHandles="1" noChangeArrowheads="1" noChangeShapeType="1" noTextEdit="1"/>
+          </p:cNvSpPr>
+          <p:nvPr>
+            <p:extLst>
+              <p:ext uri="{386F3935-93C4-4BCD-93E2-E3B085C9AB24}">
+                <p16:designElem xmlns:p16="http://schemas.microsoft.com/office/powerpoint/2015/main" val="1"/>
+              </p:ext>
+            </p:extLst>
+          </p:nvPr>
+        </p:nvSpPr>
+        <p:spPr>
+          <a:xfrm>
+            <a:off x="0" y="0"/>
+            <a:ext cx="9380336" cy="6858000"/>
+          </a:xfrm>
+          <a:custGeom>
+            <a:avLst/>
+            <a:gdLst>
+              <a:gd name="connsiteX0" fmla="*/ 0 w 9380336"/>
+              <a:gd name="connsiteY0" fmla="*/ 0 h 6858000"/>
+              <a:gd name="connsiteX1" fmla="*/ 6204182 w 9380336"/>
+              <a:gd name="connsiteY1" fmla="*/ 0 h 6858000"/>
+              <a:gd name="connsiteX2" fmla="*/ 9380336 w 9380336"/>
+              <a:gd name="connsiteY2" fmla="*/ 6858000 h 6858000"/>
+              <a:gd name="connsiteX3" fmla="*/ 0 w 9380336"/>
+              <a:gd name="connsiteY3" fmla="*/ 6858000 h 6858000"/>
+            </a:gdLst>
+            <a:ahLst/>
+            <a:cxnLst>
+              <a:cxn ang="0">
+                <a:pos x="connsiteX0" y="connsiteY0"/>
+              </a:cxn>
+              <a:cxn ang="0">
+                <a:pos x="connsiteX1" y="connsiteY1"/>
+              </a:cxn>
+              <a:cxn ang="0">
+                <a:pos x="connsiteX2" y="connsiteY2"/>
+              </a:cxn>
+              <a:cxn ang="0">
+                <a:pos x="connsiteX3" y="connsiteY3"/>
+              </a:cxn>
+            </a:cxnLst>
+            <a:rect l="l" t="t" r="r" b="b"/>
+            <a:pathLst>
+              <a:path w="9380336" h="6858000">
+                <a:moveTo>
+                  <a:pt x="0" y="0"/>
+                </a:moveTo>
+                <a:lnTo>
+                  <a:pt x="6204182" y="0"/>
+                </a:lnTo>
+                <a:lnTo>
+                  <a:pt x="9380336" y="6858000"/>
+                </a:lnTo>
+                <a:lnTo>
+                  <a:pt x="0" y="6858000"/>
+                </a:lnTo>
+                <a:close/>
+              </a:path>
+            </a:pathLst>
+          </a:custGeom>
+          <a:solidFill>
+            <a:srgbClr val="000000">
+              <a:alpha val="69804"/>
+            </a:srgbClr>
+          </a:solidFill>
+          <a:ln>
+            <a:noFill/>
+          </a:ln>
+        </p:spPr>
+        <p:style>
+          <a:lnRef idx="2">
+            <a:schemeClr val="accent1">
+              <a:shade val="50000"/>
+            </a:schemeClr>
+          </a:lnRef>
+          <a:fillRef idx="1">
+            <a:schemeClr val="accent1"/>
+          </a:fillRef>
+          <a:effectRef idx="0">
+            <a:schemeClr val="accent1"/>
+          </a:effectRef>
+          <a:fontRef idx="minor">
+            <a:schemeClr val="lt1"/>
+          </a:fontRef>
+        </p:style>
+        <p:txBody>
+          <a:bodyPr wrap="square" rtlCol="0" anchor="ctr">
+            <a:noAutofit/>
+          </a:bodyPr>
+          <a:lstStyle/>
+          <a:p>
+            <a:pPr algn="ctr"/>
+            <a:endParaRPr lang="en-US"/>
+          </a:p>
+        </p:txBody>
+      </p:sp>
+      <p:sp>
+        <p:nvSpPr>
+          <p:cNvPr id="2" name="Title 1">
+            <a:extLst>
+              <a:ext uri="{FF2B5EF4-FFF2-40B4-BE49-F238E27FC236}">
+                <a16:creationId xmlns:a16="http://schemas.microsoft.com/office/drawing/2014/main" id="{E2EB0E41-2C91-4054-B4B1-6D2C9322EC1D}"/>
+              </a:ext>
+            </a:extLst>
+          </p:cNvPr>
+          <p:cNvSpPr>
+            <a:spLocks noGrp="1"/>
+          </p:cNvSpPr>
+          <p:nvPr>
+            <p:ph type="title"/>
+          </p:nvPr>
+        </p:nvSpPr>
+        <p:spPr>
+          <a:xfrm>
+            <a:off x="7951808" y="365125"/>
+            <a:ext cx="3401992" cy="1325563"/>
+          </a:xfrm>
+          <a:prstGeom prst="ellipse">
+            <a:avLst/>
+          </a:prstGeom>
+        </p:spPr>
+        <p:txBody>
+          <a:bodyPr vert="horz" lIns="91440" tIns="45720" rIns="91440" bIns="45720" rtlCol="0">
+            <a:normAutofit/>
+          </a:bodyPr>
+          <a:lstStyle/>
+          <a:p>
+            <a:r>
+              <a:rPr lang="en-US" kern="1200" dirty="0">
+                <a:solidFill>
+                  <a:srgbClr val="FFFFFF"/>
+                </a:solidFill>
+                <a:latin typeface="+mj-lt"/>
+                <a:ea typeface="+mj-ea"/>
+                <a:cs typeface="+mj-cs"/>
+              </a:rPr>
+              <a:t>Results: </a:t>
+            </a:r>
+          </a:p>
+        </p:txBody>
+      </p:sp>
+      <p:sp>
+        <p:nvSpPr>
+          <p:cNvPr id="70" name="Content Placeholder 69">
+            <a:extLst>
+              <a:ext uri="{FF2B5EF4-FFF2-40B4-BE49-F238E27FC236}">
+                <a16:creationId xmlns:a16="http://schemas.microsoft.com/office/drawing/2014/main" id="{F7B4DEC6-EA68-4676-AFBF-8BDA9A3EB2AD}"/>
+              </a:ext>
+            </a:extLst>
+          </p:cNvPr>
+          <p:cNvSpPr>
+            <a:spLocks noGrp="1"/>
+          </p:cNvSpPr>
+          <p:nvPr>
+            <p:ph idx="1"/>
+          </p:nvPr>
+        </p:nvSpPr>
+        <p:spPr>
+          <a:xfrm>
+            <a:off x="7315201" y="1690689"/>
+            <a:ext cx="4734046" cy="4486274"/>
+          </a:xfrm>
+        </p:spPr>
+        <p:txBody>
+          <a:bodyPr>
+            <a:normAutofit/>
+          </a:bodyPr>
+          <a:lstStyle/>
+          <a:p>
+            <a:endParaRPr lang="en-US" sz="2000" dirty="0">
+              <a:solidFill>
+                <a:srgbClr val="FFFFFF"/>
+              </a:solidFill>
+            </a:endParaRPr>
+          </a:p>
+        </p:txBody>
+      </p:sp>
+      <p:pic>
+        <p:nvPicPr>
+          <p:cNvPr id="8" name="Content Placeholder 4">
+            <a:extLst>
+              <a:ext uri="{FF2B5EF4-FFF2-40B4-BE49-F238E27FC236}">
+                <a16:creationId xmlns:a16="http://schemas.microsoft.com/office/drawing/2014/main" id="{86F603C4-8114-4122-8273-0134C9B85D91}"/>
+              </a:ext>
+            </a:extLst>
+          </p:cNvPr>
+          <p:cNvPicPr>
+            <a:picLocks noChangeAspect="1"/>
+          </p:cNvPicPr>
+          <p:nvPr/>
+        </p:nvPicPr>
+        <p:blipFill>
+          <a:blip r:embed="rId2">
+            <a:extLst>
+              <a:ext uri="{28A0092B-C50C-407E-A947-70E740481C1C}">
+                <a14:useLocalDpi xmlns:a14="http://schemas.microsoft.com/office/drawing/2010/main" val="0"/>
+              </a:ext>
+            </a:extLst>
+          </a:blip>
+          <a:stretch>
+            <a:fillRect/>
+          </a:stretch>
+        </p:blipFill>
+        <p:spPr>
+          <a:xfrm>
+            <a:off x="142753" y="1275682"/>
+            <a:ext cx="7517887" cy="3758943"/>
+          </a:xfrm>
+          <a:prstGeom prst="rect">
+            <a:avLst/>
+          </a:prstGeom>
+        </p:spPr>
+      </p:pic>
+    </p:spTree>
+    <p:extLst>
+      <p:ext uri="{BB962C8B-B14F-4D97-AF65-F5344CB8AC3E}">
+        <p14:creationId xmlns:p14="http://schemas.microsoft.com/office/powerpoint/2010/main" val="402113895"/>
+      </p:ext>
+    </p:extLst>
+  </p:cSld>
+  <p:clrMapOvr>
+    <a:overrideClrMapping bg1="dk1" tx1="lt1" bg2="dk2" tx2="lt2" accent1="accent1" accent2="accent2" accent3="accent3" accent4="accent4" accent5="accent5" accent6="accent6" hlink="hlink" folHlink="folHlink"/>
+  </p:clrMapOvr>
+</p:sld>
+</file>
+
+<file path=ppt/slides/slide8.xml><?xml version="1.0" encoding="utf-8"?>
+<p:sld xmlns:a="http://schemas.openxmlformats.org/drawingml/2006/main" xmlns:r="http://schemas.openxmlformats.org/officeDocument/2006/relationships" xmlns:p="http://schemas.openxmlformats.org/presentationml/2006/main">
+  <p:cSld>
+    <p:bg>
+      <p:bgPr>
+        <a:solidFill>
+          <a:schemeClr val="bg1">
+            <a:tint val="95000"/>
+            <a:satMod val="170000"/>
+          </a:schemeClr>
+        </a:solidFill>
+        <a:effectLst/>
+      </p:bgPr>
+    </p:bg>
+    <p:spTree>
+      <p:nvGrpSpPr>
+        <p:cNvPr id="1" name=""/>
+        <p:cNvGrpSpPr/>
+        <p:nvPr/>
+      </p:nvGrpSpPr>
+      <p:grpSpPr>
+        <a:xfrm>
+          <a:off x="0" y="0"/>
+          <a:ext cx="0" cy="0"/>
+          <a:chOff x="0" y="0"/>
+          <a:chExt cx="0" cy="0"/>
+        </a:xfrm>
+      </p:grpSpPr>
+      <p:sp>
+        <p:nvSpPr>
+          <p:cNvPr id="8" name="Freeform: Shape 7">
+            <a:extLst>
+              <a:ext uri="{FF2B5EF4-FFF2-40B4-BE49-F238E27FC236}">
+                <a16:creationId xmlns:a16="http://schemas.microsoft.com/office/drawing/2014/main" id="{48A740BC-A0AA-45E0-B899-2AE9C6FE11CA}"/>
+              </a:ext>
+              <a:ext uri="{C183D7F6-B498-43B3-948B-1728B52AA6E4}">
+                <adec:decorative xmlns:adec="http://schemas.microsoft.com/office/drawing/2017/decorative" val="1"/>
+              </a:ext>
+            </a:extLst>
+          </p:cNvPr>
+          <p:cNvSpPr>
+            <a:spLocks noGrp="1" noRot="1" noChangeAspect="1" noMove="1" noResize="1" noEditPoints="1" noAdjustHandles="1" noChangeArrowheads="1" noChangeShapeType="1" noTextEdit="1"/>
+          </p:cNvSpPr>
+          <p:nvPr>
+            <p:extLst>
+              <p:ext uri="{386F3935-93C4-4BCD-93E2-E3B085C9AB24}">
+                <p16:designElem xmlns:p16="http://schemas.microsoft.com/office/powerpoint/2015/main" val="1"/>
+              </p:ext>
+            </p:extLst>
+          </p:nvPr>
+        </p:nvSpPr>
+        <p:spPr>
+          <a:xfrm>
+            <a:off x="5913121" y="-2"/>
+            <a:ext cx="6278879" cy="6858002"/>
+          </a:xfrm>
+          <a:custGeom>
+            <a:avLst/>
+            <a:gdLst>
+              <a:gd name="connsiteX0" fmla="*/ 45572 w 6278879"/>
+              <a:gd name="connsiteY0" fmla="*/ 0 h 6858002"/>
+              <a:gd name="connsiteX1" fmla="*/ 6278879 w 6278879"/>
+              <a:gd name="connsiteY1" fmla="*/ 0 h 6858002"/>
+              <a:gd name="connsiteX2" fmla="*/ 6278879 w 6278879"/>
+              <a:gd name="connsiteY2" fmla="*/ 6858002 h 6858002"/>
+              <a:gd name="connsiteX3" fmla="*/ 3292308 w 6278879"/>
+              <a:gd name="connsiteY3" fmla="*/ 6858002 h 6858002"/>
+              <a:gd name="connsiteX4" fmla="*/ 3181526 w 6278879"/>
+              <a:gd name="connsiteY4" fmla="*/ 6786982 h 6858002"/>
+              <a:gd name="connsiteX5" fmla="*/ 0 w 6278879"/>
+              <a:gd name="connsiteY5" fmla="*/ 803254 h 6858002"/>
+              <a:gd name="connsiteX6" fmla="*/ 37255 w 6278879"/>
+              <a:gd name="connsiteY6" fmla="*/ 65447 h 6858002"/>
+            </a:gdLst>
+            <a:ahLst/>
+            <a:cxnLst>
+              <a:cxn ang="0">
+                <a:pos x="connsiteX0" y="connsiteY0"/>
+              </a:cxn>
+              <a:cxn ang="0">
+                <a:pos x="connsiteX1" y="connsiteY1"/>
+              </a:cxn>
+              <a:cxn ang="0">
+                <a:pos x="connsiteX2" y="connsiteY2"/>
+              </a:cxn>
+              <a:cxn ang="0">
+                <a:pos x="connsiteX3" y="connsiteY3"/>
+              </a:cxn>
+              <a:cxn ang="0">
+                <a:pos x="connsiteX4" y="connsiteY4"/>
+              </a:cxn>
+              <a:cxn ang="0">
+                <a:pos x="connsiteX5" y="connsiteY5"/>
+              </a:cxn>
+              <a:cxn ang="0">
+                <a:pos x="connsiteX6" y="connsiteY6"/>
+              </a:cxn>
+            </a:cxnLst>
+            <a:rect l="l" t="t" r="r" b="b"/>
+            <a:pathLst>
+              <a:path w="6278879" h="6858002">
+                <a:moveTo>
+                  <a:pt x="45572" y="0"/>
+                </a:moveTo>
+                <a:lnTo>
+                  <a:pt x="6278879" y="0"/>
+                </a:lnTo>
+                <a:lnTo>
+                  <a:pt x="6278879" y="6858002"/>
+                </a:lnTo>
+                <a:lnTo>
+                  <a:pt x="3292308" y="6858002"/>
+                </a:lnTo>
+                <a:lnTo>
+                  <a:pt x="3181526" y="6786982"/>
+                </a:lnTo>
+                <a:cubicBezTo>
+                  <a:pt x="1262021" y="5490191"/>
+                  <a:pt x="0" y="3294103"/>
+                  <a:pt x="0" y="803254"/>
+                </a:cubicBezTo>
+                <a:cubicBezTo>
+                  <a:pt x="0" y="554169"/>
+                  <a:pt x="12620" y="308032"/>
+                  <a:pt x="37255" y="65447"/>
+                </a:cubicBezTo>
+                <a:close/>
+              </a:path>
+            </a:pathLst>
+          </a:custGeom>
+          <a:solidFill>
+            <a:schemeClr val="bg1">
+              <a:lumMod val="85000"/>
+              <a:lumOff val="15000"/>
+              <a:alpha val="70000"/>
+            </a:schemeClr>
+          </a:solidFill>
+          <a:ln>
+            <a:noFill/>
+          </a:ln>
+        </p:spPr>
+        <p:style>
+          <a:lnRef idx="2">
+            <a:schemeClr val="accent1">
+              <a:shade val="50000"/>
+            </a:schemeClr>
+          </a:lnRef>
+          <a:fillRef idx="1">
+            <a:schemeClr val="accent1"/>
+          </a:fillRef>
+          <a:effectRef idx="0">
+            <a:schemeClr val="accent1"/>
+          </a:effectRef>
+          <a:fontRef idx="minor">
+            <a:schemeClr val="lt1"/>
+          </a:fontRef>
+        </p:style>
+        <p:txBody>
+          <a:bodyPr rtlCol="0" anchor="ctr"/>
+          <a:lstStyle/>
+          <a:p>
+            <a:pPr marL="0" marR="0" lvl="0" indent="0" algn="ctr" defTabSz="914400" rtl="0" eaLnBrk="1" fontAlgn="auto" latinLnBrk="0" hangingPunct="1">
+              <a:lnSpc>
+                <a:spcPct val="100000"/>
+              </a:lnSpc>
+              <a:spcBef>
+                <a:spcPts val="0"/>
+              </a:spcBef>
+              <a:spcAft>
+                <a:spcPts val="0"/>
+              </a:spcAft>
+              <a:buClrTx/>
+              <a:buSzTx/>
+              <a:buFontTx/>
+              <a:buNone/>
+              <a:tabLst/>
+              <a:defRPr/>
+            </a:pPr>
+            <a:endParaRPr kumimoji="0" lang="en-US" sz="1800" b="0" i="0" u="none" strike="noStrike" kern="1200" cap="none" spc="0" normalizeH="0" baseline="0" noProof="0">
+              <a:ln>
+                <a:noFill/>
+              </a:ln>
+              <a:solidFill>
+                <a:prstClr val="white"/>
+              </a:solidFill>
+              <a:effectLst/>
+              <a:uLnTx/>
+              <a:uFillTx/>
+              <a:latin typeface="Calibri" panose="020F0502020204030204"/>
+              <a:ea typeface="+mn-ea"/>
+              <a:cs typeface="+mn-cs"/>
+            </a:endParaRPr>
+          </a:p>
+        </p:txBody>
+      </p:sp>
+      <p:sp>
+        <p:nvSpPr>
+          <p:cNvPr id="2" name="Title 1">
+            <a:extLst>
+              <a:ext uri="{FF2B5EF4-FFF2-40B4-BE49-F238E27FC236}">
+                <a16:creationId xmlns:a16="http://schemas.microsoft.com/office/drawing/2014/main" id="{044F4004-42C0-4D34-848A-911F52A5D71E}"/>
+              </a:ext>
+            </a:extLst>
+          </p:cNvPr>
+          <p:cNvSpPr>
+            <a:spLocks noGrp="1"/>
+          </p:cNvSpPr>
+          <p:nvPr>
+            <p:ph type="title"/>
+          </p:nvPr>
+        </p:nvSpPr>
+        <p:spPr>
+          <a:xfrm>
+            <a:off x="655320" y="365125"/>
+            <a:ext cx="9013052" cy="1623312"/>
+          </a:xfrm>
+        </p:spPr>
+        <p:txBody>
+          <a:bodyPr anchor="b">
+            <a:normAutofit/>
+          </a:bodyPr>
+          <a:lstStyle/>
+          <a:p>
+            <a:r>
+              <a:rPr lang="en-US" sz="4000"/>
+              <a:t>Hypothesis 3</a:t>
+            </a:r>
+          </a:p>
+        </p:txBody>
+      </p:sp>
+      <p:cxnSp>
+        <p:nvCxnSpPr>
+          <p:cNvPr id="10" name="Straight Arrow Connector 9">
+            <a:extLst>
+              <a:ext uri="{FF2B5EF4-FFF2-40B4-BE49-F238E27FC236}">
+                <a16:creationId xmlns:a16="http://schemas.microsoft.com/office/drawing/2014/main" id="{B874EF51-C858-4BB9-97C3-D17755787127}"/>
+              </a:ext>
+              <a:ext uri="{C183D7F6-B498-43B3-948B-1728B52AA6E4}">
+                <adec:decorative xmlns:adec="http://schemas.microsoft.com/office/drawing/2017/decorative" val="1"/>
+              </a:ext>
+            </a:extLst>
+          </p:cNvPr>
+          <p:cNvCxnSpPr>
+            <a:cxnSpLocks noGrp="1" noRot="1" noChangeAspect="1" noMove="1" noResize="1" noEditPoints="1" noAdjustHandles="1" noChangeArrowheads="1" noChangeShapeType="1"/>
+          </p:cNvCxnSpPr>
+          <p:nvPr>
+            <p:extLst>
+              <p:ext uri="{386F3935-93C4-4BCD-93E2-E3B085C9AB24}">
+                <p16:designElem xmlns:p16="http://schemas.microsoft.com/office/powerpoint/2015/main" val="1"/>
+              </p:ext>
+            </p:extLst>
+          </p:nvPr>
+        </p:nvCxnSpPr>
+        <p:spPr>
+          <a:xfrm>
+            <a:off x="763661" y="2316480"/>
+            <a:ext cx="8229600" cy="0"/>
+          </a:xfrm>
+          <a:prstGeom prst="straightConnector1">
+            <a:avLst/>
+          </a:prstGeom>
+          <a:ln w="19050" cap="sq">
+            <a:solidFill>
+              <a:schemeClr val="tx1"/>
+            </a:solidFill>
+            <a:tailEnd type="none"/>
+          </a:ln>
+        </p:spPr>
+        <p:style>
+          <a:lnRef idx="1">
+            <a:schemeClr val="accent1"/>
+          </a:lnRef>
+          <a:fillRef idx="0">
+            <a:schemeClr val="accent1"/>
+          </a:fillRef>
+          <a:effectRef idx="0">
+            <a:schemeClr val="accent1"/>
+          </a:effectRef>
+          <a:fontRef idx="minor">
+            <a:schemeClr val="tx1"/>
+          </a:fontRef>
+        </p:style>
+      </p:cxnSp>
+      <p:sp>
+        <p:nvSpPr>
+          <p:cNvPr id="3" name="Content Placeholder 2">
+            <a:extLst>
+              <a:ext uri="{FF2B5EF4-FFF2-40B4-BE49-F238E27FC236}">
+                <a16:creationId xmlns:a16="http://schemas.microsoft.com/office/drawing/2014/main" id="{8081E251-D729-486D-866F-6F6A49CD876D}"/>
+              </a:ext>
+            </a:extLst>
+          </p:cNvPr>
+          <p:cNvSpPr>
+            <a:spLocks noGrp="1"/>
+          </p:cNvSpPr>
+          <p:nvPr>
+            <p:ph idx="1"/>
+          </p:nvPr>
+        </p:nvSpPr>
+        <p:spPr>
+          <a:xfrm>
+            <a:off x="655320" y="2644518"/>
+            <a:ext cx="9013052" cy="3327251"/>
+          </a:xfrm>
+        </p:spPr>
+        <p:txBody>
+          <a:bodyPr>
+            <a:normAutofit/>
+          </a:bodyPr>
+          <a:lstStyle/>
+          <a:p>
+            <a:endParaRPr lang="en-US" sz="2000"/>
+          </a:p>
+        </p:txBody>
+      </p:sp>
+    </p:spTree>
+    <p:extLst>
+      <p:ext uri="{BB962C8B-B14F-4D97-AF65-F5344CB8AC3E}">
+        <p14:creationId xmlns:p14="http://schemas.microsoft.com/office/powerpoint/2010/main" val="505448603"/>
+      </p:ext>
+    </p:extLst>
+  </p:cSld>
+  <p:clrMapOvr>
+    <a:overrideClrMapping bg1="dk1" tx1="lt1" bg2="dk2" tx2="lt2" accent1="accent1" accent2="accent2" accent3="accent3" accent4="accent4" accent5="accent5" accent6="accent6" hlink="hlink" folHlink="folHlink"/>
+  </p:clrMapOvr>
+</p:sld>
+</file>
+
+<file path=ppt/slides/slide9.xml><?xml version="1.0" encoding="utf-8"?>
+<p:sld xmlns:a="http://schemas.openxmlformats.org/drawingml/2006/main" xmlns:r="http://schemas.openxmlformats.org/officeDocument/2006/relationships" xmlns:p="http://schemas.openxmlformats.org/presentationml/2006/main">
+  <p:cSld>
+    <p:bg>
+      <p:bgPr>
+        <a:solidFill>
+          <a:srgbClr val="404040"/>
+        </a:solidFill>
+        <a:effectLst/>
+      </p:bgPr>
+    </p:bg>
+    <p:spTree>
+      <p:nvGrpSpPr>
+        <p:cNvPr id="1" name=""/>
+        <p:cNvGrpSpPr/>
+        <p:nvPr/>
+      </p:nvGrpSpPr>
+      <p:grpSpPr>
+        <a:xfrm>
+          <a:off x="0" y="0"/>
+          <a:ext cx="0" cy="0"/>
+          <a:chOff x="0" y="0"/>
+          <a:chExt cx="0" cy="0"/>
+        </a:xfrm>
+      </p:grpSpPr>
+      <p:sp>
+        <p:nvSpPr>
+          <p:cNvPr id="8" name="Rectangle 7">
+            <a:extLst>
+              <a:ext uri="{FF2B5EF4-FFF2-40B4-BE49-F238E27FC236}">
+                <a16:creationId xmlns:a16="http://schemas.microsoft.com/office/drawing/2014/main" id="{EA67B5B4-3A24-436E-B663-1B2EBFF8A0CD}"/>
+              </a:ext>
+              <a:ext uri="{C183D7F6-B498-43B3-948B-1728B52AA6E4}">
+                <adec:decorative xmlns:adec="http://schemas.microsoft.com/office/drawing/2017/decorative" val="1"/>
+              </a:ext>
+            </a:extLst>
+          </p:cNvPr>
+          <p:cNvSpPr>
+            <a:spLocks noGrp="1" noRot="1" noChangeAspect="1" noMove="1" noResize="1" noEditPoints="1" noAdjustHandles="1" noChangeArrowheads="1" noChangeShapeType="1" noTextEdit="1"/>
+          </p:cNvSpPr>
+          <p:nvPr>
+            <p:extLst>
+              <p:ext uri="{386F3935-93C4-4BCD-93E2-E3B085C9AB24}">
+                <p16:designElem xmlns:p16="http://schemas.microsoft.com/office/powerpoint/2015/main" val="1"/>
+              </p:ext>
+            </p:extLst>
+          </p:nvPr>
+        </p:nvSpPr>
+        <p:spPr>
+          <a:xfrm>
+            <a:off x="0" y="-3324"/>
+            <a:ext cx="12192000" cy="6861324"/>
+          </a:xfrm>
+          <a:prstGeom prst="rect">
+            <a:avLst/>
+          </a:prstGeom>
+          <a:solidFill>
+            <a:srgbClr val="404040"/>
+          </a:solidFill>
+          <a:ln>
+            <a:noFill/>
+          </a:ln>
+        </p:spPr>
+        <p:style>
+          <a:lnRef idx="2">
+            <a:schemeClr val="accent1">
+              <a:shade val="50000"/>
+            </a:schemeClr>
+          </a:lnRef>
+          <a:fillRef idx="1">
+            <a:schemeClr val="accent1"/>
+          </a:fillRef>
+          <a:effectRef idx="0">
+            <a:schemeClr val="accent1"/>
+          </a:effectRef>
+          <a:fontRef idx="minor">
+            <a:schemeClr val="lt1"/>
+          </a:fontRef>
+        </p:style>
+        <p:txBody>
+          <a:bodyPr rtlCol="0" anchor="ctr"/>
+          <a:lstStyle/>
+          <a:p>
+            <a:pPr algn="ctr"/>
+            <a:endParaRPr lang="en-US"/>
+          </a:p>
+        </p:txBody>
+      </p:sp>
+      <p:sp>
+        <p:nvSpPr>
+          <p:cNvPr id="10" name="Freeform 13">
+            <a:extLst>
+              <a:ext uri="{FF2B5EF4-FFF2-40B4-BE49-F238E27FC236}">
+                <a16:creationId xmlns:a16="http://schemas.microsoft.com/office/drawing/2014/main" id="{987FDF89-C993-41F4-A1B8-DBAFF16008A9}"/>
+              </a:ext>
+              <a:ext uri="{C183D7F6-B498-43B3-948B-1728B52AA6E4}">
+                <adec:decorative xmlns:adec="http://schemas.microsoft.com/office/drawing/2017/decorative" val="1"/>
+              </a:ext>
+            </a:extLst>
+          </p:cNvPr>
+          <p:cNvSpPr>
+            <a:spLocks noGrp="1" noRot="1" noChangeAspect="1" noMove="1" noResize="1" noEditPoints="1" noAdjustHandles="1" noChangeArrowheads="1" noChangeShapeType="1" noTextEdit="1"/>
+          </p:cNvSpPr>
+          <p:nvPr>
+            <p:extLst>
+              <p:ext uri="{386F3935-93C4-4BCD-93E2-E3B085C9AB24}">
+                <p16:designElem xmlns:p16="http://schemas.microsoft.com/office/powerpoint/2015/main" val="1"/>
+              </p:ext>
+            </p:extLst>
+          </p:nvPr>
+        </p:nvSpPr>
+        <p:spPr>
+          <a:xfrm>
+            <a:off x="0" y="0"/>
+            <a:ext cx="11786754" cy="6858000"/>
+          </a:xfrm>
+          <a:custGeom>
+            <a:avLst/>
+            <a:gdLst>
+              <a:gd name="connsiteX0" fmla="*/ 0 w 11786754"/>
+              <a:gd name="connsiteY0" fmla="*/ 0 h 6858000"/>
+              <a:gd name="connsiteX1" fmla="*/ 8610600 w 11786754"/>
+              <a:gd name="connsiteY1" fmla="*/ 0 h 6858000"/>
+              <a:gd name="connsiteX2" fmla="*/ 11786754 w 11786754"/>
+              <a:gd name="connsiteY2" fmla="*/ 6858000 h 6858000"/>
+              <a:gd name="connsiteX3" fmla="*/ 0 w 11786754"/>
+              <a:gd name="connsiteY3" fmla="*/ 6858000 h 6858000"/>
+            </a:gdLst>
+            <a:ahLst/>
+            <a:cxnLst>
+              <a:cxn ang="0">
+                <a:pos x="connsiteX0" y="connsiteY0"/>
+              </a:cxn>
+              <a:cxn ang="0">
+                <a:pos x="connsiteX1" y="connsiteY1"/>
+              </a:cxn>
+              <a:cxn ang="0">
+                <a:pos x="connsiteX2" y="connsiteY2"/>
+              </a:cxn>
+              <a:cxn ang="0">
+                <a:pos x="connsiteX3" y="connsiteY3"/>
+              </a:cxn>
+            </a:cxnLst>
+            <a:rect l="l" t="t" r="r" b="b"/>
+            <a:pathLst>
+              <a:path w="11786754" h="6858000">
+                <a:moveTo>
+                  <a:pt x="0" y="0"/>
+                </a:moveTo>
+                <a:lnTo>
+                  <a:pt x="8610600" y="0"/>
+                </a:lnTo>
+                <a:lnTo>
+                  <a:pt x="11786754" y="6858000"/>
+                </a:lnTo>
+                <a:lnTo>
+                  <a:pt x="0" y="6858000"/>
+                </a:lnTo>
+                <a:close/>
+              </a:path>
+            </a:pathLst>
+          </a:custGeom>
+          <a:solidFill>
+            <a:srgbClr val="000000">
+              <a:alpha val="29804"/>
+            </a:srgbClr>
+          </a:solidFill>
+          <a:ln>
+            <a:noFill/>
+          </a:ln>
+        </p:spPr>
+        <p:style>
+          <a:lnRef idx="2">
+            <a:schemeClr val="accent1">
+              <a:shade val="50000"/>
+            </a:schemeClr>
+          </a:lnRef>
+          <a:fillRef idx="1">
+            <a:schemeClr val="accent1"/>
+          </a:fillRef>
+          <a:effectRef idx="0">
+            <a:schemeClr val="accent1"/>
+          </a:effectRef>
+          <a:fontRef idx="minor">
+            <a:schemeClr val="lt1"/>
+          </a:fontRef>
+        </p:style>
+        <p:txBody>
+          <a:bodyPr rtlCol="0" anchor="ctr"/>
+          <a:lstStyle/>
+          <a:p>
+            <a:pPr algn="ctr"/>
+            <a:endParaRPr lang="en-US"/>
+          </a:p>
+        </p:txBody>
+      </p:sp>
+      <p:sp>
+        <p:nvSpPr>
+          <p:cNvPr id="12" name="Freeform 11">
+            <a:extLst>
+              <a:ext uri="{FF2B5EF4-FFF2-40B4-BE49-F238E27FC236}">
+                <a16:creationId xmlns:a16="http://schemas.microsoft.com/office/drawing/2014/main" id="{64E585EA-75FD-4025-8270-F66A58A15CDA}"/>
+              </a:ext>
+              <a:ext uri="{C183D7F6-B498-43B3-948B-1728B52AA6E4}">
+                <adec:decorative xmlns:adec="http://schemas.microsoft.com/office/drawing/2017/decorative" val="1"/>
+              </a:ext>
+            </a:extLst>
+          </p:cNvPr>
+          <p:cNvSpPr>
+            <a:spLocks noGrp="1" noRot="1" noChangeAspect="1" noMove="1" noResize="1" noEditPoints="1" noAdjustHandles="1" noChangeArrowheads="1" noChangeShapeType="1" noTextEdit="1"/>
+          </p:cNvSpPr>
+          <p:nvPr>
+            <p:extLst>
+              <p:ext uri="{386F3935-93C4-4BCD-93E2-E3B085C9AB24}">
+                <p16:designElem xmlns:p16="http://schemas.microsoft.com/office/powerpoint/2015/main" val="1"/>
+              </p:ext>
+            </p:extLst>
+          </p:nvPr>
+        </p:nvSpPr>
+        <p:spPr>
+          <a:xfrm>
+            <a:off x="0" y="0"/>
+            <a:ext cx="3581400" cy="6858000"/>
+          </a:xfrm>
+          <a:custGeom>
+            <a:avLst/>
+            <a:gdLst>
+              <a:gd name="connsiteX0" fmla="*/ 0 w 3581400"/>
+              <a:gd name="connsiteY0" fmla="*/ 0 h 6858000"/>
+              <a:gd name="connsiteX1" fmla="*/ 405246 w 3581400"/>
+              <a:gd name="connsiteY1" fmla="*/ 0 h 6858000"/>
+              <a:gd name="connsiteX2" fmla="*/ 3581400 w 3581400"/>
+              <a:gd name="connsiteY2" fmla="*/ 6858000 h 6858000"/>
+              <a:gd name="connsiteX3" fmla="*/ 0 w 3581400"/>
+              <a:gd name="connsiteY3" fmla="*/ 6858000 h 6858000"/>
+            </a:gdLst>
+            <a:ahLst/>
+            <a:cxnLst>
+              <a:cxn ang="0">
+                <a:pos x="connsiteX0" y="connsiteY0"/>
+              </a:cxn>
+              <a:cxn ang="0">
+                <a:pos x="connsiteX1" y="connsiteY1"/>
+              </a:cxn>
+              <a:cxn ang="0">
+                <a:pos x="connsiteX2" y="connsiteY2"/>
+              </a:cxn>
+              <a:cxn ang="0">
+                <a:pos x="connsiteX3" y="connsiteY3"/>
+              </a:cxn>
+            </a:cxnLst>
+            <a:rect l="l" t="t" r="r" b="b"/>
+            <a:pathLst>
+              <a:path w="3581400" h="6858000">
+                <a:moveTo>
+                  <a:pt x="0" y="0"/>
+                </a:moveTo>
+                <a:lnTo>
+                  <a:pt x="405246" y="0"/>
+                </a:lnTo>
+                <a:lnTo>
+                  <a:pt x="3581400" y="6858000"/>
+                </a:lnTo>
+                <a:lnTo>
+                  <a:pt x="0" y="6858000"/>
+                </a:lnTo>
+                <a:close/>
+              </a:path>
+            </a:pathLst>
+          </a:custGeom>
+          <a:solidFill>
+            <a:srgbClr val="000000">
+              <a:alpha val="29804"/>
+            </a:srgbClr>
+          </a:solidFill>
+          <a:ln>
+            <a:noFill/>
+          </a:ln>
+        </p:spPr>
+        <p:style>
+          <a:lnRef idx="2">
+            <a:schemeClr val="accent1">
+              <a:shade val="50000"/>
+            </a:schemeClr>
+          </a:lnRef>
+          <a:fillRef idx="1">
+            <a:schemeClr val="accent1"/>
+          </a:fillRef>
+          <a:effectRef idx="0">
+            <a:schemeClr val="accent1"/>
+          </a:effectRef>
+          <a:fontRef idx="minor">
+            <a:schemeClr val="lt1"/>
+          </a:fontRef>
+        </p:style>
+        <p:txBody>
+          <a:bodyPr wrap="square" rtlCol="0" anchor="ctr">
+            <a:noAutofit/>
+          </a:bodyPr>
+          <a:lstStyle/>
+          <a:p>
+            <a:pPr algn="ctr"/>
+            <a:endParaRPr lang="en-US"/>
+          </a:p>
+        </p:txBody>
+      </p:sp>
+      <p:sp>
+        <p:nvSpPr>
+          <p:cNvPr id="2" name="Title 1">
+            <a:extLst>
+              <a:ext uri="{FF2B5EF4-FFF2-40B4-BE49-F238E27FC236}">
+                <a16:creationId xmlns:a16="http://schemas.microsoft.com/office/drawing/2014/main" id="{B2102F1C-D10E-46A1-87E7-A3FDE70338AC}"/>
+              </a:ext>
+            </a:extLst>
+          </p:cNvPr>
+          <p:cNvSpPr>
+            <a:spLocks noGrp="1"/>
+          </p:cNvSpPr>
+          <p:nvPr>
+            <p:ph type="title"/>
+          </p:nvPr>
+        </p:nvSpPr>
+        <p:spPr>
+          <a:xfrm>
+            <a:off x="833002" y="365125"/>
+            <a:ext cx="10520702" cy="1325563"/>
+          </a:xfrm>
+        </p:spPr>
+        <p:txBody>
+          <a:bodyPr>
+            <a:normAutofit/>
+          </a:bodyPr>
+          <a:lstStyle/>
+          <a:p>
+            <a:endParaRPr lang="en-US">
+              <a:solidFill>
+                <a:srgbClr val="FFFFFF"/>
+              </a:solidFill>
+            </a:endParaRPr>
+          </a:p>
+        </p:txBody>
+      </p:sp>
+      <p:pic>
+        <p:nvPicPr>
+          <p:cNvPr id="5" name="Content Placeholder 4">
+            <a:extLst>
+              <a:ext uri="{FF2B5EF4-FFF2-40B4-BE49-F238E27FC236}">
+                <a16:creationId xmlns:a16="http://schemas.microsoft.com/office/drawing/2014/main" id="{EF06CDF1-4450-4B8A-B64B-7F35D2B743DB}"/>
+              </a:ext>
+            </a:extLst>
+          </p:cNvPr>
+          <p:cNvPicPr>
+            <a:picLocks noGrp="1" noChangeAspect="1"/>
+          </p:cNvPicPr>
+          <p:nvPr>
+            <p:ph idx="1"/>
+          </p:nvPr>
+        </p:nvPicPr>
+        <p:blipFill>
+          <a:blip r:embed="rId2">
+            <a:extLst>
+              <a:ext uri="{BEBA8EAE-BF5A-486C-A8C5-ECC9F3942E4B}">
+                <a14:imgProps xmlns:a14="http://schemas.microsoft.com/office/drawing/2010/main">
+                  <a14:imgLayer r:embed="rId3">
+                    <a14:imgEffect>
+                      <a14:saturation sat="66000"/>
+                    </a14:imgEffect>
+                  </a14:imgLayer>
+                </a14:imgProps>
+              </a:ext>
+              <a:ext uri="{28A0092B-C50C-407E-A947-70E740481C1C}">
+                <a14:useLocalDpi xmlns:a14="http://schemas.microsoft.com/office/drawing/2010/main" val="0"/>
+              </a:ext>
+            </a:extLst>
+          </a:blip>
+          <a:stretch>
+            <a:fillRect/>
+          </a:stretch>
+        </p:blipFill>
+        <p:spPr>
+          <a:xfrm>
+            <a:off x="1941512" y="2022475"/>
+            <a:ext cx="8308976" cy="4154488"/>
+          </a:xfrm>
+        </p:spPr>
+      </p:pic>
+    </p:spTree>
+    <p:extLst>
+      <p:ext uri="{BB962C8B-B14F-4D97-AF65-F5344CB8AC3E}">
+        <p14:creationId xmlns:p14="http://schemas.microsoft.com/office/powerpoint/2010/main" val="375540621"/>
+      </p:ext>
+    </p:extLst>
+  </p:cSld>
+  <p:clrMapOvr>
+    <a:overrideClrMapping bg1="dk1" tx1="lt1" bg2="dk2" tx2="lt2" accent1="accent1" accent2="accent2" accent3="accent3" accent4="accent4" accent5="accent5" accent6="accent6" hlink="hlink" folHlink="folHlink"/>
   </p:clrMapOvr>
 </p:sld>
 </file>
